--- a/chapter1/파이썬 웹 파싱 기초.pptx
+++ b/chapter1/파이썬 웹 파싱 기초.pptx
@@ -2,37 +2,38 @@
 <file path=ppt/presentation.xml><?xml version="1.0" encoding="utf-8"?>
 <p:presentation xmlns:a="http://schemas.openxmlformats.org/drawingml/2006/main" xmlns:p="http://schemas.openxmlformats.org/presentationml/2006/main" xmlns:r="http://schemas.openxmlformats.org/officeDocument/2006/relationships" xmlns:p14="http://schemas.microsoft.com/office/powerpoint/2010/main" xmlns:p15="http://schemas.microsoft.com/office/powerpoint/2012/main" xmlns:mc="http://schemas.openxmlformats.org/markup-compatibility/2006">
   <p:sldMasterIdLst>
-    <p:sldMasterId id="2147483648" r:id="rId2"/>
-    <p:sldMasterId id="2147483661" r:id="rId3"/>
+    <p:sldMasterId id="2147483674" r:id="rId25"/>
+    <p:sldMasterId id="2147483675" r:id="rId27"/>
   </p:sldMasterIdLst>
   <p:sldIdLst>
-    <p:sldId id="256" r:id="rId4"/>
-    <p:sldId id="257" r:id="rId5"/>
-    <p:sldId id="258" r:id="rId6"/>
-    <p:sldId id="259" r:id="rId7"/>
-    <p:sldId id="260" r:id="rId8"/>
-    <p:sldId id="261" r:id="rId9"/>
-    <p:sldId id="262" r:id="rId10"/>
-    <p:sldId id="263" r:id="rId11"/>
-    <p:sldId id="264" r:id="rId12"/>
-    <p:sldId id="265" r:id="rId13"/>
-    <p:sldId id="266" r:id="rId14"/>
-    <p:sldId id="267" r:id="rId15"/>
-    <p:sldId id="268" r:id="rId16"/>
-    <p:sldId id="269" r:id="rId17"/>
-    <p:sldId id="270" r:id="rId18"/>
-    <p:sldId id="271" r:id="rId19"/>
-    <p:sldId id="272" r:id="rId20"/>
-    <p:sldId id="273" r:id="rId21"/>
-    <p:sldId id="274" r:id="rId22"/>
-    <p:sldId id="275" r:id="rId23"/>
-    <p:sldId id="276" r:id="rId24"/>
-    <p:sldId id="277" r:id="rId25"/>
-    <p:sldId id="278" r:id="rId26"/>
-    <p:sldId id="279" r:id="rId27"/>
-    <p:sldId id="280" r:id="rId28"/>
-    <p:sldId id="281" r:id="rId29"/>
-    <p:sldId id="282" r:id="rId30"/>
+    <p:sldId id="256" r:id="rId29"/>
+    <p:sldId id="257" r:id="rId30"/>
+    <p:sldId id="284" r:id="rId31"/>
+    <p:sldId id="258" r:id="rId32"/>
+    <p:sldId id="259" r:id="rId33"/>
+    <p:sldId id="260" r:id="rId34"/>
+    <p:sldId id="261" r:id="rId35"/>
+    <p:sldId id="262" r:id="rId36"/>
+    <p:sldId id="263" r:id="rId37"/>
+    <p:sldId id="264" r:id="rId38"/>
+    <p:sldId id="265" r:id="rId39"/>
+    <p:sldId id="266" r:id="rId40"/>
+    <p:sldId id="267" r:id="rId41"/>
+    <p:sldId id="268" r:id="rId42"/>
+    <p:sldId id="269" r:id="rId43"/>
+    <p:sldId id="270" r:id="rId44"/>
+    <p:sldId id="271" r:id="rId45"/>
+    <p:sldId id="272" r:id="rId46"/>
+    <p:sldId id="273" r:id="rId47"/>
+    <p:sldId id="274" r:id="rId48"/>
+    <p:sldId id="275" r:id="rId49"/>
+    <p:sldId id="276" r:id="rId50"/>
+    <p:sldId id="277" r:id="rId51"/>
+    <p:sldId id="278" r:id="rId52"/>
+    <p:sldId id="279" r:id="rId53"/>
+    <p:sldId id="280" r:id="rId54"/>
+    <p:sldId id="281" r:id="rId55"/>
+    <p:sldId id="282" r:id="rId56"/>
   </p:sldIdLst>
   <p:sldSz cx="12192000" cy="6858000"/>
   <p:notesSz cx="7772400" cy="10058400"/>
@@ -4288,8 +4289,8 @@
         </p:nvSpPr>
         <p:spPr>
           <a:xfrm>
-            <a:off x="1523880" y="1122480"/>
-            <a:ext cx="9143640" cy="2387160"/>
+            <a:off x="1524000" y="1122680"/>
+            <a:ext cx="9143365" cy="2386965"/>
           </a:xfrm>
           <a:prstGeom prst="rect">
             <a:avLst/>
@@ -4343,8 +4344,8 @@
         </p:nvSpPr>
         <p:spPr>
           <a:xfrm>
-            <a:off x="1523880" y="3602160"/>
-            <a:ext cx="9143640" cy="1655280"/>
+            <a:off x="1524000" y="3602355"/>
+            <a:ext cx="9143365" cy="1655445"/>
           </a:xfrm>
           <a:prstGeom prst="rect">
             <a:avLst/>
@@ -4374,22 +4375,30 @@
       </p:sp>
     </p:spTree>
   </p:cSld>
+  <mc:AlternateContent xmlns:mc="http://schemas.openxmlformats.org/markup-compatibility/2006">
+    <mc:Choice xmlns:p14="http://schemas.microsoft.com/office/powerpoint/2010/main" Requires="p14">
+      <p:transition spd="slow" p14:dur="2000"/>
+    </mc:Choice>
+    <mc:Fallback>
+      <p:transition spd="slow"/>
+    </mc:Fallback>
+  </mc:AlternateContent>
   <p:timing>
     <p:tnLst>
       <p:par>
         <p:cTn id="1" dur="indefinite" restart="never" nodeType="tmRoot">
           <p:childTnLst>
-            <p:seq>
+            <p:seq concurrent="0">
               <p:cTn id="2" nodeType="mainSeq"/>
               <p:prevCondLst>
-                <p:cond delay="0" evt="onPrev">
+                <p:cond evt="onPrev" delay="0">
                   <p:tgtEl>
                     <p:sldTgt/>
                   </p:tgtEl>
                 </p:cond>
               </p:prevCondLst>
               <p:nextCondLst>
-                <p:cond delay="0" evt="onNext">
+                <p:cond evt="onNext" delay="0">
                   <p:tgtEl>
                     <p:sldTgt/>
                   </p:tgtEl>
@@ -4423,14 +4432,14 @@
       </p:grpSpPr>
       <p:sp>
         <p:nvSpPr>
-          <p:cNvPr id="128" name="TextShape 1"/>
+          <p:cNvPr id="120" name="TextShape 1"/>
           <p:cNvSpPr txBox="1"/>
           <p:nvPr/>
         </p:nvSpPr>
         <p:spPr>
           <a:xfrm>
-            <a:off x="838080" y="365040"/>
-            <a:ext cx="10515240" cy="1325160"/>
+            <a:off x="838200" y="365125"/>
+            <a:ext cx="10514965" cy="1325245"/>
           </a:xfrm>
           <a:prstGeom prst="rect">
             <a:avLst/>
@@ -4502,7 +4511,7 @@
                 </a:uFill>
                 <a:latin typeface="Calibri Light"/>
               </a:rPr>
-              <a:t>3) – Variable Types</a:t>
+              <a:t>3) – Basic Syntax</a:t>
             </a:r>
             <a:endParaRPr b="0" lang="en-US" sz="4400" spc="-1" strike="noStrike">
               <a:solidFill>
@@ -4520,14 +4529,14 @@
       </p:sp>
       <p:sp>
         <p:nvSpPr>
-          <p:cNvPr id="129" name="TextShape 2"/>
+          <p:cNvPr id="121" name="TextShape 2"/>
           <p:cNvSpPr txBox="1"/>
           <p:nvPr/>
         </p:nvSpPr>
         <p:spPr>
           <a:xfrm>
-            <a:off x="838080" y="1825560"/>
-            <a:ext cx="10515240" cy="4350960"/>
+            <a:off x="838200" y="1825625"/>
+            <a:ext cx="10514965" cy="4351020"/>
           </a:xfrm>
           <a:prstGeom prst="rect">
             <a:avLst/>
@@ -4565,7 +4574,7 @@
                 </a:uFill>
                 <a:latin typeface="Calibri"/>
               </a:rPr>
-              <a:t>Standard Data Types</a:t>
+              <a:t>!#/usr/bin/python3</a:t>
             </a:r>
             <a:endParaRPr b="0" lang="en-US" sz="2800" spc="-1" strike="noStrike">
               <a:solidFill>
@@ -4580,194 +4589,15 @@
             </a:endParaRPr>
           </a:p>
           <a:p>
-            <a:pPr lvl="1" marL="685800" indent="-228240">
+            <a:pPr>
               <a:lnSpc>
-                <a:spcPct val="100000"/>
+                <a:spcPct val="90000"/>
               </a:lnSpc>
               <a:spcBef>
-                <a:spcPts val="499"/>
+                <a:spcPts val="1001"/>
               </a:spcBef>
-              <a:buClr>
-                <a:srgbClr val="000000"/>
-              </a:buClr>
-              <a:buFont typeface="Arial"/>
-              <a:buChar char="•"/>
             </a:pPr>
-            <a:r>
-              <a:rPr b="0" lang="en-US" sz="2400" spc="-1" strike="noStrike">
-                <a:solidFill>
-                  <a:srgbClr val="000000"/>
-                </a:solidFill>
-                <a:uFill>
-                  <a:solidFill>
-                    <a:srgbClr val="ffffff"/>
-                  </a:solidFill>
-                </a:uFill>
-                <a:latin typeface="Calibri"/>
-              </a:rPr>
-              <a:t>Numbers</a:t>
-            </a:r>
-            <a:endParaRPr b="0" lang="en-US" sz="2400" spc="-1" strike="noStrike">
-              <a:solidFill>
-                <a:srgbClr val="000000"/>
-              </a:solidFill>
-              <a:uFill>
-                <a:solidFill>
-                  <a:srgbClr val="ffffff"/>
-                </a:solidFill>
-              </a:uFill>
-              <a:latin typeface="Calibri"/>
-            </a:endParaRPr>
-          </a:p>
-          <a:p>
-            <a:pPr lvl="1" marL="685800" indent="-228240">
-              <a:lnSpc>
-                <a:spcPct val="100000"/>
-              </a:lnSpc>
-              <a:spcBef>
-                <a:spcPts val="499"/>
-              </a:spcBef>
-              <a:buClr>
-                <a:srgbClr val="000000"/>
-              </a:buClr>
-              <a:buFont typeface="Arial"/>
-              <a:buChar char="•"/>
-            </a:pPr>
-            <a:r>
-              <a:rPr b="0" lang="en-US" sz="2400" spc="-1" strike="noStrike">
-                <a:solidFill>
-                  <a:srgbClr val="000000"/>
-                </a:solidFill>
-                <a:uFill>
-                  <a:solidFill>
-                    <a:srgbClr val="ffffff"/>
-                  </a:solidFill>
-                </a:uFill>
-                <a:latin typeface="Calibri"/>
-              </a:rPr>
-              <a:t>String</a:t>
-            </a:r>
-            <a:endParaRPr b="0" lang="en-US" sz="2400" spc="-1" strike="noStrike">
-              <a:solidFill>
-                <a:srgbClr val="000000"/>
-              </a:solidFill>
-              <a:uFill>
-                <a:solidFill>
-                  <a:srgbClr val="ffffff"/>
-                </a:solidFill>
-              </a:uFill>
-              <a:latin typeface="Calibri"/>
-            </a:endParaRPr>
-          </a:p>
-          <a:p>
-            <a:pPr lvl="1" marL="685800" indent="-228240">
-              <a:lnSpc>
-                <a:spcPct val="100000"/>
-              </a:lnSpc>
-              <a:spcBef>
-                <a:spcPts val="499"/>
-              </a:spcBef>
-              <a:buClr>
-                <a:srgbClr val="000000"/>
-              </a:buClr>
-              <a:buFont typeface="Arial"/>
-              <a:buChar char="•"/>
-            </a:pPr>
-            <a:r>
-              <a:rPr b="0" lang="en-US" sz="2400" spc="-1" strike="noStrike">
-                <a:solidFill>
-                  <a:srgbClr val="000000"/>
-                </a:solidFill>
-                <a:uFill>
-                  <a:solidFill>
-                    <a:srgbClr val="ffffff"/>
-                  </a:solidFill>
-                </a:uFill>
-                <a:latin typeface="Calibri"/>
-              </a:rPr>
-              <a:t>List</a:t>
-            </a:r>
-            <a:endParaRPr b="0" lang="en-US" sz="2400" spc="-1" strike="noStrike">
-              <a:solidFill>
-                <a:srgbClr val="000000"/>
-              </a:solidFill>
-              <a:uFill>
-                <a:solidFill>
-                  <a:srgbClr val="ffffff"/>
-                </a:solidFill>
-              </a:uFill>
-              <a:latin typeface="Calibri"/>
-            </a:endParaRPr>
-          </a:p>
-          <a:p>
-            <a:pPr lvl="1" marL="685800" indent="-228240">
-              <a:lnSpc>
-                <a:spcPct val="100000"/>
-              </a:lnSpc>
-              <a:spcBef>
-                <a:spcPts val="499"/>
-              </a:spcBef>
-              <a:buClr>
-                <a:srgbClr val="000000"/>
-              </a:buClr>
-              <a:buFont typeface="Arial"/>
-              <a:buChar char="•"/>
-            </a:pPr>
-            <a:r>
-              <a:rPr b="0" lang="en-US" sz="2400" spc="-1" strike="noStrike">
-                <a:solidFill>
-                  <a:srgbClr val="000000"/>
-                </a:solidFill>
-                <a:uFill>
-                  <a:solidFill>
-                    <a:srgbClr val="ffffff"/>
-                  </a:solidFill>
-                </a:uFill>
-                <a:latin typeface="Calibri"/>
-              </a:rPr>
-              <a:t>Tuple</a:t>
-            </a:r>
-            <a:endParaRPr b="0" lang="en-US" sz="2400" spc="-1" strike="noStrike">
-              <a:solidFill>
-                <a:srgbClr val="000000"/>
-              </a:solidFill>
-              <a:uFill>
-                <a:solidFill>
-                  <a:srgbClr val="ffffff"/>
-                </a:solidFill>
-              </a:uFill>
-              <a:latin typeface="Calibri"/>
-            </a:endParaRPr>
-          </a:p>
-          <a:p>
-            <a:pPr lvl="1" marL="685800" indent="-228240">
-              <a:lnSpc>
-                <a:spcPct val="100000"/>
-              </a:lnSpc>
-              <a:spcBef>
-                <a:spcPts val="499"/>
-              </a:spcBef>
-              <a:buClr>
-                <a:srgbClr val="000000"/>
-              </a:buClr>
-              <a:buFont typeface="Arial"/>
-              <a:buChar char="•"/>
-            </a:pPr>
-            <a:r>
-              <a:rPr b="0" lang="en-US" sz="2400" spc="-1" strike="noStrike">
-                <a:solidFill>
-                  <a:srgbClr val="000000"/>
-                </a:solidFill>
-                <a:uFill>
-                  <a:solidFill>
-                    <a:srgbClr val="ffffff"/>
-                  </a:solidFill>
-                </a:uFill>
-                <a:latin typeface="Calibri"/>
-              </a:rPr>
-              <a:t>Dictionary</a:t>
-            </a:r>
-            <a:endParaRPr b="0" lang="en-US" sz="2400" spc="-1" strike="noStrike">
+            <a:endParaRPr b="0" lang="en-US" sz="2800" spc="-1" strike="noStrike">
               <a:solidFill>
                 <a:srgbClr val="000000"/>
               </a:solidFill>
@@ -4783,7 +4613,7 @@
       </p:sp>
       <p:pic>
         <p:nvPicPr>
-          <p:cNvPr id="130" name="그림 3" descr=""/>
+          <p:cNvPr id="122" name="그림 4"/>
           <p:cNvPicPr/>
           <p:nvPr/>
         </p:nvPicPr>
@@ -4793,8 +4623,8 @@
         </p:blipFill>
         <p:spPr>
           <a:xfrm>
-            <a:off x="6026040" y="1690560"/>
-            <a:ext cx="5829120" cy="2999880"/>
+            <a:off x="5972810" y="2806700"/>
+            <a:ext cx="5800090" cy="3685540"/>
           </a:xfrm>
           <a:prstGeom prst="rect">
             <a:avLst/>
@@ -4804,24 +4634,261 @@
           </a:ln>
         </p:spPr>
       </p:pic>
+      <p:sp>
+        <p:nvSpPr>
+          <p:cNvPr id="123" name="CustomShape 3"/>
+          <p:cNvSpPr/>
+          <p:nvPr/>
+        </p:nvSpPr>
+        <p:spPr>
+          <a:xfrm>
+            <a:off x="8128635" y="2302510"/>
+            <a:ext cx="1488440" cy="364490"/>
+          </a:xfrm>
+          <a:prstGeom prst="rect">
+            <a:avLst/>
+          </a:prstGeom>
+          <a:noFill/>
+          <a:ln>
+            <a:noFill/>
+          </a:ln>
+        </p:spPr>
+        <p:style>
+          <a:lnRef idx="0"/>
+          <a:fillRef idx="0"/>
+          <a:effectRef idx="0"/>
+          <a:fontRef idx="minor"/>
+        </p:style>
+        <p:txBody>
+          <a:bodyPr wrap="none" lIns="90000" rIns="90000" tIns="45000" bIns="45000"/>
+          <a:p>
+            <a:pPr>
+              <a:lnSpc>
+                <a:spcPct val="100000"/>
+              </a:lnSpc>
+            </a:pPr>
+            <a:r>
+              <a:rPr b="0" lang="en-US" sz="1800" spc="-1" strike="noStrike">
+                <a:solidFill>
+                  <a:srgbClr val="000000"/>
+                </a:solidFill>
+                <a:uFill>
+                  <a:solidFill>
+                    <a:srgbClr val="ffffff"/>
+                  </a:solidFill>
+                </a:uFill>
+                <a:latin typeface="Calibri"/>
+              </a:rPr>
+              <a:t>Rserved Word</a:t>
+            </a:r>
+            <a:endParaRPr b="0" lang="en-US" sz="1800" spc="-1" strike="noStrike">
+              <a:solidFill>
+                <a:srgbClr val="000000"/>
+              </a:solidFill>
+              <a:uFill>
+                <a:solidFill>
+                  <a:srgbClr val="ffffff"/>
+                </a:solidFill>
+              </a:uFill>
+              <a:latin typeface="Arial"/>
+            </a:endParaRPr>
+          </a:p>
+        </p:txBody>
+      </p:sp>
+      <p:pic>
+        <p:nvPicPr>
+          <p:cNvPr id="124" name="그림 6"/>
+          <p:cNvPicPr/>
+          <p:nvPr/>
+        </p:nvPicPr>
+        <p:blipFill>
+          <a:blip r:embed="rId2"/>
+          <a:stretch/>
+        </p:blipFill>
+        <p:spPr>
+          <a:xfrm>
+            <a:off x="0" y="5235575"/>
+            <a:ext cx="5876925" cy="1257300"/>
+          </a:xfrm>
+          <a:prstGeom prst="rect">
+            <a:avLst/>
+          </a:prstGeom>
+          <a:ln>
+            <a:noFill/>
+          </a:ln>
+        </p:spPr>
+      </p:pic>
+      <p:sp>
+        <p:nvSpPr>
+          <p:cNvPr id="125" name="CustomShape 4"/>
+          <p:cNvSpPr/>
+          <p:nvPr/>
+        </p:nvSpPr>
+        <p:spPr>
+          <a:xfrm>
+            <a:off x="486410" y="4941570"/>
+            <a:ext cx="3973195" cy="364490"/>
+          </a:xfrm>
+          <a:prstGeom prst="rect">
+            <a:avLst/>
+          </a:prstGeom>
+          <a:noFill/>
+          <a:ln>
+            <a:noFill/>
+          </a:ln>
+        </p:spPr>
+        <p:style>
+          <a:lnRef idx="0"/>
+          <a:fillRef idx="0"/>
+          <a:effectRef idx="0"/>
+          <a:fontRef idx="minor"/>
+        </p:style>
+        <p:txBody>
+          <a:bodyPr wrap="none" lIns="90000" rIns="90000" tIns="45000" bIns="45000"/>
+          <a:p>
+            <a:pPr>
+              <a:lnSpc>
+                <a:spcPct val="100000"/>
+              </a:lnSpc>
+            </a:pPr>
+            <a:r>
+              <a:rPr b="0" lang="en-US" sz="1800" spc="-1" strike="noStrike">
+                <a:solidFill>
+                  <a:srgbClr val="000000"/>
+                </a:solidFill>
+                <a:uFill>
+                  <a:solidFill>
+                    <a:srgbClr val="ffffff"/>
+                  </a:solidFill>
+                </a:uFill>
+                <a:latin typeface="Calibri"/>
+              </a:rPr>
+              <a:t>Line Indentation not like other languages</a:t>
+            </a:r>
+            <a:endParaRPr b="0" lang="en-US" sz="1800" spc="-1" strike="noStrike">
+              <a:solidFill>
+                <a:srgbClr val="000000"/>
+              </a:solidFill>
+              <a:uFill>
+                <a:solidFill>
+                  <a:srgbClr val="ffffff"/>
+                </a:solidFill>
+              </a:uFill>
+              <a:latin typeface="Arial"/>
+            </a:endParaRPr>
+          </a:p>
+        </p:txBody>
+      </p:sp>
+      <p:pic>
+        <p:nvPicPr>
+          <p:cNvPr id="126" name="그림 8"/>
+          <p:cNvPicPr/>
+          <p:nvPr/>
+        </p:nvPicPr>
+        <p:blipFill>
+          <a:blip r:embed="rId3"/>
+          <a:stretch/>
+        </p:blipFill>
+        <p:spPr>
+          <a:xfrm>
+            <a:off x="461645" y="3703955"/>
+            <a:ext cx="1837690" cy="742950"/>
+          </a:xfrm>
+          <a:prstGeom prst="rect">
+            <a:avLst/>
+          </a:prstGeom>
+          <a:ln>
+            <a:noFill/>
+          </a:ln>
+        </p:spPr>
+      </p:pic>
+      <p:sp>
+        <p:nvSpPr>
+          <p:cNvPr id="127" name="CustomShape 5"/>
+          <p:cNvSpPr/>
+          <p:nvPr/>
+        </p:nvSpPr>
+        <p:spPr>
+          <a:xfrm>
+            <a:off x="838200" y="3271520"/>
+            <a:ext cx="1084580" cy="364490"/>
+          </a:xfrm>
+          <a:prstGeom prst="rect">
+            <a:avLst/>
+          </a:prstGeom>
+          <a:noFill/>
+          <a:ln>
+            <a:noFill/>
+          </a:ln>
+        </p:spPr>
+        <p:style>
+          <a:lnRef idx="0"/>
+          <a:fillRef idx="0"/>
+          <a:effectRef idx="0"/>
+          <a:fontRef idx="minor"/>
+        </p:style>
+        <p:txBody>
+          <a:bodyPr wrap="none" lIns="90000" rIns="90000" tIns="45000" bIns="45000"/>
+          <a:p>
+            <a:pPr>
+              <a:lnSpc>
+                <a:spcPct val="100000"/>
+              </a:lnSpc>
+            </a:pPr>
+            <a:r>
+              <a:rPr b="0" lang="en-US" sz="1800" spc="-1" strike="noStrike">
+                <a:solidFill>
+                  <a:srgbClr val="000000"/>
+                </a:solidFill>
+                <a:uFill>
+                  <a:solidFill>
+                    <a:srgbClr val="ffffff"/>
+                  </a:solidFill>
+                </a:uFill>
+                <a:latin typeface="Calibri"/>
+              </a:rPr>
+              <a:t>Multi-line</a:t>
+            </a:r>
+            <a:endParaRPr b="0" lang="en-US" sz="1800" spc="-1" strike="noStrike">
+              <a:solidFill>
+                <a:srgbClr val="000000"/>
+              </a:solidFill>
+              <a:uFill>
+                <a:solidFill>
+                  <a:srgbClr val="ffffff"/>
+                </a:solidFill>
+              </a:uFill>
+              <a:latin typeface="Arial"/>
+            </a:endParaRPr>
+          </a:p>
+        </p:txBody>
+      </p:sp>
     </p:spTree>
   </p:cSld>
+  <mc:AlternateContent xmlns:mc="http://schemas.openxmlformats.org/markup-compatibility/2006">
+    <mc:Choice xmlns:p14="http://schemas.microsoft.com/office/powerpoint/2010/main" Requires="p14">
+      <p:transition spd="slow" p14:dur="2000"/>
+    </mc:Choice>
+    <mc:Fallback>
+      <p:transition spd="slow"/>
+    </mc:Fallback>
+  </mc:AlternateContent>
   <p:timing>
     <p:tnLst>
       <p:par>
-        <p:cTn id="19" dur="indefinite" restart="never" nodeType="tmRoot">
+        <p:cTn id="17" dur="indefinite" restart="never" nodeType="tmRoot">
           <p:childTnLst>
-            <p:seq>
-              <p:cTn id="20" nodeType="mainSeq"/>
+            <p:seq concurrent="0">
+              <p:cTn id="18" nodeType="mainSeq"/>
               <p:prevCondLst>
-                <p:cond delay="0" evt="onPrev">
+                <p:cond evt="onPrev" delay="0">
                   <p:tgtEl>
                     <p:sldTgt/>
                   </p:tgtEl>
                 </p:cond>
               </p:prevCondLst>
               <p:nextCondLst>
-                <p:cond delay="0" evt="onNext">
+                <p:cond evt="onNext" delay="0">
                   <p:tgtEl>
                     <p:sldTgt/>
                   </p:tgtEl>
@@ -4855,14 +4922,14 @@
       </p:grpSpPr>
       <p:sp>
         <p:nvSpPr>
-          <p:cNvPr id="131" name="TextShape 1"/>
+          <p:cNvPr id="128" name="TextShape 1"/>
           <p:cNvSpPr txBox="1"/>
           <p:nvPr/>
         </p:nvSpPr>
         <p:spPr>
           <a:xfrm>
-            <a:off x="838080" y="365040"/>
-            <a:ext cx="10515240" cy="1325160"/>
+            <a:off x="838200" y="365125"/>
+            <a:ext cx="10514965" cy="1325245"/>
           </a:xfrm>
           <a:prstGeom prst="rect">
             <a:avLst/>
@@ -4952,14 +5019,14 @@
       </p:sp>
       <p:sp>
         <p:nvSpPr>
-          <p:cNvPr id="132" name="TextShape 2"/>
+          <p:cNvPr id="129" name="TextShape 2"/>
           <p:cNvSpPr txBox="1"/>
           <p:nvPr/>
         </p:nvSpPr>
         <p:spPr>
           <a:xfrm>
-            <a:off x="838080" y="1825560"/>
-            <a:ext cx="10515240" cy="4350960"/>
+            <a:off x="838200" y="1825625"/>
+            <a:ext cx="10514965" cy="4351020"/>
           </a:xfrm>
           <a:prstGeom prst="rect">
             <a:avLst/>
@@ -4997,7 +5064,7 @@
                 </a:uFill>
                 <a:latin typeface="Calibri"/>
               </a:rPr>
-              <a:t>String</a:t>
+              <a:t>Standard Data Types</a:t>
             </a:r>
             <a:endParaRPr b="0" lang="en-US" sz="2800" spc="-1" strike="noStrike">
               <a:solidFill>
@@ -5012,96 +5079,12 @@
             </a:endParaRPr>
           </a:p>
           <a:p>
-            <a:pPr>
+            <a:pPr lvl="1" marL="685800" indent="-228240">
               <a:lnSpc>
-                <a:spcPct val="90000"/>
+                <a:spcPct val="100000"/>
               </a:lnSpc>
               <a:spcBef>
-                <a:spcPts val="1001"/>
-              </a:spcBef>
-            </a:pPr>
-            <a:endParaRPr b="0" lang="en-US" sz="2800" spc="-1" strike="noStrike">
-              <a:solidFill>
-                <a:srgbClr val="000000"/>
-              </a:solidFill>
-              <a:uFill>
-                <a:solidFill>
-                  <a:srgbClr val="ffffff"/>
-                </a:solidFill>
-              </a:uFill>
-              <a:latin typeface="Calibri"/>
-            </a:endParaRPr>
-          </a:p>
-          <a:p>
-            <a:pPr>
-              <a:lnSpc>
-                <a:spcPct val="90000"/>
-              </a:lnSpc>
-              <a:spcBef>
-                <a:spcPts val="1001"/>
-              </a:spcBef>
-            </a:pPr>
-            <a:endParaRPr b="0" lang="en-US" sz="2800" spc="-1" strike="noStrike">
-              <a:solidFill>
-                <a:srgbClr val="000000"/>
-              </a:solidFill>
-              <a:uFill>
-                <a:solidFill>
-                  <a:srgbClr val="ffffff"/>
-                </a:solidFill>
-              </a:uFill>
-              <a:latin typeface="Calibri"/>
-            </a:endParaRPr>
-          </a:p>
-          <a:p>
-            <a:pPr>
-              <a:lnSpc>
-                <a:spcPct val="90000"/>
-              </a:lnSpc>
-              <a:spcBef>
-                <a:spcPts val="1001"/>
-              </a:spcBef>
-            </a:pPr>
-            <a:endParaRPr b="0" lang="en-US" sz="2800" spc="-1" strike="noStrike">
-              <a:solidFill>
-                <a:srgbClr val="000000"/>
-              </a:solidFill>
-              <a:uFill>
-                <a:solidFill>
-                  <a:srgbClr val="ffffff"/>
-                </a:solidFill>
-              </a:uFill>
-              <a:latin typeface="Calibri"/>
-            </a:endParaRPr>
-          </a:p>
-          <a:p>
-            <a:pPr>
-              <a:lnSpc>
-                <a:spcPct val="90000"/>
-              </a:lnSpc>
-              <a:spcBef>
-                <a:spcPts val="1001"/>
-              </a:spcBef>
-            </a:pPr>
-            <a:endParaRPr b="0" lang="en-US" sz="2800" spc="-1" strike="noStrike">
-              <a:solidFill>
-                <a:srgbClr val="000000"/>
-              </a:solidFill>
-              <a:uFill>
-                <a:solidFill>
-                  <a:srgbClr val="ffffff"/>
-                </a:solidFill>
-              </a:uFill>
-              <a:latin typeface="Calibri"/>
-            </a:endParaRPr>
-          </a:p>
-          <a:p>
-            <a:pPr marL="228600" indent="-228240">
-              <a:lnSpc>
-                <a:spcPct val="90000"/>
-              </a:lnSpc>
-              <a:spcBef>
-                <a:spcPts val="1001"/>
+                <a:spcPts val="499"/>
               </a:spcBef>
               <a:buClr>
                 <a:srgbClr val="000000"/>
@@ -5110,7 +5093,7 @@
               <a:buChar char="•"/>
             </a:pPr>
             <a:r>
-              <a:rPr b="0" lang="en-US" sz="2800" spc="-1" strike="noStrike">
+              <a:rPr b="0" lang="en-US" sz="2400" spc="-1" strike="noStrike">
                 <a:solidFill>
                   <a:srgbClr val="000000"/>
                 </a:solidFill>
@@ -5121,9 +5104,169 @@
                 </a:uFill>
                 <a:latin typeface="Calibri"/>
               </a:rPr>
+              <a:t>Numbers</a:t>
+            </a:r>
+            <a:endParaRPr b="0" lang="en-US" sz="2400" spc="-1" strike="noStrike">
+              <a:solidFill>
+                <a:srgbClr val="000000"/>
+              </a:solidFill>
+              <a:uFill>
+                <a:solidFill>
+                  <a:srgbClr val="ffffff"/>
+                </a:solidFill>
+              </a:uFill>
+              <a:latin typeface="Calibri"/>
+            </a:endParaRPr>
+          </a:p>
+          <a:p>
+            <a:pPr lvl="1" marL="685800" indent="-228240">
+              <a:lnSpc>
+                <a:spcPct val="100000"/>
+              </a:lnSpc>
+              <a:spcBef>
+                <a:spcPts val="499"/>
+              </a:spcBef>
+              <a:buClr>
+                <a:srgbClr val="000000"/>
+              </a:buClr>
+              <a:buFont typeface="Arial"/>
+              <a:buChar char="•"/>
+            </a:pPr>
+            <a:r>
+              <a:rPr b="0" lang="en-US" sz="2400" spc="-1" strike="noStrike">
+                <a:solidFill>
+                  <a:srgbClr val="000000"/>
+                </a:solidFill>
+                <a:uFill>
+                  <a:solidFill>
+                    <a:srgbClr val="ffffff"/>
+                  </a:solidFill>
+                </a:uFill>
+                <a:latin typeface="Calibri"/>
+              </a:rPr>
+              <a:t>String</a:t>
+            </a:r>
+            <a:endParaRPr b="0" lang="en-US" sz="2400" spc="-1" strike="noStrike">
+              <a:solidFill>
+                <a:srgbClr val="000000"/>
+              </a:solidFill>
+              <a:uFill>
+                <a:solidFill>
+                  <a:srgbClr val="ffffff"/>
+                </a:solidFill>
+              </a:uFill>
+              <a:latin typeface="Calibri"/>
+            </a:endParaRPr>
+          </a:p>
+          <a:p>
+            <a:pPr lvl="1" marL="685800" indent="-228240">
+              <a:lnSpc>
+                <a:spcPct val="100000"/>
+              </a:lnSpc>
+              <a:spcBef>
+                <a:spcPts val="499"/>
+              </a:spcBef>
+              <a:buClr>
+                <a:srgbClr val="000000"/>
+              </a:buClr>
+              <a:buFont typeface="Arial"/>
+              <a:buChar char="•"/>
+            </a:pPr>
+            <a:r>
+              <a:rPr b="0" lang="en-US" sz="2400" spc="-1" strike="noStrike">
+                <a:solidFill>
+                  <a:srgbClr val="000000"/>
+                </a:solidFill>
+                <a:uFill>
+                  <a:solidFill>
+                    <a:srgbClr val="ffffff"/>
+                  </a:solidFill>
+                </a:uFill>
+                <a:latin typeface="Calibri"/>
+              </a:rPr>
               <a:t>List</a:t>
             </a:r>
-            <a:endParaRPr b="0" lang="en-US" sz="2800" spc="-1" strike="noStrike">
+            <a:endParaRPr b="0" lang="en-US" sz="2400" spc="-1" strike="noStrike">
+              <a:solidFill>
+                <a:srgbClr val="000000"/>
+              </a:solidFill>
+              <a:uFill>
+                <a:solidFill>
+                  <a:srgbClr val="ffffff"/>
+                </a:solidFill>
+              </a:uFill>
+              <a:latin typeface="Calibri"/>
+            </a:endParaRPr>
+          </a:p>
+          <a:p>
+            <a:pPr lvl="1" marL="685800" indent="-228240">
+              <a:lnSpc>
+                <a:spcPct val="100000"/>
+              </a:lnSpc>
+              <a:spcBef>
+                <a:spcPts val="499"/>
+              </a:spcBef>
+              <a:buClr>
+                <a:srgbClr val="000000"/>
+              </a:buClr>
+              <a:buFont typeface="Arial"/>
+              <a:buChar char="•"/>
+            </a:pPr>
+            <a:r>
+              <a:rPr b="0" lang="en-US" sz="2400" spc="-1" strike="noStrike">
+                <a:solidFill>
+                  <a:srgbClr val="000000"/>
+                </a:solidFill>
+                <a:uFill>
+                  <a:solidFill>
+                    <a:srgbClr val="ffffff"/>
+                  </a:solidFill>
+                </a:uFill>
+                <a:latin typeface="Calibri"/>
+              </a:rPr>
+              <a:t>Tuple</a:t>
+            </a:r>
+            <a:endParaRPr b="0" lang="en-US" sz="2400" spc="-1" strike="noStrike">
+              <a:solidFill>
+                <a:srgbClr val="000000"/>
+              </a:solidFill>
+              <a:uFill>
+                <a:solidFill>
+                  <a:srgbClr val="ffffff"/>
+                </a:solidFill>
+              </a:uFill>
+              <a:latin typeface="Calibri"/>
+            </a:endParaRPr>
+          </a:p>
+          <a:p>
+            <a:pPr lvl="1" marL="685800" indent="-228240">
+              <a:lnSpc>
+                <a:spcPct val="100000"/>
+              </a:lnSpc>
+              <a:spcBef>
+                <a:spcPts val="499"/>
+              </a:spcBef>
+              <a:buClr>
+                <a:srgbClr val="000000"/>
+              </a:buClr>
+              <a:buFont typeface="Arial"/>
+              <a:buChar char="•"/>
+            </a:pPr>
+            <a:r>
+              <a:rPr b="0" lang="en-US" sz="2400" spc="-1" strike="noStrike">
+                <a:solidFill>
+                  <a:srgbClr val="000000"/>
+                </a:solidFill>
+                <a:uFill>
+                  <a:solidFill>
+                    <a:srgbClr val="ffffff"/>
+                  </a:solidFill>
+                </a:uFill>
+                <a:latin typeface="Calibri"/>
+              </a:rPr>
+              <a:t>Dictionary</a:t>
+            </a:r>
+            <a:endParaRPr b="0" lang="en-US" sz="2400" spc="-1" strike="noStrike">
               <a:solidFill>
                 <a:srgbClr val="000000"/>
               </a:solidFill>
@@ -5139,7 +5282,7 @@
       </p:sp>
       <p:pic>
         <p:nvPicPr>
-          <p:cNvPr id="133" name="그림 3" descr=""/>
+          <p:cNvPr id="130" name="그림 3"/>
           <p:cNvPicPr/>
           <p:nvPr/>
         </p:nvPicPr>
@@ -5149,8 +5292,8 @@
         </p:blipFill>
         <p:spPr>
           <a:xfrm>
-            <a:off x="6465240" y="1825560"/>
-            <a:ext cx="5190840" cy="1685520"/>
+            <a:off x="6026150" y="1690370"/>
+            <a:ext cx="5829300" cy="2999740"/>
           </a:xfrm>
           <a:prstGeom prst="rect">
             <a:avLst/>
@@ -5160,47 +5303,32 @@
           </a:ln>
         </p:spPr>
       </p:pic>
-      <p:pic>
-        <p:nvPicPr>
-          <p:cNvPr id="134" name="그림 4" descr=""/>
-          <p:cNvPicPr/>
-          <p:nvPr/>
-        </p:nvPicPr>
-        <p:blipFill>
-          <a:blip r:embed="rId2"/>
-          <a:stretch/>
-        </p:blipFill>
-        <p:spPr>
-          <a:xfrm>
-            <a:off x="6465240" y="4521960"/>
-            <a:ext cx="4533480" cy="1780920"/>
-          </a:xfrm>
-          <a:prstGeom prst="rect">
-            <a:avLst/>
-          </a:prstGeom>
-          <a:ln>
-            <a:noFill/>
-          </a:ln>
-        </p:spPr>
-      </p:pic>
     </p:spTree>
   </p:cSld>
+  <mc:AlternateContent xmlns:mc="http://schemas.openxmlformats.org/markup-compatibility/2006">
+    <mc:Choice xmlns:p14="http://schemas.microsoft.com/office/powerpoint/2010/main" Requires="p14">
+      <p:transition spd="slow" p14:dur="2000"/>
+    </mc:Choice>
+    <mc:Fallback>
+      <p:transition spd="slow"/>
+    </mc:Fallback>
+  </mc:AlternateContent>
   <p:timing>
     <p:tnLst>
       <p:par>
-        <p:cTn id="21" dur="indefinite" restart="never" nodeType="tmRoot">
+        <p:cTn id="19" dur="indefinite" restart="never" nodeType="tmRoot">
           <p:childTnLst>
-            <p:seq>
-              <p:cTn id="22" nodeType="mainSeq"/>
+            <p:seq concurrent="0">
+              <p:cTn id="20" nodeType="mainSeq"/>
               <p:prevCondLst>
-                <p:cond delay="0" evt="onPrev">
+                <p:cond evt="onPrev" delay="0">
                   <p:tgtEl>
                     <p:sldTgt/>
                   </p:tgtEl>
                 </p:cond>
               </p:prevCondLst>
               <p:nextCondLst>
-                <p:cond delay="0" evt="onNext">
+                <p:cond evt="onNext" delay="0">
                   <p:tgtEl>
                     <p:sldTgt/>
                   </p:tgtEl>
@@ -5234,14 +5362,14 @@
       </p:grpSpPr>
       <p:sp>
         <p:nvSpPr>
-          <p:cNvPr id="135" name="TextShape 1"/>
+          <p:cNvPr id="131" name="TextShape 1"/>
           <p:cNvSpPr txBox="1"/>
           <p:nvPr/>
         </p:nvSpPr>
         <p:spPr>
           <a:xfrm>
-            <a:off x="838080" y="365040"/>
-            <a:ext cx="10515240" cy="1325160"/>
+            <a:off x="838200" y="365125"/>
+            <a:ext cx="10514965" cy="1325245"/>
           </a:xfrm>
           <a:prstGeom prst="rect">
             <a:avLst/>
@@ -5331,14 +5459,14 @@
       </p:sp>
       <p:sp>
         <p:nvSpPr>
-          <p:cNvPr id="136" name="TextShape 2"/>
+          <p:cNvPr id="132" name="TextShape 2"/>
           <p:cNvSpPr txBox="1"/>
           <p:nvPr/>
         </p:nvSpPr>
         <p:spPr>
           <a:xfrm>
-            <a:off x="838080" y="1825560"/>
-            <a:ext cx="10515240" cy="4350960"/>
+            <a:off x="838200" y="1825625"/>
+            <a:ext cx="10514965" cy="4351020"/>
           </a:xfrm>
           <a:prstGeom prst="rect">
             <a:avLst/>
@@ -5376,7 +5504,7 @@
                 </a:uFill>
                 <a:latin typeface="Calibri"/>
               </a:rPr>
-              <a:t>Tuples</a:t>
+              <a:t>String</a:t>
             </a:r>
             <a:endParaRPr b="0" lang="en-US" sz="2800" spc="-1" strike="noStrike">
               <a:solidFill>
@@ -5500,7 +5628,7 @@
                 </a:uFill>
                 <a:latin typeface="Calibri"/>
               </a:rPr>
-              <a:t>Dictionary</a:t>
+              <a:t>List</a:t>
             </a:r>
             <a:endParaRPr b="0" lang="en-US" sz="2800" spc="-1" strike="noStrike">
               <a:solidFill>
@@ -5518,7 +5646,7 @@
       </p:sp>
       <p:pic>
         <p:nvPicPr>
-          <p:cNvPr id="137" name="그림 5" descr=""/>
+          <p:cNvPr id="133" name="그림 3"/>
           <p:cNvPicPr/>
           <p:nvPr/>
         </p:nvPicPr>
@@ -5528,8 +5656,8 @@
         </p:blipFill>
         <p:spPr>
           <a:xfrm>
-            <a:off x="6534360" y="1690560"/>
-            <a:ext cx="4905000" cy="1752120"/>
+            <a:off x="6464935" y="1825625"/>
+            <a:ext cx="5191125" cy="1685290"/>
           </a:xfrm>
           <a:prstGeom prst="rect">
             <a:avLst/>
@@ -5541,7 +5669,7 @@
       </p:pic>
       <p:pic>
         <p:nvPicPr>
-          <p:cNvPr id="138" name="그림 6" descr=""/>
+          <p:cNvPr id="134" name="그림 4"/>
           <p:cNvPicPr/>
           <p:nvPr/>
         </p:nvPicPr>
@@ -5551,8 +5679,8 @@
         </p:blipFill>
         <p:spPr>
           <a:xfrm>
-            <a:off x="6534360" y="4256640"/>
-            <a:ext cx="4047840" cy="2209320"/>
+            <a:off x="6464935" y="4521835"/>
+            <a:ext cx="4533265" cy="1781175"/>
           </a:xfrm>
           <a:prstGeom prst="rect">
             <a:avLst/>
@@ -5564,22 +5692,30 @@
       </p:pic>
     </p:spTree>
   </p:cSld>
+  <mc:AlternateContent xmlns:mc="http://schemas.openxmlformats.org/markup-compatibility/2006">
+    <mc:Choice xmlns:p14="http://schemas.microsoft.com/office/powerpoint/2010/main" Requires="p14">
+      <p:transition spd="slow" p14:dur="2000"/>
+    </mc:Choice>
+    <mc:Fallback>
+      <p:transition spd="slow"/>
+    </mc:Fallback>
+  </mc:AlternateContent>
   <p:timing>
     <p:tnLst>
       <p:par>
-        <p:cTn id="23" dur="indefinite" restart="never" nodeType="tmRoot">
+        <p:cTn id="21" dur="indefinite" restart="never" nodeType="tmRoot">
           <p:childTnLst>
-            <p:seq>
-              <p:cTn id="24" nodeType="mainSeq"/>
+            <p:seq concurrent="0">
+              <p:cTn id="22" nodeType="mainSeq"/>
               <p:prevCondLst>
-                <p:cond delay="0" evt="onPrev">
+                <p:cond evt="onPrev" delay="0">
                   <p:tgtEl>
                     <p:sldTgt/>
                   </p:tgtEl>
                 </p:cond>
               </p:prevCondLst>
               <p:nextCondLst>
-                <p:cond delay="0" evt="onNext">
+                <p:cond evt="onNext" delay="0">
                   <p:tgtEl>
                     <p:sldTgt/>
                   </p:tgtEl>
@@ -5613,14 +5749,14 @@
       </p:grpSpPr>
       <p:sp>
         <p:nvSpPr>
-          <p:cNvPr id="139" name="TextShape 1"/>
+          <p:cNvPr id="135" name="TextShape 1"/>
           <p:cNvSpPr txBox="1"/>
           <p:nvPr/>
         </p:nvSpPr>
         <p:spPr>
           <a:xfrm>
-            <a:off x="838080" y="365040"/>
-            <a:ext cx="10515240" cy="1325160"/>
+            <a:off x="838200" y="365125"/>
+            <a:ext cx="10514965" cy="1325245"/>
           </a:xfrm>
           <a:prstGeom prst="rect">
             <a:avLst/>
@@ -5692,7 +5828,7 @@
                 </a:uFill>
                 <a:latin typeface="Calibri Light"/>
               </a:rPr>
-              <a:t>3) – Loops</a:t>
+              <a:t>3) – Variable Types</a:t>
             </a:r>
             <a:endParaRPr b="0" lang="en-US" sz="4400" spc="-1" strike="noStrike">
               <a:solidFill>
@@ -5710,14 +5846,14 @@
       </p:sp>
       <p:sp>
         <p:nvSpPr>
-          <p:cNvPr id="140" name="TextShape 2"/>
+          <p:cNvPr id="136" name="TextShape 2"/>
           <p:cNvSpPr txBox="1"/>
           <p:nvPr/>
         </p:nvSpPr>
         <p:spPr>
           <a:xfrm>
-            <a:off x="838080" y="1825560"/>
-            <a:ext cx="10515240" cy="4350960"/>
+            <a:off x="838200" y="1825625"/>
+            <a:ext cx="10514965" cy="4351020"/>
           </a:xfrm>
           <a:prstGeom prst="rect">
             <a:avLst/>
@@ -5755,8 +5891,92 @@
                 </a:uFill>
                 <a:latin typeface="Calibri"/>
               </a:rPr>
-              <a:t>For loop</a:t>
-            </a:r>
+              <a:t>Tuples</a:t>
+            </a:r>
+            <a:endParaRPr b="0" lang="en-US" sz="2800" spc="-1" strike="noStrike">
+              <a:solidFill>
+                <a:srgbClr val="000000"/>
+              </a:solidFill>
+              <a:uFill>
+                <a:solidFill>
+                  <a:srgbClr val="ffffff"/>
+                </a:solidFill>
+              </a:uFill>
+              <a:latin typeface="Calibri"/>
+            </a:endParaRPr>
+          </a:p>
+          <a:p>
+            <a:pPr>
+              <a:lnSpc>
+                <a:spcPct val="90000"/>
+              </a:lnSpc>
+              <a:spcBef>
+                <a:spcPts val="1001"/>
+              </a:spcBef>
+            </a:pPr>
+            <a:endParaRPr b="0" lang="en-US" sz="2800" spc="-1" strike="noStrike">
+              <a:solidFill>
+                <a:srgbClr val="000000"/>
+              </a:solidFill>
+              <a:uFill>
+                <a:solidFill>
+                  <a:srgbClr val="ffffff"/>
+                </a:solidFill>
+              </a:uFill>
+              <a:latin typeface="Calibri"/>
+            </a:endParaRPr>
+          </a:p>
+          <a:p>
+            <a:pPr>
+              <a:lnSpc>
+                <a:spcPct val="90000"/>
+              </a:lnSpc>
+              <a:spcBef>
+                <a:spcPts val="1001"/>
+              </a:spcBef>
+            </a:pPr>
+            <a:endParaRPr b="0" lang="en-US" sz="2800" spc="-1" strike="noStrike">
+              <a:solidFill>
+                <a:srgbClr val="000000"/>
+              </a:solidFill>
+              <a:uFill>
+                <a:solidFill>
+                  <a:srgbClr val="ffffff"/>
+                </a:solidFill>
+              </a:uFill>
+              <a:latin typeface="Calibri"/>
+            </a:endParaRPr>
+          </a:p>
+          <a:p>
+            <a:pPr>
+              <a:lnSpc>
+                <a:spcPct val="90000"/>
+              </a:lnSpc>
+              <a:spcBef>
+                <a:spcPts val="1001"/>
+              </a:spcBef>
+            </a:pPr>
+            <a:endParaRPr b="0" lang="en-US" sz="2800" spc="-1" strike="noStrike">
+              <a:solidFill>
+                <a:srgbClr val="000000"/>
+              </a:solidFill>
+              <a:uFill>
+                <a:solidFill>
+                  <a:srgbClr val="ffffff"/>
+                </a:solidFill>
+              </a:uFill>
+              <a:latin typeface="Calibri"/>
+            </a:endParaRPr>
+          </a:p>
+          <a:p>
+            <a:pPr>
+              <a:lnSpc>
+                <a:spcPct val="90000"/>
+              </a:lnSpc>
+              <a:spcBef>
+                <a:spcPts val="1001"/>
+              </a:spcBef>
+            </a:pPr>
             <a:endParaRPr b="0" lang="en-US" sz="2800" spc="-1" strike="noStrike">
               <a:solidFill>
                 <a:srgbClr val="000000"/>
@@ -5795,7 +6015,7 @@
                 </a:uFill>
                 <a:latin typeface="Calibri"/>
               </a:rPr>
-              <a:t>While loop</a:t>
+              <a:t>Dictionary</a:t>
             </a:r>
             <a:endParaRPr b="0" lang="en-US" sz="2800" spc="-1" strike="noStrike">
               <a:solidFill>
@@ -5809,66 +6029,80 @@
               <a:latin typeface="Calibri"/>
             </a:endParaRPr>
           </a:p>
-          <a:p>
-            <a:pPr marL="228600" indent="-228240">
-              <a:lnSpc>
-                <a:spcPct val="90000"/>
-              </a:lnSpc>
-              <a:spcBef>
-                <a:spcPts val="1001"/>
-              </a:spcBef>
-              <a:buClr>
-                <a:srgbClr val="000000"/>
-              </a:buClr>
-              <a:buFont typeface="Arial"/>
-              <a:buChar char="•"/>
-            </a:pPr>
-            <a:r>
-              <a:rPr b="0" lang="en-US" sz="2800" spc="-1" strike="noStrike">
-                <a:solidFill>
-                  <a:srgbClr val="000000"/>
-                </a:solidFill>
-                <a:uFill>
-                  <a:solidFill>
-                    <a:srgbClr val="ffffff"/>
-                  </a:solidFill>
-                </a:uFill>
-                <a:latin typeface="Calibri"/>
-              </a:rPr>
-              <a:t>In loop</a:t>
-            </a:r>
-            <a:endParaRPr b="0" lang="en-US" sz="2800" spc="-1" strike="noStrike">
-              <a:solidFill>
-                <a:srgbClr val="000000"/>
-              </a:solidFill>
-              <a:uFill>
-                <a:solidFill>
-                  <a:srgbClr val="ffffff"/>
-                </a:solidFill>
-              </a:uFill>
-              <a:latin typeface="Calibri"/>
-            </a:endParaRPr>
-          </a:p>
-        </p:txBody>
-      </p:sp>
+        </p:txBody>
+      </p:sp>
+      <p:pic>
+        <p:nvPicPr>
+          <p:cNvPr id="137" name="그림 5"/>
+          <p:cNvPicPr/>
+          <p:nvPr/>
+        </p:nvPicPr>
+        <p:blipFill>
+          <a:blip r:embed="rId1"/>
+          <a:stretch/>
+        </p:blipFill>
+        <p:spPr>
+          <a:xfrm>
+            <a:off x="6534150" y="1690370"/>
+            <a:ext cx="4904740" cy="1751965"/>
+          </a:xfrm>
+          <a:prstGeom prst="rect">
+            <a:avLst/>
+          </a:prstGeom>
+          <a:ln>
+            <a:noFill/>
+          </a:ln>
+        </p:spPr>
+      </p:pic>
+      <p:pic>
+        <p:nvPicPr>
+          <p:cNvPr id="138" name="그림 6"/>
+          <p:cNvPicPr/>
+          <p:nvPr/>
+        </p:nvPicPr>
+        <p:blipFill>
+          <a:blip r:embed="rId2"/>
+          <a:stretch/>
+        </p:blipFill>
+        <p:spPr>
+          <a:xfrm>
+            <a:off x="6534150" y="4256405"/>
+            <a:ext cx="4048125" cy="2209165"/>
+          </a:xfrm>
+          <a:prstGeom prst="rect">
+            <a:avLst/>
+          </a:prstGeom>
+          <a:ln>
+            <a:noFill/>
+          </a:ln>
+        </p:spPr>
+      </p:pic>
     </p:spTree>
   </p:cSld>
+  <mc:AlternateContent xmlns:mc="http://schemas.openxmlformats.org/markup-compatibility/2006">
+    <mc:Choice xmlns:p14="http://schemas.microsoft.com/office/powerpoint/2010/main" Requires="p14">
+      <p:transition spd="slow" p14:dur="2000"/>
+    </mc:Choice>
+    <mc:Fallback>
+      <p:transition spd="slow"/>
+    </mc:Fallback>
+  </mc:AlternateContent>
   <p:timing>
     <p:tnLst>
       <p:par>
-        <p:cTn id="25" dur="indefinite" restart="never" nodeType="tmRoot">
+        <p:cTn id="23" dur="indefinite" restart="never" nodeType="tmRoot">
           <p:childTnLst>
-            <p:seq>
-              <p:cTn id="26" nodeType="mainSeq"/>
+            <p:seq concurrent="0">
+              <p:cTn id="24" nodeType="mainSeq"/>
               <p:prevCondLst>
-                <p:cond delay="0" evt="onPrev">
+                <p:cond evt="onPrev" delay="0">
                   <p:tgtEl>
                     <p:sldTgt/>
                   </p:tgtEl>
                 </p:cond>
               </p:prevCondLst>
               <p:nextCondLst>
-                <p:cond delay="0" evt="onNext">
+                <p:cond evt="onNext" delay="0">
                   <p:tgtEl>
                     <p:sldTgt/>
                   </p:tgtEl>
@@ -5902,14 +6136,14 @@
       </p:grpSpPr>
       <p:sp>
         <p:nvSpPr>
-          <p:cNvPr id="141" name="TextShape 1"/>
+          <p:cNvPr id="139" name="TextShape 1"/>
           <p:cNvSpPr txBox="1"/>
           <p:nvPr/>
         </p:nvSpPr>
         <p:spPr>
           <a:xfrm>
-            <a:off x="838080" y="365040"/>
-            <a:ext cx="10515240" cy="1325160"/>
+            <a:off x="838200" y="365125"/>
+            <a:ext cx="10514965" cy="1325245"/>
           </a:xfrm>
           <a:prstGeom prst="rect">
             <a:avLst/>
@@ -5981,7 +6215,7 @@
                 </a:uFill>
                 <a:latin typeface="Calibri Light"/>
               </a:rPr>
-              <a:t>3) – Date &amp; Time</a:t>
+              <a:t>3) – Loops</a:t>
             </a:r>
             <a:endParaRPr b="0" lang="en-US" sz="4400" spc="-1" strike="noStrike">
               <a:solidFill>
@@ -5999,14 +6233,14 @@
       </p:sp>
       <p:sp>
         <p:nvSpPr>
-          <p:cNvPr id="142" name="TextShape 2"/>
+          <p:cNvPr id="140" name="TextShape 2"/>
           <p:cNvSpPr txBox="1"/>
           <p:nvPr/>
         </p:nvSpPr>
         <p:spPr>
           <a:xfrm>
-            <a:off x="838080" y="1825560"/>
-            <a:ext cx="10515240" cy="4350960"/>
+            <a:off x="838200" y="1825625"/>
+            <a:ext cx="10514965" cy="4351020"/>
           </a:xfrm>
           <a:prstGeom prst="rect">
             <a:avLst/>
@@ -6044,7 +6278,7 @@
                 </a:uFill>
                 <a:latin typeface="Calibri"/>
               </a:rPr>
-              <a:t>Time Tuple</a:t>
+              <a:t>For loop</a:t>
             </a:r>
             <a:endParaRPr b="0" lang="en-US" sz="2800" spc="-1" strike="noStrike">
               <a:solidFill>
@@ -6058,72 +6292,114 @@
               <a:latin typeface="Calibri"/>
             </a:endParaRPr>
           </a:p>
-        </p:txBody>
-      </p:sp>
-      <p:pic>
-        <p:nvPicPr>
-          <p:cNvPr id="143" name="그림 3" descr=""/>
-          <p:cNvPicPr/>
-          <p:nvPr/>
-        </p:nvPicPr>
-        <p:blipFill>
-          <a:blip r:embed="rId1"/>
-          <a:stretch/>
-        </p:blipFill>
-        <p:spPr>
-          <a:xfrm>
-            <a:off x="5497200" y="1825560"/>
-            <a:ext cx="5686200" cy="3781080"/>
-          </a:xfrm>
-          <a:prstGeom prst="rect">
-            <a:avLst/>
-          </a:prstGeom>
-          <a:ln>
-            <a:noFill/>
-          </a:ln>
-        </p:spPr>
-      </p:pic>
-      <p:pic>
-        <p:nvPicPr>
-          <p:cNvPr id="144" name="그림 4" descr=""/>
-          <p:cNvPicPr/>
-          <p:nvPr/>
-        </p:nvPicPr>
-        <p:blipFill>
-          <a:blip r:embed="rId2"/>
-          <a:stretch/>
-        </p:blipFill>
-        <p:spPr>
-          <a:xfrm>
-            <a:off x="574200" y="2553120"/>
-            <a:ext cx="4752720" cy="799920"/>
-          </a:xfrm>
-          <a:prstGeom prst="rect">
-            <a:avLst/>
-          </a:prstGeom>
-          <a:ln>
-            <a:noFill/>
-          </a:ln>
-        </p:spPr>
-      </p:pic>
+          <a:p>
+            <a:pPr marL="228600" indent="-228240">
+              <a:lnSpc>
+                <a:spcPct val="90000"/>
+              </a:lnSpc>
+              <a:spcBef>
+                <a:spcPts val="1001"/>
+              </a:spcBef>
+              <a:buClr>
+                <a:srgbClr val="000000"/>
+              </a:buClr>
+              <a:buFont typeface="Arial"/>
+              <a:buChar char="•"/>
+            </a:pPr>
+            <a:r>
+              <a:rPr b="0" lang="en-US" sz="2800" spc="-1" strike="noStrike">
+                <a:solidFill>
+                  <a:srgbClr val="000000"/>
+                </a:solidFill>
+                <a:uFill>
+                  <a:solidFill>
+                    <a:srgbClr val="ffffff"/>
+                  </a:solidFill>
+                </a:uFill>
+                <a:latin typeface="Calibri"/>
+              </a:rPr>
+              <a:t>While loop</a:t>
+            </a:r>
+            <a:endParaRPr b="0" lang="en-US" sz="2800" spc="-1" strike="noStrike">
+              <a:solidFill>
+                <a:srgbClr val="000000"/>
+              </a:solidFill>
+              <a:uFill>
+                <a:solidFill>
+                  <a:srgbClr val="ffffff"/>
+                </a:solidFill>
+              </a:uFill>
+              <a:latin typeface="Calibri"/>
+            </a:endParaRPr>
+          </a:p>
+          <a:p>
+            <a:pPr marL="228600" indent="-228240">
+              <a:lnSpc>
+                <a:spcPct val="90000"/>
+              </a:lnSpc>
+              <a:spcBef>
+                <a:spcPts val="1001"/>
+              </a:spcBef>
+              <a:buClr>
+                <a:srgbClr val="000000"/>
+              </a:buClr>
+              <a:buFont typeface="Arial"/>
+              <a:buChar char="•"/>
+            </a:pPr>
+            <a:r>
+              <a:rPr b="0" lang="en-US" sz="2800" spc="-1" strike="noStrike">
+                <a:solidFill>
+                  <a:srgbClr val="000000"/>
+                </a:solidFill>
+                <a:uFill>
+                  <a:solidFill>
+                    <a:srgbClr val="ffffff"/>
+                  </a:solidFill>
+                </a:uFill>
+                <a:latin typeface="Calibri"/>
+              </a:rPr>
+              <a:t>In loop</a:t>
+            </a:r>
+            <a:endParaRPr b="0" lang="en-US" sz="2800" spc="-1" strike="noStrike">
+              <a:solidFill>
+                <a:srgbClr val="000000"/>
+              </a:solidFill>
+              <a:uFill>
+                <a:solidFill>
+                  <a:srgbClr val="ffffff"/>
+                </a:solidFill>
+              </a:uFill>
+              <a:latin typeface="Calibri"/>
+            </a:endParaRPr>
+          </a:p>
+        </p:txBody>
+      </p:sp>
     </p:spTree>
   </p:cSld>
+  <mc:AlternateContent xmlns:mc="http://schemas.openxmlformats.org/markup-compatibility/2006">
+    <mc:Choice xmlns:p14="http://schemas.microsoft.com/office/powerpoint/2010/main" Requires="p14">
+      <p:transition spd="slow" p14:dur="2000"/>
+    </mc:Choice>
+    <mc:Fallback>
+      <p:transition spd="slow"/>
+    </mc:Fallback>
+  </mc:AlternateContent>
   <p:timing>
     <p:tnLst>
       <p:par>
-        <p:cTn id="27" dur="indefinite" restart="never" nodeType="tmRoot">
+        <p:cTn id="25" dur="indefinite" restart="never" nodeType="tmRoot">
           <p:childTnLst>
-            <p:seq>
-              <p:cTn id="28" nodeType="mainSeq"/>
+            <p:seq concurrent="0">
+              <p:cTn id="26" nodeType="mainSeq"/>
               <p:prevCondLst>
-                <p:cond delay="0" evt="onPrev">
+                <p:cond evt="onPrev" delay="0">
                   <p:tgtEl>
                     <p:sldTgt/>
                   </p:tgtEl>
                 </p:cond>
               </p:prevCondLst>
               <p:nextCondLst>
-                <p:cond delay="0" evt="onNext">
+                <p:cond evt="onNext" delay="0">
                   <p:tgtEl>
                     <p:sldTgt/>
                   </p:tgtEl>
@@ -6157,14 +6433,14 @@
       </p:grpSpPr>
       <p:sp>
         <p:nvSpPr>
-          <p:cNvPr id="145" name="TextShape 1"/>
+          <p:cNvPr id="141" name="TextShape 1"/>
           <p:cNvSpPr txBox="1"/>
           <p:nvPr/>
         </p:nvSpPr>
         <p:spPr>
           <a:xfrm>
-            <a:off x="838080" y="365040"/>
-            <a:ext cx="10515240" cy="1325160"/>
+            <a:off x="838200" y="365125"/>
+            <a:ext cx="10514965" cy="1325245"/>
           </a:xfrm>
           <a:prstGeom prst="rect">
             <a:avLst/>
@@ -6236,7 +6512,7 @@
                 </a:uFill>
                 <a:latin typeface="Calibri Light"/>
               </a:rPr>
-              <a:t>3) – I/O Files</a:t>
+              <a:t>3) – Date &amp; Time</a:t>
             </a:r>
             <a:endParaRPr b="0" lang="en-US" sz="4400" spc="-1" strike="noStrike">
               <a:solidFill>
@@ -6254,14 +6530,14 @@
       </p:sp>
       <p:sp>
         <p:nvSpPr>
-          <p:cNvPr id="146" name="TextShape 2"/>
+          <p:cNvPr id="142" name="TextShape 2"/>
           <p:cNvSpPr txBox="1"/>
           <p:nvPr/>
         </p:nvSpPr>
         <p:spPr>
           <a:xfrm>
-            <a:off x="838080" y="1825560"/>
-            <a:ext cx="10515240" cy="4350960"/>
+            <a:off x="838200" y="1825625"/>
+            <a:ext cx="10514965" cy="4351020"/>
           </a:xfrm>
           <a:prstGeom prst="rect">
             <a:avLst/>
@@ -6299,89 +6575,7 @@
                 </a:uFill>
                 <a:latin typeface="Calibri"/>
               </a:rPr>
-              <a:t>Read</a:t>
-            </a:r>
-            <a:endParaRPr b="0" lang="en-US" sz="2800" spc="-1" strike="noStrike">
-              <a:solidFill>
-                <a:srgbClr val="000000"/>
-              </a:solidFill>
-              <a:uFill>
-                <a:solidFill>
-                  <a:srgbClr val="ffffff"/>
-                </a:solidFill>
-              </a:uFill>
-              <a:latin typeface="Calibri"/>
-            </a:endParaRPr>
-          </a:p>
-          <a:p>
-            <a:pPr>
-              <a:lnSpc>
-                <a:spcPct val="90000"/>
-              </a:lnSpc>
-              <a:spcBef>
-                <a:spcPts val="1001"/>
-              </a:spcBef>
-            </a:pPr>
-            <a:endParaRPr b="0" lang="en-US" sz="2800" spc="-1" strike="noStrike">
-              <a:solidFill>
-                <a:srgbClr val="000000"/>
-              </a:solidFill>
-              <a:uFill>
-                <a:solidFill>
-                  <a:srgbClr val="ffffff"/>
-                </a:solidFill>
-              </a:uFill>
-              <a:latin typeface="Calibri"/>
-            </a:endParaRPr>
-          </a:p>
-          <a:p>
-            <a:pPr>
-              <a:lnSpc>
-                <a:spcPct val="90000"/>
-              </a:lnSpc>
-              <a:spcBef>
-                <a:spcPts val="1001"/>
-              </a:spcBef>
-            </a:pPr>
-            <a:endParaRPr b="0" lang="en-US" sz="2800" spc="-1" strike="noStrike">
-              <a:solidFill>
-                <a:srgbClr val="000000"/>
-              </a:solidFill>
-              <a:uFill>
-                <a:solidFill>
-                  <a:srgbClr val="ffffff"/>
-                </a:solidFill>
-              </a:uFill>
-              <a:latin typeface="Calibri"/>
-            </a:endParaRPr>
-          </a:p>
-          <a:p>
-            <a:pPr marL="228600" indent="-228240">
-              <a:lnSpc>
-                <a:spcPct val="90000"/>
-              </a:lnSpc>
-              <a:spcBef>
-                <a:spcPts val="1001"/>
-              </a:spcBef>
-              <a:buClr>
-                <a:srgbClr val="000000"/>
-              </a:buClr>
-              <a:buFont typeface="Arial"/>
-              <a:buChar char="•"/>
-            </a:pPr>
-            <a:r>
-              <a:rPr b="0" lang="en-US" sz="2800" spc="-1" strike="noStrike">
-                <a:solidFill>
-                  <a:srgbClr val="000000"/>
-                </a:solidFill>
-                <a:uFill>
-                  <a:solidFill>
-                    <a:srgbClr val="ffffff"/>
-                  </a:solidFill>
-                </a:uFill>
-                <a:latin typeface="Calibri"/>
-              </a:rPr>
-              <a:t>Write</a:t>
+              <a:t>Time Tuple</a:t>
             </a:r>
             <a:endParaRPr b="0" lang="en-US" sz="2800" spc="-1" strike="noStrike">
               <a:solidFill>
@@ -6399,7 +6593,7 @@
       </p:sp>
       <p:pic>
         <p:nvPicPr>
-          <p:cNvPr id="147" name="그림 5" descr=""/>
+          <p:cNvPr id="143" name="그림 3"/>
           <p:cNvPicPr/>
           <p:nvPr/>
         </p:nvPicPr>
@@ -6409,8 +6603,8 @@
         </p:blipFill>
         <p:spPr>
           <a:xfrm>
-            <a:off x="2800440" y="1879200"/>
-            <a:ext cx="8389080" cy="436680"/>
+            <a:off x="5497195" y="1825625"/>
+            <a:ext cx="5686425" cy="3780790"/>
           </a:xfrm>
           <a:prstGeom prst="rect">
             <a:avLst/>
@@ -6422,7 +6616,7 @@
       </p:pic>
       <p:pic>
         <p:nvPicPr>
-          <p:cNvPr id="148" name="그림 6" descr=""/>
+          <p:cNvPr id="144" name="그림 4"/>
           <p:cNvPicPr/>
           <p:nvPr/>
         </p:nvPicPr>
@@ -6432,8 +6626,8 @@
         </p:blipFill>
         <p:spPr>
           <a:xfrm>
-            <a:off x="2800440" y="3333240"/>
-            <a:ext cx="4771800" cy="436680"/>
+            <a:off x="574040" y="2553335"/>
+            <a:ext cx="4752975" cy="800100"/>
           </a:xfrm>
           <a:prstGeom prst="rect">
             <a:avLst/>
@@ -6445,22 +6639,30 @@
       </p:pic>
     </p:spTree>
   </p:cSld>
+  <mc:AlternateContent xmlns:mc="http://schemas.openxmlformats.org/markup-compatibility/2006">
+    <mc:Choice xmlns:p14="http://schemas.microsoft.com/office/powerpoint/2010/main" Requires="p14">
+      <p:transition spd="slow" p14:dur="2000"/>
+    </mc:Choice>
+    <mc:Fallback>
+      <p:transition spd="slow"/>
+    </mc:Fallback>
+  </mc:AlternateContent>
   <p:timing>
     <p:tnLst>
       <p:par>
-        <p:cTn id="29" dur="indefinite" restart="never" nodeType="tmRoot">
+        <p:cTn id="27" dur="indefinite" restart="never" nodeType="tmRoot">
           <p:childTnLst>
-            <p:seq>
-              <p:cTn id="30" nodeType="mainSeq"/>
+            <p:seq concurrent="0">
+              <p:cTn id="28" nodeType="mainSeq"/>
               <p:prevCondLst>
-                <p:cond delay="0" evt="onPrev">
+                <p:cond evt="onPrev" delay="0">
                   <p:tgtEl>
                     <p:sldTgt/>
                   </p:tgtEl>
                 </p:cond>
               </p:prevCondLst>
               <p:nextCondLst>
-                <p:cond delay="0" evt="onNext">
+                <p:cond evt="onNext" delay="0">
                   <p:tgtEl>
                     <p:sldTgt/>
                   </p:tgtEl>
@@ -6494,14 +6696,14 @@
       </p:grpSpPr>
       <p:sp>
         <p:nvSpPr>
-          <p:cNvPr id="149" name="TextShape 1"/>
+          <p:cNvPr id="145" name="TextShape 1"/>
           <p:cNvSpPr txBox="1"/>
           <p:nvPr/>
         </p:nvSpPr>
         <p:spPr>
           <a:xfrm>
-            <a:off x="838080" y="365040"/>
-            <a:ext cx="10515240" cy="1325160"/>
+            <a:off x="838200" y="365125"/>
+            <a:ext cx="10514965" cy="1325245"/>
           </a:xfrm>
           <a:prstGeom prst="rect">
             <a:avLst/>
@@ -6573,7 +6775,7 @@
                 </a:uFill>
                 <a:latin typeface="Calibri Light"/>
               </a:rPr>
-              <a:t>3) – Handling Exception</a:t>
+              <a:t>3) – I/O Files</a:t>
             </a:r>
             <a:endParaRPr b="0" lang="en-US" sz="4400" spc="-1" strike="noStrike">
               <a:solidFill>
@@ -6591,14 +6793,14 @@
       </p:sp>
       <p:sp>
         <p:nvSpPr>
-          <p:cNvPr id="150" name="TextShape 2"/>
+          <p:cNvPr id="146" name="TextShape 2"/>
           <p:cNvSpPr txBox="1"/>
           <p:nvPr/>
         </p:nvSpPr>
         <p:spPr>
           <a:xfrm>
-            <a:off x="838080" y="1825560"/>
-            <a:ext cx="10515240" cy="4350960"/>
+            <a:off x="838200" y="1825625"/>
+            <a:ext cx="10514965" cy="4351020"/>
           </a:xfrm>
           <a:prstGeom prst="rect">
             <a:avLst/>
@@ -6611,6 +6813,33 @@
         <p:txBody>
           <a:bodyPr/>
           <a:p>
+            <a:pPr marL="228600" indent="-228240">
+              <a:lnSpc>
+                <a:spcPct val="90000"/>
+              </a:lnSpc>
+              <a:spcBef>
+                <a:spcPts val="1001"/>
+              </a:spcBef>
+              <a:buClr>
+                <a:srgbClr val="000000"/>
+              </a:buClr>
+              <a:buFont typeface="Arial"/>
+              <a:buChar char="•"/>
+            </a:pPr>
+            <a:r>
+              <a:rPr b="0" lang="en-US" sz="2800" spc="-1" strike="noStrike">
+                <a:solidFill>
+                  <a:srgbClr val="000000"/>
+                </a:solidFill>
+                <a:uFill>
+                  <a:solidFill>
+                    <a:srgbClr val="ffffff"/>
+                  </a:solidFill>
+                </a:uFill>
+                <a:latin typeface="Calibri"/>
+              </a:rPr>
+              <a:t>Read</a:t>
+            </a:r>
             <a:endParaRPr b="0" lang="en-US" sz="2800" spc="-1" strike="noStrike">
               <a:solidFill>
                 <a:srgbClr val="000000"/>
@@ -6623,43 +6852,64 @@
               <a:latin typeface="Calibri"/>
             </a:endParaRPr>
           </a:p>
-        </p:txBody>
-      </p:sp>
-      <p:sp>
-        <p:nvSpPr>
-          <p:cNvPr id="151" name="CustomShape 3"/>
-          <p:cNvSpPr/>
-          <p:nvPr/>
-        </p:nvSpPr>
-        <p:spPr>
-          <a:xfrm>
-            <a:off x="4107600" y="3244320"/>
-            <a:ext cx="3976920" cy="364680"/>
-          </a:xfrm>
-          <a:prstGeom prst="rect">
-            <a:avLst/>
-          </a:prstGeom>
-          <a:noFill/>
-          <a:ln>
-            <a:noFill/>
-          </a:ln>
-        </p:spPr>
-        <p:style>
-          <a:lnRef idx="0"/>
-          <a:fillRef idx="0"/>
-          <a:effectRef idx="0"/>
-          <a:fontRef idx="minor"/>
-        </p:style>
-        <p:txBody>
-          <a:bodyPr wrap="none" lIns="90000" rIns="90000" tIns="45000" bIns="45000"/>
           <a:p>
             <a:pPr>
               <a:lnSpc>
-                <a:spcPct val="100000"/>
+                <a:spcPct val="90000"/>
               </a:lnSpc>
+              <a:spcBef>
+                <a:spcPts val="1001"/>
+              </a:spcBef>
             </a:pPr>
-            <a:r>
-              <a:rPr b="0" lang="en-US" sz="1800" spc="-1" strike="noStrike">
+            <a:endParaRPr b="0" lang="en-US" sz="2800" spc="-1" strike="noStrike">
+              <a:solidFill>
+                <a:srgbClr val="000000"/>
+              </a:solidFill>
+              <a:uFill>
+                <a:solidFill>
+                  <a:srgbClr val="ffffff"/>
+                </a:solidFill>
+              </a:uFill>
+              <a:latin typeface="Calibri"/>
+            </a:endParaRPr>
+          </a:p>
+          <a:p>
+            <a:pPr>
+              <a:lnSpc>
+                <a:spcPct val="90000"/>
+              </a:lnSpc>
+              <a:spcBef>
+                <a:spcPts val="1001"/>
+              </a:spcBef>
+            </a:pPr>
+            <a:endParaRPr b="0" lang="en-US" sz="2800" spc="-1" strike="noStrike">
+              <a:solidFill>
+                <a:srgbClr val="000000"/>
+              </a:solidFill>
+              <a:uFill>
+                <a:solidFill>
+                  <a:srgbClr val="ffffff"/>
+                </a:solidFill>
+              </a:uFill>
+              <a:latin typeface="Calibri"/>
+            </a:endParaRPr>
+          </a:p>
+          <a:p>
+            <a:pPr marL="228600" indent="-228240">
+              <a:lnSpc>
+                <a:spcPct val="90000"/>
+              </a:lnSpc>
+              <a:spcBef>
+                <a:spcPts val="1001"/>
+              </a:spcBef>
+              <a:buClr>
+                <a:srgbClr val="000000"/>
+              </a:buClr>
+              <a:buFont typeface="Arial"/>
+              <a:buChar char="•"/>
+            </a:pPr>
+            <a:r>
+              <a:rPr b="0" lang="en-US" sz="2800" spc="-1" strike="noStrike">
                 <a:solidFill>
                   <a:srgbClr val="000000"/>
                 </a:solidFill>
@@ -6670,67 +6920,25 @@
                 </a:uFill>
                 <a:latin typeface="Calibri"/>
               </a:rPr>
-              <a:t>파이썬 기초 </a:t>
-            </a:r>
-            <a:r>
-              <a:rPr b="0" lang="en-US" sz="1800" spc="-1" strike="noStrike">
-                <a:solidFill>
-                  <a:srgbClr val="000000"/>
-                </a:solidFill>
-                <a:uFill>
-                  <a:solidFill>
-                    <a:srgbClr val="ffffff"/>
-                  </a:solidFill>
-                </a:uFill>
-                <a:latin typeface="Calibri"/>
-              </a:rPr>
-              <a:t>(</a:t>
-            </a:r>
-            <a:r>
-              <a:rPr b="0" lang="en-US" sz="1800" spc="-1" strike="noStrike">
-                <a:solidFill>
-                  <a:srgbClr val="000000"/>
-                </a:solidFill>
-                <a:uFill>
-                  <a:solidFill>
-                    <a:srgbClr val="ffffff"/>
-                  </a:solidFill>
-                </a:uFill>
-                <a:latin typeface="Calibri"/>
-              </a:rPr>
-              <a:t>파이썬 </a:t>
-            </a:r>
-            <a:r>
-              <a:rPr b="0" lang="en-US" sz="1800" spc="-1" strike="noStrike">
-                <a:solidFill>
-                  <a:srgbClr val="000000"/>
-                </a:solidFill>
-                <a:uFill>
-                  <a:solidFill>
-                    <a:srgbClr val="ffffff"/>
-                  </a:solidFill>
-                </a:uFill>
-                <a:latin typeface="Calibri"/>
-              </a:rPr>
-              <a:t>3) – Date &amp; Time</a:t>
-            </a:r>
-            <a:endParaRPr b="0" lang="en-US" sz="1800" spc="-1" strike="noStrike">
-              <a:solidFill>
-                <a:srgbClr val="000000"/>
-              </a:solidFill>
-              <a:uFill>
-                <a:solidFill>
-                  <a:srgbClr val="ffffff"/>
-                </a:solidFill>
-              </a:uFill>
-              <a:latin typeface="Arial"/>
+              <a:t>Write</a:t>
+            </a:r>
+            <a:endParaRPr b="0" lang="en-US" sz="2800" spc="-1" strike="noStrike">
+              <a:solidFill>
+                <a:srgbClr val="000000"/>
+              </a:solidFill>
+              <a:uFill>
+                <a:solidFill>
+                  <a:srgbClr val="ffffff"/>
+                </a:solidFill>
+              </a:uFill>
+              <a:latin typeface="Calibri"/>
             </a:endParaRPr>
           </a:p>
         </p:txBody>
       </p:sp>
       <p:pic>
         <p:nvPicPr>
-          <p:cNvPr id="152" name="그림 3" descr=""/>
+          <p:cNvPr id="147" name="그림 5"/>
           <p:cNvPicPr/>
           <p:nvPr/>
         </p:nvPicPr>
@@ -6740,8 +6948,8 @@
         </p:blipFill>
         <p:spPr>
           <a:xfrm>
-            <a:off x="5740560" y="2005200"/>
-            <a:ext cx="5162040" cy="1171080"/>
+            <a:off x="2800350" y="1878965"/>
+            <a:ext cx="8388985" cy="436880"/>
           </a:xfrm>
           <a:prstGeom prst="rect">
             <a:avLst/>
@@ -6753,7 +6961,7 @@
       </p:pic>
       <p:pic>
         <p:nvPicPr>
-          <p:cNvPr id="153" name="그림 5" descr=""/>
+          <p:cNvPr id="148" name="그림 6"/>
           <p:cNvPicPr/>
           <p:nvPr/>
         </p:nvPicPr>
@@ -6763,8 +6971,8 @@
         </p:blipFill>
         <p:spPr>
           <a:xfrm>
-            <a:off x="1161720" y="4189320"/>
-            <a:ext cx="4714560" cy="1685520"/>
+            <a:off x="2800350" y="3333115"/>
+            <a:ext cx="4772025" cy="436880"/>
           </a:xfrm>
           <a:prstGeom prst="rect">
             <a:avLst/>
@@ -6776,22 +6984,30 @@
       </p:pic>
     </p:spTree>
   </p:cSld>
+  <mc:AlternateContent xmlns:mc="http://schemas.openxmlformats.org/markup-compatibility/2006">
+    <mc:Choice xmlns:p14="http://schemas.microsoft.com/office/powerpoint/2010/main" Requires="p14">
+      <p:transition spd="slow" p14:dur="2000"/>
+    </mc:Choice>
+    <mc:Fallback>
+      <p:transition spd="slow"/>
+    </mc:Fallback>
+  </mc:AlternateContent>
   <p:timing>
     <p:tnLst>
       <p:par>
-        <p:cTn id="31" dur="indefinite" restart="never" nodeType="tmRoot">
+        <p:cTn id="29" dur="indefinite" restart="never" nodeType="tmRoot">
           <p:childTnLst>
-            <p:seq>
-              <p:cTn id="32" nodeType="mainSeq"/>
+            <p:seq concurrent="0">
+              <p:cTn id="30" nodeType="mainSeq"/>
               <p:prevCondLst>
-                <p:cond delay="0" evt="onPrev">
+                <p:cond evt="onPrev" delay="0">
                   <p:tgtEl>
                     <p:sldTgt/>
                   </p:tgtEl>
                 </p:cond>
               </p:prevCondLst>
               <p:nextCondLst>
-                <p:cond delay="0" evt="onNext">
+                <p:cond evt="onNext" delay="0">
                   <p:tgtEl>
                     <p:sldTgt/>
                   </p:tgtEl>
@@ -6825,14 +7041,14 @@
       </p:grpSpPr>
       <p:sp>
         <p:nvSpPr>
-          <p:cNvPr id="154" name="TextShape 1"/>
+          <p:cNvPr id="149" name="TextShape 1"/>
           <p:cNvSpPr txBox="1"/>
           <p:nvPr/>
         </p:nvSpPr>
         <p:spPr>
           <a:xfrm>
-            <a:off x="838080" y="365040"/>
-            <a:ext cx="10515240" cy="1325160"/>
+            <a:off x="838200" y="365125"/>
+            <a:ext cx="10514965" cy="1325245"/>
           </a:xfrm>
           <a:prstGeom prst="rect">
             <a:avLst/>
@@ -6862,7 +7078,7 @@
                 </a:uFill>
                 <a:latin typeface="Calibri Light"/>
               </a:rPr>
-              <a:t>기초는 끝 그러면 실습 문제 </a:t>
+              <a:t>파이썬 기초 </a:t>
             </a:r>
             <a:r>
               <a:rPr b="0" lang="en-US" sz="4400" spc="-1" strike="noStrike">
@@ -6876,7 +7092,7 @@
                 </a:uFill>
                 <a:latin typeface="Calibri Light"/>
               </a:rPr>
-              <a:t>2</a:t>
+              <a:t>(</a:t>
             </a:r>
             <a:r>
               <a:rPr b="0" lang="en-US" sz="4400" spc="-1" strike="noStrike">
@@ -6890,7 +7106,21 @@
                 </a:uFill>
                 <a:latin typeface="Calibri Light"/>
               </a:rPr>
-              <a:t>개를 풀어보자</a:t>
+              <a:t>파이썬 </a:t>
+            </a:r>
+            <a:r>
+              <a:rPr b="0" lang="en-US" sz="4400" spc="-1" strike="noStrike">
+                <a:solidFill>
+                  <a:srgbClr val="000000"/>
+                </a:solidFill>
+                <a:uFill>
+                  <a:solidFill>
+                    <a:srgbClr val="ffffff"/>
+                  </a:solidFill>
+                </a:uFill>
+                <a:latin typeface="Calibri Light"/>
+              </a:rPr>
+              <a:t>3) – Handling Exception</a:t>
             </a:r>
             <a:endParaRPr b="0" lang="en-US" sz="4400" spc="-1" strike="noStrike">
               <a:solidFill>
@@ -6908,14 +7138,14 @@
       </p:sp>
       <p:sp>
         <p:nvSpPr>
-          <p:cNvPr id="155" name="TextShape 2"/>
+          <p:cNvPr id="150" name="TextShape 2"/>
           <p:cNvSpPr txBox="1"/>
           <p:nvPr/>
         </p:nvSpPr>
         <p:spPr>
           <a:xfrm>
-            <a:off x="838080" y="1825560"/>
-            <a:ext cx="10515240" cy="4350960"/>
+            <a:off x="838200" y="1825625"/>
+            <a:ext cx="10514965" cy="4351020"/>
           </a:xfrm>
           <a:prstGeom prst="rect">
             <a:avLst/>
@@ -6928,21 +7158,55 @@
         <p:txBody>
           <a:bodyPr/>
           <a:p>
-            <a:pPr marL="514440" indent="-514080">
+            <a:endParaRPr b="0" lang="en-US" sz="2800" spc="-1" strike="noStrike">
+              <a:solidFill>
+                <a:srgbClr val="000000"/>
+              </a:solidFill>
+              <a:uFill>
+                <a:solidFill>
+                  <a:srgbClr val="ffffff"/>
+                </a:solidFill>
+              </a:uFill>
+              <a:latin typeface="Calibri"/>
+            </a:endParaRPr>
+          </a:p>
+        </p:txBody>
+      </p:sp>
+      <p:sp>
+        <p:nvSpPr>
+          <p:cNvPr id="151" name="CustomShape 3"/>
+          <p:cNvSpPr/>
+          <p:nvPr/>
+        </p:nvSpPr>
+        <p:spPr>
+          <a:xfrm>
+            <a:off x="4107815" y="3244215"/>
+            <a:ext cx="3977005" cy="364490"/>
+          </a:xfrm>
+          <a:prstGeom prst="rect">
+            <a:avLst/>
+          </a:prstGeom>
+          <a:noFill/>
+          <a:ln>
+            <a:noFill/>
+          </a:ln>
+        </p:spPr>
+        <p:style>
+          <a:lnRef idx="0"/>
+          <a:fillRef idx="0"/>
+          <a:effectRef idx="0"/>
+          <a:fontRef idx="minor"/>
+        </p:style>
+        <p:txBody>
+          <a:bodyPr wrap="none" lIns="90000" rIns="90000" tIns="45000" bIns="45000"/>
+          <a:p>
+            <a:pPr>
               <a:lnSpc>
                 <a:spcPct val="100000"/>
               </a:lnSpc>
-              <a:spcBef>
-                <a:spcPts val="1001"/>
-              </a:spcBef>
-              <a:buClr>
-                <a:srgbClr val="000000"/>
-              </a:buClr>
-              <a:buFont typeface="Calibri Light"/>
-              <a:buAutoNum type="arabicPeriod"/>
             </a:pPr>
             <a:r>
-              <a:rPr b="0" lang="en-US" sz="2800" spc="-1" strike="noStrike">
+              <a:rPr b="0" lang="en-US" sz="1800" spc="-1" strike="noStrike">
                 <a:solidFill>
                   <a:srgbClr val="000000"/>
                 </a:solidFill>
@@ -6953,10 +7217,10 @@
                 </a:uFill>
                 <a:latin typeface="Calibri"/>
               </a:rPr>
-              <a:t>User</a:t>
-            </a:r>
-            <a:r>
-              <a:rPr b="0" lang="en-US" sz="2800" spc="-1" strike="noStrike">
+              <a:t>파이썬 기초 </a:t>
+            </a:r>
+            <a:r>
+              <a:rPr b="0" lang="en-US" sz="1800" spc="-1" strike="noStrike">
                 <a:solidFill>
                   <a:srgbClr val="000000"/>
                 </a:solidFill>
@@ -6967,10 +7231,10 @@
                 </a:uFill>
                 <a:latin typeface="Calibri"/>
               </a:rPr>
-              <a:t>로 부터 </a:t>
-            </a:r>
-            <a:r>
-              <a:rPr b="0" lang="en-US" sz="2800" spc="-1" strike="noStrike">
+              <a:t>(</a:t>
+            </a:r>
+            <a:r>
+              <a:rPr b="0" lang="en-US" sz="1800" spc="-1" strike="noStrike">
                 <a:solidFill>
                   <a:srgbClr val="000000"/>
                 </a:solidFill>
@@ -6981,10 +7245,10 @@
                 </a:uFill>
                 <a:latin typeface="Calibri"/>
               </a:rPr>
-              <a:t>Input</a:t>
-            </a:r>
-            <a:r>
-              <a:rPr b="0" lang="en-US" sz="2800" spc="-1" strike="noStrike">
+              <a:t>파이썬 </a:t>
+            </a:r>
+            <a:r>
+              <a:rPr b="0" lang="en-US" sz="1800" spc="-1" strike="noStrike">
                 <a:solidFill>
                   <a:srgbClr val="000000"/>
                 </a:solidFill>
@@ -6995,37 +7259,36 @@
                 </a:uFill>
                 <a:latin typeface="Calibri"/>
               </a:rPr>
-              <a:t>을 받아 역으로 프린트하기</a:t>
-            </a:r>
-            <a:endParaRPr b="0" lang="en-US" sz="2800" spc="-1" strike="noStrike">
-              <a:solidFill>
-                <a:srgbClr val="000000"/>
-              </a:solidFill>
-              <a:uFill>
-                <a:solidFill>
-                  <a:srgbClr val="ffffff"/>
-                </a:solidFill>
-              </a:uFill>
-              <a:latin typeface="Calibri"/>
+              <a:t>3) – Date &amp; Time</a:t>
+            </a:r>
+            <a:endParaRPr b="0" lang="en-US" sz="1800" spc="-1" strike="noStrike">
+              <a:solidFill>
+                <a:srgbClr val="000000"/>
+              </a:solidFill>
+              <a:uFill>
+                <a:solidFill>
+                  <a:srgbClr val="ffffff"/>
+                </a:solidFill>
+              </a:uFill>
+              <a:latin typeface="Arial"/>
             </a:endParaRPr>
           </a:p>
         </p:txBody>
       </p:sp>
       <p:pic>
         <p:nvPicPr>
-          <p:cNvPr id="156" name="" descr=""/>
+          <p:cNvPr id="152" name="그림 3"/>
           <p:cNvPicPr/>
           <p:nvPr/>
         </p:nvPicPr>
         <p:blipFill>
           <a:blip r:embed="rId1"/>
-          <a:srcRect l="0" t="59216" r="42405" b="12898"/>
           <a:stretch/>
         </p:blipFill>
         <p:spPr>
           <a:xfrm>
-            <a:off x="1371600" y="2469240"/>
-            <a:ext cx="6996240" cy="1828440"/>
+            <a:off x="5740400" y="2005330"/>
+            <a:ext cx="5161915" cy="1170940"/>
           </a:xfrm>
           <a:prstGeom prst="rect">
             <a:avLst/>
@@ -7035,24 +7298,55 @@
           </a:ln>
         </p:spPr>
       </p:pic>
+      <p:pic>
+        <p:nvPicPr>
+          <p:cNvPr id="153" name="그림 5"/>
+          <p:cNvPicPr/>
+          <p:nvPr/>
+        </p:nvPicPr>
+        <p:blipFill>
+          <a:blip r:embed="rId2"/>
+          <a:stretch/>
+        </p:blipFill>
+        <p:spPr>
+          <a:xfrm>
+            <a:off x="1161415" y="4189095"/>
+            <a:ext cx="4714875" cy="1685290"/>
+          </a:xfrm>
+          <a:prstGeom prst="rect">
+            <a:avLst/>
+          </a:prstGeom>
+          <a:ln>
+            <a:noFill/>
+          </a:ln>
+        </p:spPr>
+      </p:pic>
     </p:spTree>
   </p:cSld>
+  <mc:AlternateContent xmlns:mc="http://schemas.openxmlformats.org/markup-compatibility/2006">
+    <mc:Choice xmlns:p14="http://schemas.microsoft.com/office/powerpoint/2010/main" Requires="p14">
+      <p:transition spd="slow" p14:dur="2000"/>
+    </mc:Choice>
+    <mc:Fallback>
+      <p:transition spd="slow"/>
+    </mc:Fallback>
+  </mc:AlternateContent>
   <p:timing>
     <p:tnLst>
       <p:par>
-        <p:cTn id="33" dur="indefinite" restart="never" nodeType="tmRoot">
+        <p:cTn id="31" dur="indefinite" restart="never" nodeType="tmRoot">
           <p:childTnLst>
-            <p:seq>
-              <p:cTn id="34" nodeType="mainSeq"/>
+            <p:seq concurrent="0">
+              <p:cTn id="32" nodeType="mainSeq"/>
               <p:prevCondLst>
-                <p:cond delay="0" evt="onPrev">
+                <p:cond evt="onPrev" delay="0">
                   <p:tgtEl>
                     <p:sldTgt/>
                   </p:tgtEl>
                 </p:cond>
               </p:prevCondLst>
               <p:nextCondLst>
-                <p:cond delay="0" evt="onNext">
+                <p:cond evt="onNext" delay="0">
                   <p:tgtEl>
                     <p:sldTgt/>
                   </p:tgtEl>
@@ -7086,14 +7380,97 @@
       </p:grpSpPr>
       <p:sp>
         <p:nvSpPr>
-          <p:cNvPr id="157" name="TextShape 1"/>
+          <p:cNvPr id="154" name="TextShape 1"/>
           <p:cNvSpPr txBox="1"/>
           <p:nvPr/>
         </p:nvSpPr>
         <p:spPr>
           <a:xfrm>
-            <a:off x="731880" y="365760"/>
-            <a:ext cx="10515240" cy="4350960"/>
+            <a:off x="838200" y="365125"/>
+            <a:ext cx="10514965" cy="1325245"/>
+          </a:xfrm>
+          <a:prstGeom prst="rect">
+            <a:avLst/>
+          </a:prstGeom>
+          <a:noFill/>
+          <a:ln>
+            <a:noFill/>
+          </a:ln>
+        </p:spPr>
+        <p:txBody>
+          <a:bodyPr anchor="ctr"/>
+          <a:p>
+            <a:pPr>
+              <a:lnSpc>
+                <a:spcPct val="90000"/>
+              </a:lnSpc>
+            </a:pPr>
+            <a:r>
+              <a:rPr b="0" lang="en-US" sz="4400" spc="-1" strike="noStrike">
+                <a:solidFill>
+                  <a:srgbClr val="000000"/>
+                </a:solidFill>
+                <a:uFill>
+                  <a:solidFill>
+                    <a:srgbClr val="ffffff"/>
+                  </a:solidFill>
+                </a:uFill>
+                <a:latin typeface="Calibri Light"/>
+              </a:rPr>
+              <a:t>기초는 끝 그러면 실습 문제 </a:t>
+            </a:r>
+            <a:r>
+              <a:rPr b="0" lang="en-US" sz="4400" spc="-1" strike="noStrike">
+                <a:solidFill>
+                  <a:srgbClr val="000000"/>
+                </a:solidFill>
+                <a:uFill>
+                  <a:solidFill>
+                    <a:srgbClr val="ffffff"/>
+                  </a:solidFill>
+                </a:uFill>
+                <a:latin typeface="Calibri Light"/>
+              </a:rPr>
+              <a:t>2</a:t>
+            </a:r>
+            <a:r>
+              <a:rPr b="0" lang="en-US" sz="4400" spc="-1" strike="noStrike">
+                <a:solidFill>
+                  <a:srgbClr val="000000"/>
+                </a:solidFill>
+                <a:uFill>
+                  <a:solidFill>
+                    <a:srgbClr val="ffffff"/>
+                  </a:solidFill>
+                </a:uFill>
+                <a:latin typeface="Calibri Light"/>
+              </a:rPr>
+              <a:t>개를 풀어보자</a:t>
+            </a:r>
+            <a:endParaRPr b="0" lang="en-US" sz="4400" spc="-1" strike="noStrike">
+              <a:solidFill>
+                <a:srgbClr val="000000"/>
+              </a:solidFill>
+              <a:uFill>
+                <a:solidFill>
+                  <a:srgbClr val="ffffff"/>
+                </a:solidFill>
+              </a:uFill>
+              <a:latin typeface="Calibri"/>
+            </a:endParaRPr>
+          </a:p>
+        </p:txBody>
+      </p:sp>
+      <p:sp>
+        <p:nvSpPr>
+          <p:cNvPr id="155" name="TextShape 2"/>
+          <p:cNvSpPr txBox="1"/>
+          <p:nvPr/>
+        </p:nvSpPr>
+        <p:spPr>
+          <a:xfrm>
+            <a:off x="838200" y="1825625"/>
+            <a:ext cx="10514965" cy="4351020"/>
           </a:xfrm>
           <a:prstGeom prst="rect">
             <a:avLst/>
@@ -7131,7 +7508,49 @@
                 </a:uFill>
                 <a:latin typeface="Calibri"/>
               </a:rPr>
-              <a:t>2. File Read and change word user inserted into different word</a:t>
+              <a:t>User</a:t>
+            </a:r>
+            <a:r>
+              <a:rPr b="0" lang="en-US" sz="2800" spc="-1" strike="noStrike">
+                <a:solidFill>
+                  <a:srgbClr val="000000"/>
+                </a:solidFill>
+                <a:uFill>
+                  <a:solidFill>
+                    <a:srgbClr val="ffffff"/>
+                  </a:solidFill>
+                </a:uFill>
+                <a:latin typeface="Calibri"/>
+              </a:rPr>
+              <a:t>로 부터 </a:t>
+            </a:r>
+            <a:r>
+              <a:rPr b="0" lang="en-US" sz="2800" spc="-1" strike="noStrike">
+                <a:solidFill>
+                  <a:srgbClr val="000000"/>
+                </a:solidFill>
+                <a:uFill>
+                  <a:solidFill>
+                    <a:srgbClr val="ffffff"/>
+                  </a:solidFill>
+                </a:uFill>
+                <a:latin typeface="Calibri"/>
+              </a:rPr>
+              <a:t>Input</a:t>
+            </a:r>
+            <a:r>
+              <a:rPr b="0" lang="en-US" sz="2800" spc="-1" strike="noStrike">
+                <a:solidFill>
+                  <a:srgbClr val="000000"/>
+                </a:solidFill>
+                <a:uFill>
+                  <a:solidFill>
+                    <a:srgbClr val="ffffff"/>
+                  </a:solidFill>
+                </a:uFill>
+                <a:latin typeface="Calibri"/>
+              </a:rPr>
+              <a:t>을 받아 역으로 프린트하기</a:t>
             </a:r>
             <a:endParaRPr b="0" lang="en-US" sz="2800" spc="-1" strike="noStrike">
               <a:solidFill>
@@ -7149,19 +7568,19 @@
       </p:sp>
       <p:pic>
         <p:nvPicPr>
-          <p:cNvPr id="158" name="" descr=""/>
+          <p:cNvPr id="156" name="Picture 155"/>
           <p:cNvPicPr/>
           <p:nvPr/>
         </p:nvPicPr>
         <p:blipFill>
           <a:blip r:embed="rId1"/>
-          <a:srcRect l="0" t="4318" r="50858" b="66387"/>
+          <a:srcRect l="0" t="59216" r="42405" b="12898"/>
           <a:stretch/>
         </p:blipFill>
         <p:spPr>
           <a:xfrm>
-            <a:off x="1233000" y="918000"/>
-            <a:ext cx="5990760" cy="2008080"/>
+            <a:off x="1371600" y="2469515"/>
+            <a:ext cx="6996430" cy="1828165"/>
           </a:xfrm>
           <a:prstGeom prst="rect">
             <a:avLst/>
@@ -7171,72 +7590,32 @@
           </a:ln>
         </p:spPr>
       </p:pic>
-      <p:pic>
-        <p:nvPicPr>
-          <p:cNvPr id="159" name="" descr=""/>
-          <p:cNvPicPr/>
-          <p:nvPr/>
-        </p:nvPicPr>
-        <p:blipFill>
-          <a:blip r:embed="rId2"/>
-          <a:srcRect l="0" t="6584" r="5108" b="65630"/>
-          <a:stretch/>
-        </p:blipFill>
-        <p:spPr>
-          <a:xfrm>
-            <a:off x="182880" y="3017880"/>
-            <a:ext cx="11568600" cy="1828440"/>
-          </a:xfrm>
-          <a:prstGeom prst="rect">
-            <a:avLst/>
-          </a:prstGeom>
-          <a:ln>
-            <a:noFill/>
-          </a:ln>
-        </p:spPr>
-      </p:pic>
-      <p:pic>
-        <p:nvPicPr>
-          <p:cNvPr id="160" name="" descr=""/>
-          <p:cNvPicPr/>
-          <p:nvPr/>
-        </p:nvPicPr>
-        <p:blipFill>
-          <a:blip r:embed="rId3"/>
-          <a:srcRect l="0" t="6934" r="3000" b="69449"/>
-          <a:stretch/>
-        </p:blipFill>
-        <p:spPr>
-          <a:xfrm>
-            <a:off x="182880" y="5029560"/>
-            <a:ext cx="11825640" cy="1554120"/>
-          </a:xfrm>
-          <a:prstGeom prst="rect">
-            <a:avLst/>
-          </a:prstGeom>
-          <a:ln>
-            <a:noFill/>
-          </a:ln>
-        </p:spPr>
-      </p:pic>
     </p:spTree>
   </p:cSld>
+  <mc:AlternateContent xmlns:mc="http://schemas.openxmlformats.org/markup-compatibility/2006">
+    <mc:Choice xmlns:p14="http://schemas.microsoft.com/office/powerpoint/2010/main" Requires="p14">
+      <p:transition spd="slow" p14:dur="2000"/>
+    </mc:Choice>
+    <mc:Fallback>
+      <p:transition spd="slow"/>
+    </mc:Fallback>
+  </mc:AlternateContent>
   <p:timing>
     <p:tnLst>
       <p:par>
-        <p:cTn id="35" dur="indefinite" restart="never" nodeType="tmRoot">
+        <p:cTn id="33" dur="indefinite" restart="never" nodeType="tmRoot">
           <p:childTnLst>
-            <p:seq>
-              <p:cTn id="36" nodeType="mainSeq"/>
+            <p:seq concurrent="0">
+              <p:cTn id="34" nodeType="mainSeq"/>
               <p:prevCondLst>
-                <p:cond delay="0" evt="onPrev">
+                <p:cond evt="onPrev" delay="0">
                   <p:tgtEl>
                     <p:sldTgt/>
                   </p:tgtEl>
                 </p:cond>
               </p:prevCondLst>
               <p:nextCondLst>
-                <p:cond delay="0" evt="onNext">
+                <p:cond evt="onNext" delay="0">
                   <p:tgtEl>
                     <p:sldTgt/>
                   </p:tgtEl>
@@ -7270,14 +7649,14 @@
       </p:grpSpPr>
       <p:sp>
         <p:nvSpPr>
-          <p:cNvPr id="161" name="TextShape 1"/>
+          <p:cNvPr id="157" name="TextShape 1"/>
           <p:cNvSpPr txBox="1"/>
           <p:nvPr/>
         </p:nvSpPr>
         <p:spPr>
           <a:xfrm>
-            <a:off x="838080" y="365040"/>
-            <a:ext cx="10515240" cy="1325160"/>
+            <a:off x="732155" y="365760"/>
+            <a:ext cx="10514965" cy="4351020"/>
           </a:xfrm>
           <a:prstGeom prst="rect">
             <a:avLst/>
@@ -7288,82 +7667,11 @@
           </a:ln>
         </p:spPr>
         <p:txBody>
-          <a:bodyPr anchor="ctr"/>
-          <a:p>
-            <a:pPr>
+          <a:bodyPr/>
+          <a:p>
+            <a:pPr marL="514440" indent="-514080">
               <a:lnSpc>
-                <a:spcPct val="90000"/>
-              </a:lnSpc>
-            </a:pPr>
-            <a:r>
-              <a:rPr b="0" lang="en-US" sz="4400" spc="-1" strike="noStrike">
-                <a:solidFill>
-                  <a:srgbClr val="000000"/>
-                </a:solidFill>
-                <a:uFill>
-                  <a:solidFill>
-                    <a:srgbClr val="ffffff"/>
-                  </a:solidFill>
-                </a:uFill>
-                <a:latin typeface="Calibri Light"/>
-              </a:rPr>
-              <a:t>웹 파싱</a:t>
-            </a:r>
-            <a:r>
-              <a:rPr b="0" lang="en-US" sz="4400" spc="-1" strike="noStrike">
-                <a:solidFill>
-                  <a:srgbClr val="000000"/>
-                </a:solidFill>
-                <a:uFill>
-                  <a:solidFill>
-                    <a:srgbClr val="ffffff"/>
-                  </a:solidFill>
-                </a:uFill>
-                <a:latin typeface="Calibri Light"/>
-              </a:rPr>
-              <a:t>?</a:t>
-            </a:r>
-            <a:endParaRPr b="0" lang="en-US" sz="4400" spc="-1" strike="noStrike">
-              <a:solidFill>
-                <a:srgbClr val="000000"/>
-              </a:solidFill>
-              <a:uFill>
-                <a:solidFill>
-                  <a:srgbClr val="ffffff"/>
-                </a:solidFill>
-              </a:uFill>
-              <a:latin typeface="Calibri"/>
-            </a:endParaRPr>
-          </a:p>
-        </p:txBody>
-      </p:sp>
-      <p:sp>
-        <p:nvSpPr>
-          <p:cNvPr id="162" name="TextShape 2"/>
-          <p:cNvSpPr txBox="1"/>
-          <p:nvPr/>
-        </p:nvSpPr>
-        <p:spPr>
-          <a:xfrm>
-            <a:off x="838080" y="1825560"/>
-            <a:ext cx="10515240" cy="1204200"/>
-          </a:xfrm>
-          <a:prstGeom prst="rect">
-            <a:avLst/>
-          </a:prstGeom>
-          <a:noFill/>
-          <a:ln>
-            <a:noFill/>
-          </a:ln>
-        </p:spPr>
-        <p:txBody>
-          <a:bodyPr>
-            <a:normAutofit/>
-          </a:bodyPr>
-          <a:p>
-            <a:pPr marL="228600" indent="-228240">
-              <a:lnSpc>
-                <a:spcPct val="90000"/>
+                <a:spcPct val="100000"/>
               </a:lnSpc>
               <a:spcBef>
                 <a:spcPts val="1001"/>
@@ -7371,8 +7679,8 @@
               <a:buClr>
                 <a:srgbClr val="000000"/>
               </a:buClr>
-              <a:buFont typeface="Arial"/>
-              <a:buChar char="•"/>
+              <a:buFont typeface="Calibri Light"/>
+              <a:buAutoNum type="arabicPeriod"/>
             </a:pPr>
             <a:r>
               <a:rPr b="0" lang="en-US" sz="2800" spc="-1" strike="noStrike">
@@ -7386,7 +7694,7 @@
                 </a:uFill>
                 <a:latin typeface="Calibri"/>
               </a:rPr>
-              <a:t>파싱이란</a:t>
+              <a:t>2. File Read and change word user inserted into different word</a:t>
             </a:r>
             <a:endParaRPr b="0" lang="en-US" sz="2800" spc="-1" strike="noStrike">
               <a:solidFill>
@@ -7400,340 +7708,106 @@
               <a:latin typeface="Calibri"/>
             </a:endParaRPr>
           </a:p>
-          <a:p>
-            <a:pPr lvl="1" marL="685800" indent="-228240">
-              <a:lnSpc>
-                <a:spcPct val="100000"/>
-              </a:lnSpc>
-              <a:spcBef>
-                <a:spcPts val="499"/>
-              </a:spcBef>
-              <a:buClr>
-                <a:srgbClr val="000000"/>
-              </a:buClr>
-              <a:buFont typeface="Arial"/>
-              <a:buChar char="•"/>
-            </a:pPr>
-            <a:r>
-              <a:rPr b="1" lang="en-US" sz="2400" spc="-1" strike="noStrike">
-                <a:solidFill>
-                  <a:srgbClr val="000000"/>
-                </a:solidFill>
-                <a:uFill>
-                  <a:solidFill>
-                    <a:srgbClr val="ffffff"/>
-                  </a:solidFill>
-                </a:uFill>
-                <a:latin typeface="Calibri"/>
-              </a:rPr>
-              <a:t>어구의 해부</a:t>
-            </a:r>
-            <a:r>
-              <a:rPr b="1" lang="en-US" sz="2400" spc="-1" strike="noStrike">
-                <a:solidFill>
-                  <a:srgbClr val="000000"/>
-                </a:solidFill>
-                <a:uFill>
-                  <a:solidFill>
-                    <a:srgbClr val="ffffff"/>
-                  </a:solidFill>
-                </a:uFill>
-                <a:latin typeface="Calibri"/>
-              </a:rPr>
-              <a:t>, </a:t>
-            </a:r>
-            <a:r>
-              <a:rPr b="1" lang="en-US" sz="2400" spc="-1" strike="noStrike">
-                <a:solidFill>
-                  <a:srgbClr val="000000"/>
-                </a:solidFill>
-                <a:uFill>
-                  <a:solidFill>
-                    <a:srgbClr val="ffffff"/>
-                  </a:solidFill>
-                </a:uFill>
-                <a:latin typeface="Calibri"/>
-              </a:rPr>
-              <a:t>문의 분석</a:t>
-            </a:r>
-            <a:endParaRPr b="0" lang="en-US" sz="2400" spc="-1" strike="noStrike">
-              <a:solidFill>
-                <a:srgbClr val="000000"/>
-              </a:solidFill>
-              <a:uFill>
-                <a:solidFill>
-                  <a:srgbClr val="ffffff"/>
-                </a:solidFill>
-              </a:uFill>
-              <a:latin typeface="Calibri"/>
-            </a:endParaRPr>
-          </a:p>
-          <a:p>
-            <a:pPr lvl="1" marL="685800" indent="-228240">
-              <a:lnSpc>
-                <a:spcPct val="100000"/>
-              </a:lnSpc>
-              <a:spcBef>
-                <a:spcPts val="499"/>
-              </a:spcBef>
-              <a:buClr>
-                <a:srgbClr val="000000"/>
-              </a:buClr>
-              <a:buFont typeface="Arial"/>
-              <a:buChar char="•"/>
-            </a:pPr>
-            <a:r>
-              <a:rPr b="0" lang="en-US" sz="2400" spc="-1" strike="noStrike">
-                <a:solidFill>
-                  <a:srgbClr val="000000"/>
-                </a:solidFill>
-                <a:uFill>
-                  <a:solidFill>
-                    <a:srgbClr val="ffffff"/>
-                  </a:solidFill>
-                </a:uFill>
-                <a:latin typeface="Calibri"/>
-              </a:rPr>
-              <a:t>즉</a:t>
-            </a:r>
-            <a:r>
-              <a:rPr b="0" lang="en-US" sz="2400" spc="-1" strike="noStrike">
-                <a:solidFill>
-                  <a:srgbClr val="000000"/>
-                </a:solidFill>
-                <a:uFill>
-                  <a:solidFill>
-                    <a:srgbClr val="ffffff"/>
-                  </a:solidFill>
-                </a:uFill>
-                <a:latin typeface="Calibri"/>
-              </a:rPr>
-              <a:t>, </a:t>
-            </a:r>
-            <a:r>
-              <a:rPr b="0" lang="en-US" sz="2400" spc="-1" strike="noStrike">
-                <a:solidFill>
-                  <a:srgbClr val="000000"/>
-                </a:solidFill>
-                <a:uFill>
-                  <a:solidFill>
-                    <a:srgbClr val="ffffff"/>
-                  </a:solidFill>
-                </a:uFill>
-                <a:latin typeface="Calibri"/>
-              </a:rPr>
-              <a:t>원하는 부분을 잘라서 분석해 쓴다는 의미</a:t>
-            </a:r>
-            <a:endParaRPr b="0" lang="en-US" sz="2400" spc="-1" strike="noStrike">
-              <a:solidFill>
-                <a:srgbClr val="000000"/>
-              </a:solidFill>
-              <a:uFill>
-                <a:solidFill>
-                  <a:srgbClr val="ffffff"/>
-                </a:solidFill>
-              </a:uFill>
-              <a:latin typeface="Calibri"/>
-            </a:endParaRPr>
-          </a:p>
-          <a:p>
-            <a:endParaRPr b="0" lang="en-US" sz="2400" spc="-1" strike="noStrike">
-              <a:solidFill>
-                <a:srgbClr val="000000"/>
-              </a:solidFill>
-              <a:uFill>
-                <a:solidFill>
-                  <a:srgbClr val="ffffff"/>
-                </a:solidFill>
-              </a:uFill>
-              <a:latin typeface="Calibri"/>
-            </a:endParaRPr>
-          </a:p>
-        </p:txBody>
-      </p:sp>
-      <p:sp>
-        <p:nvSpPr>
-          <p:cNvPr id="163" name="CustomShape 3"/>
-          <p:cNvSpPr/>
+        </p:txBody>
+      </p:sp>
+      <p:pic>
+        <p:nvPicPr>
+          <p:cNvPr id="158" name="Picture 157"/>
+          <p:cNvPicPr/>
           <p:nvPr/>
-        </p:nvSpPr>
-        <p:spPr>
-          <a:xfrm>
-            <a:off x="838080" y="3328200"/>
-            <a:ext cx="10515240" cy="1204200"/>
-          </a:xfrm>
-          <a:prstGeom prst="rect">
-            <a:avLst/>
-          </a:prstGeom>
-          <a:noFill/>
+        </p:nvPicPr>
+        <p:blipFill>
+          <a:blip r:embed="rId1"/>
+          <a:srcRect l="0" t="4318" r="50858" b="66387"/>
+          <a:stretch/>
+        </p:blipFill>
+        <p:spPr>
+          <a:xfrm>
+            <a:off x="1233170" y="918210"/>
+            <a:ext cx="5990590" cy="2007870"/>
+          </a:xfrm>
+          <a:prstGeom prst="rect">
+            <a:avLst/>
+          </a:prstGeom>
           <a:ln>
             <a:noFill/>
           </a:ln>
         </p:spPr>
-        <p:style>
-          <a:lnRef idx="0"/>
-          <a:fillRef idx="0"/>
-          <a:effectRef idx="0"/>
-          <a:fontRef idx="minor"/>
-        </p:style>
-        <p:txBody>
-          <a:bodyPr>
-            <a:normAutofit/>
-          </a:bodyPr>
-          <a:p>
-            <a:pPr marL="228600" indent="-228240">
-              <a:lnSpc>
-                <a:spcPct val="90000"/>
-              </a:lnSpc>
-              <a:spcBef>
-                <a:spcPts val="1001"/>
-              </a:spcBef>
-              <a:buClr>
-                <a:srgbClr val="000000"/>
-              </a:buClr>
-              <a:buFont typeface="Arial"/>
-              <a:buChar char="•"/>
-            </a:pPr>
-            <a:r>
-              <a:rPr b="0" lang="en-US" sz="2800" spc="-1" strike="noStrike">
-                <a:solidFill>
-                  <a:srgbClr val="000000"/>
-                </a:solidFill>
-                <a:uFill>
-                  <a:solidFill>
-                    <a:srgbClr val="ffffff"/>
-                  </a:solidFill>
-                </a:uFill>
-                <a:latin typeface="Calibri"/>
-              </a:rPr>
-              <a:t>웹 파싱이란</a:t>
-            </a:r>
-            <a:r>
-              <a:rPr b="0" lang="en-US" sz="2800" spc="-1" strike="noStrike">
-                <a:solidFill>
-                  <a:srgbClr val="000000"/>
-                </a:solidFill>
-                <a:uFill>
-                  <a:solidFill>
-                    <a:srgbClr val="ffffff"/>
-                  </a:solidFill>
-                </a:uFill>
-                <a:latin typeface="Calibri"/>
-              </a:rPr>
-              <a:t>?</a:t>
-            </a:r>
-            <a:endParaRPr b="0" lang="en-US" sz="2800" spc="-1" strike="noStrike">
-              <a:solidFill>
-                <a:srgbClr val="000000"/>
-              </a:solidFill>
-              <a:uFill>
-                <a:solidFill>
-                  <a:srgbClr val="ffffff"/>
-                </a:solidFill>
-              </a:uFill>
-              <a:latin typeface="Arial"/>
-            </a:endParaRPr>
-          </a:p>
-          <a:p>
-            <a:pPr lvl="1" marL="685800" indent="-228240">
-              <a:lnSpc>
-                <a:spcPct val="100000"/>
-              </a:lnSpc>
-              <a:spcBef>
-                <a:spcPts val="499"/>
-              </a:spcBef>
-              <a:buClr>
-                <a:srgbClr val="000000"/>
-              </a:buClr>
-              <a:buFont typeface="Arial"/>
-              <a:buChar char="•"/>
-            </a:pPr>
-            <a:r>
-              <a:rPr b="0" lang="en-US" sz="2400" spc="-1" strike="noStrike">
-                <a:solidFill>
-                  <a:srgbClr val="000000"/>
-                </a:solidFill>
-                <a:uFill>
-                  <a:solidFill>
-                    <a:srgbClr val="ffffff"/>
-                  </a:solidFill>
-                </a:uFill>
-                <a:latin typeface="Calibri"/>
-              </a:rPr>
-              <a:t>Web + Parsing</a:t>
-            </a:r>
-            <a:endParaRPr b="0" lang="en-US" sz="2400" spc="-1" strike="noStrike">
-              <a:solidFill>
-                <a:srgbClr val="000000"/>
-              </a:solidFill>
-              <a:uFill>
-                <a:solidFill>
-                  <a:srgbClr val="ffffff"/>
-                </a:solidFill>
-              </a:uFill>
-              <a:latin typeface="Arial"/>
-            </a:endParaRPr>
-          </a:p>
-          <a:p>
-            <a:pPr lvl="1" marL="685800" indent="-228240">
-              <a:lnSpc>
-                <a:spcPct val="100000"/>
-              </a:lnSpc>
-              <a:spcBef>
-                <a:spcPts val="499"/>
-              </a:spcBef>
-              <a:buClr>
-                <a:srgbClr val="000000"/>
-              </a:buClr>
-              <a:buFont typeface="Arial"/>
-              <a:buChar char="•"/>
-            </a:pPr>
-            <a:r>
-              <a:rPr b="0" lang="en-US" sz="2400" spc="-1" strike="noStrike">
-                <a:solidFill>
-                  <a:srgbClr val="000000"/>
-                </a:solidFill>
-                <a:uFill>
-                  <a:solidFill>
-                    <a:srgbClr val="ffffff"/>
-                  </a:solidFill>
-                </a:uFill>
-                <a:latin typeface="Calibri"/>
-              </a:rPr>
-              <a:t>인터넷 소스 코드를 잘라서 분석해 쓴다는 의미</a:t>
-            </a:r>
-            <a:endParaRPr b="0" lang="en-US" sz="2400" spc="-1" strike="noStrike">
-              <a:solidFill>
-                <a:srgbClr val="000000"/>
-              </a:solidFill>
-              <a:uFill>
-                <a:solidFill>
-                  <a:srgbClr val="ffffff"/>
-                </a:solidFill>
-              </a:uFill>
-              <a:latin typeface="Arial"/>
-            </a:endParaRPr>
-          </a:p>
-        </p:txBody>
-      </p:sp>
+      </p:pic>
+      <p:pic>
+        <p:nvPicPr>
+          <p:cNvPr id="159" name="Picture 158"/>
+          <p:cNvPicPr/>
+          <p:nvPr/>
+        </p:nvPicPr>
+        <p:blipFill>
+          <a:blip r:embed="rId2"/>
+          <a:srcRect l="0" t="6584" r="5108" b="65630"/>
+          <a:stretch/>
+        </p:blipFill>
+        <p:spPr>
+          <a:xfrm>
+            <a:off x="182880" y="3018155"/>
+            <a:ext cx="11568430" cy="1828165"/>
+          </a:xfrm>
+          <a:prstGeom prst="rect">
+            <a:avLst/>
+          </a:prstGeom>
+          <a:ln>
+            <a:noFill/>
+          </a:ln>
+        </p:spPr>
+      </p:pic>
+      <p:pic>
+        <p:nvPicPr>
+          <p:cNvPr id="160" name="Picture 159"/>
+          <p:cNvPicPr/>
+          <p:nvPr/>
+        </p:nvPicPr>
+        <p:blipFill>
+          <a:blip r:embed="rId3"/>
+          <a:srcRect l="0" t="6934" r="3000" b="69449"/>
+          <a:stretch/>
+        </p:blipFill>
+        <p:spPr>
+          <a:xfrm>
+            <a:off x="182880" y="5029835"/>
+            <a:ext cx="11825605" cy="1553845"/>
+          </a:xfrm>
+          <a:prstGeom prst="rect">
+            <a:avLst/>
+          </a:prstGeom>
+          <a:ln>
+            <a:noFill/>
+          </a:ln>
+        </p:spPr>
+      </p:pic>
     </p:spTree>
   </p:cSld>
+  <mc:AlternateContent xmlns:mc="http://schemas.openxmlformats.org/markup-compatibility/2006">
+    <mc:Choice xmlns:p14="http://schemas.microsoft.com/office/powerpoint/2010/main" Requires="p14">
+      <p:transition spd="slow" p14:dur="2000"/>
+    </mc:Choice>
+    <mc:Fallback>
+      <p:transition spd="slow"/>
+    </mc:Fallback>
+  </mc:AlternateContent>
   <p:timing>
     <p:tnLst>
       <p:par>
-        <p:cTn id="37" dur="indefinite" restart="never" nodeType="tmRoot">
+        <p:cTn id="35" dur="indefinite" restart="never" nodeType="tmRoot">
           <p:childTnLst>
-            <p:seq>
-              <p:cTn id="38" nodeType="mainSeq"/>
+            <p:seq concurrent="0">
+              <p:cTn id="36" nodeType="mainSeq"/>
               <p:prevCondLst>
-                <p:cond delay="0" evt="onPrev">
+                <p:cond evt="onPrev" delay="0">
                   <p:tgtEl>
                     <p:sldTgt/>
                   </p:tgtEl>
                 </p:cond>
               </p:prevCondLst>
               <p:nextCondLst>
-                <p:cond delay="0" evt="onNext">
+                <p:cond evt="onNext" delay="0">
                   <p:tgtEl>
                     <p:sldTgt/>
                   </p:tgtEl>
@@ -7773,8 +7847,8 @@
         </p:nvSpPr>
         <p:spPr>
           <a:xfrm>
-            <a:off x="838080" y="365040"/>
-            <a:ext cx="10515240" cy="1325160"/>
+            <a:off x="838200" y="365125"/>
+            <a:ext cx="10514965" cy="1325245"/>
           </a:xfrm>
           <a:prstGeom prst="rect">
             <a:avLst/>
@@ -7842,8 +7916,8 @@
         </p:nvSpPr>
         <p:spPr>
           <a:xfrm>
-            <a:off x="838080" y="1825560"/>
-            <a:ext cx="10515240" cy="4350960"/>
+            <a:off x="838200" y="1825625"/>
+            <a:ext cx="10514965" cy="4351020"/>
           </a:xfrm>
           <a:prstGeom prst="rect">
             <a:avLst/>
@@ -7920,7 +7994,7 @@
       </p:sp>
       <p:pic>
         <p:nvPicPr>
-          <p:cNvPr id="86" name="그림 3" descr=""/>
+          <p:cNvPr id="86" name="그림 3"/>
           <p:cNvPicPr/>
           <p:nvPr/>
         </p:nvPicPr>
@@ -7930,8 +8004,8 @@
         </p:blipFill>
         <p:spPr>
           <a:xfrm>
-            <a:off x="454680" y="2601000"/>
-            <a:ext cx="6456600" cy="1773720"/>
+            <a:off x="454660" y="2600960"/>
+            <a:ext cx="6456680" cy="1773555"/>
           </a:xfrm>
           <a:prstGeom prst="rect">
             <a:avLst/>
@@ -7943,7 +8017,7 @@
       </p:pic>
       <p:pic>
         <p:nvPicPr>
-          <p:cNvPr id="87" name="그림 4" descr=""/>
+          <p:cNvPr id="87" name="그림 4"/>
           <p:cNvPicPr/>
           <p:nvPr/>
         </p:nvPicPr>
@@ -7953,8 +8027,8 @@
         </p:blipFill>
         <p:spPr>
           <a:xfrm>
-            <a:off x="6527880" y="2601000"/>
-            <a:ext cx="4201560" cy="827640"/>
+            <a:off x="6527800" y="2600960"/>
+            <a:ext cx="4201795" cy="827405"/>
           </a:xfrm>
           <a:prstGeom prst="rect">
             <a:avLst/>
@@ -7972,8 +8046,8 @@
         </p:nvSpPr>
         <p:spPr>
           <a:xfrm>
-            <a:off x="838080" y="4570920"/>
-            <a:ext cx="10515240" cy="4350960"/>
+            <a:off x="838200" y="4570730"/>
+            <a:ext cx="10514965" cy="4351020"/>
           </a:xfrm>
           <a:prstGeom prst="rect">
             <a:avLst/>
@@ -8037,7 +8111,7 @@
       </p:sp>
       <p:pic>
         <p:nvPicPr>
-          <p:cNvPr id="89" name="그림 7" descr=""/>
+          <p:cNvPr id="89" name="그림 7"/>
           <p:cNvPicPr/>
           <p:nvPr/>
         </p:nvPicPr>
@@ -8047,8 +8121,8 @@
         </p:blipFill>
         <p:spPr>
           <a:xfrm>
-            <a:off x="454680" y="5188320"/>
-            <a:ext cx="7886520" cy="1266480"/>
+            <a:off x="454660" y="5188585"/>
+            <a:ext cx="7886700" cy="1266190"/>
           </a:xfrm>
           <a:prstGeom prst="rect">
             <a:avLst/>
@@ -8060,22 +8134,30 @@
       </p:pic>
     </p:spTree>
   </p:cSld>
+  <mc:AlternateContent xmlns:mc="http://schemas.openxmlformats.org/markup-compatibility/2006">
+    <mc:Choice xmlns:p14="http://schemas.microsoft.com/office/powerpoint/2010/main" Requires="p14">
+      <p:transition spd="slow" p14:dur="2000"/>
+    </mc:Choice>
+    <mc:Fallback>
+      <p:transition spd="slow"/>
+    </mc:Fallback>
+  </mc:AlternateContent>
   <p:timing>
     <p:tnLst>
       <p:par>
         <p:cTn id="3" dur="indefinite" restart="never" nodeType="tmRoot">
           <p:childTnLst>
-            <p:seq>
+            <p:seq concurrent="0">
               <p:cTn id="4" nodeType="mainSeq"/>
               <p:prevCondLst>
-                <p:cond delay="0" evt="onPrev">
+                <p:cond evt="onPrev" delay="0">
                   <p:tgtEl>
                     <p:sldTgt/>
                   </p:tgtEl>
                 </p:cond>
               </p:prevCondLst>
               <p:nextCondLst>
-                <p:cond delay="0" evt="onNext">
+                <p:cond evt="onNext" delay="0">
                   <p:tgtEl>
                     <p:sldTgt/>
                   </p:tgtEl>
@@ -8109,14 +8191,14 @@
       </p:grpSpPr>
       <p:sp>
         <p:nvSpPr>
-          <p:cNvPr id="164" name="TextShape 1"/>
+          <p:cNvPr id="161" name="TextShape 1"/>
           <p:cNvSpPr txBox="1"/>
           <p:nvPr/>
         </p:nvSpPr>
         <p:spPr>
           <a:xfrm>
-            <a:off x="838080" y="365040"/>
-            <a:ext cx="10515240" cy="1325160"/>
+            <a:off x="838200" y="365125"/>
+            <a:ext cx="10514965" cy="1325245"/>
           </a:xfrm>
           <a:prstGeom prst="rect">
             <a:avLst/>
@@ -8146,7 +8228,21 @@
                 </a:uFill>
                 <a:latin typeface="Calibri Light"/>
               </a:rPr>
-              <a:t>웹 파씽을 할때 필요한 패키지</a:t>
+              <a:t>웹 파싱</a:t>
+            </a:r>
+            <a:r>
+              <a:rPr b="0" lang="en-US" sz="4400" spc="-1" strike="noStrike">
+                <a:solidFill>
+                  <a:srgbClr val="000000"/>
+                </a:solidFill>
+                <a:uFill>
+                  <a:solidFill>
+                    <a:srgbClr val="ffffff"/>
+                  </a:solidFill>
+                </a:uFill>
+                <a:latin typeface="Calibri Light"/>
+              </a:rPr>
+              <a:t>?</a:t>
             </a:r>
             <a:endParaRPr b="0" lang="en-US" sz="4400" spc="-1" strike="noStrike">
               <a:solidFill>
@@ -8164,14 +8260,14 @@
       </p:sp>
       <p:sp>
         <p:nvSpPr>
-          <p:cNvPr id="165" name="TextShape 2"/>
+          <p:cNvPr id="162" name="TextShape 2"/>
           <p:cNvSpPr txBox="1"/>
           <p:nvPr/>
         </p:nvSpPr>
         <p:spPr>
           <a:xfrm>
-            <a:off x="838080" y="1825560"/>
-            <a:ext cx="10515240" cy="4350960"/>
+            <a:off x="838200" y="1825625"/>
+            <a:ext cx="10514965" cy="1203960"/>
           </a:xfrm>
           <a:prstGeom prst="rect">
             <a:avLst/>
@@ -8182,7 +8278,9 @@
           </a:ln>
         </p:spPr>
         <p:txBody>
-          <a:bodyPr/>
+          <a:bodyPr>
+            <a:normAutofit/>
+          </a:bodyPr>
           <a:p>
             <a:pPr marL="228600" indent="-228240">
               <a:lnSpc>
@@ -8209,21 +8307,7 @@
                 </a:uFill>
                 <a:latin typeface="Calibri"/>
               </a:rPr>
-              <a:t>BeautifulSoup4 </a:t>
-            </a:r>
-            <a:r>
-              <a:rPr b="0" lang="en-US" sz="2800" spc="-1" strike="noStrike">
-                <a:solidFill>
-                  <a:srgbClr val="000000"/>
-                </a:solidFill>
-                <a:uFill>
-                  <a:solidFill>
-                    <a:srgbClr val="ffffff"/>
-                  </a:solidFill>
-                </a:uFill>
-                <a:latin typeface="Calibri"/>
-              </a:rPr>
-              <a:t>패키지가 필요로한다</a:t>
+              <a:t>파싱이란</a:t>
             </a:r>
             <a:endParaRPr b="0" lang="en-US" sz="2800" spc="-1" strike="noStrike">
               <a:solidFill>
@@ -8238,26 +8322,185 @@
             </a:endParaRPr>
           </a:p>
           <a:p>
-            <a:pPr>
+            <a:pPr lvl="1" marL="685800" indent="-228240">
               <a:lnSpc>
-                <a:spcPct val="90000"/>
+                <a:spcPct val="100000"/>
               </a:lnSpc>
               <a:spcBef>
-                <a:spcPts val="1001"/>
+                <a:spcPts val="499"/>
               </a:spcBef>
+              <a:buClr>
+                <a:srgbClr val="000000"/>
+              </a:buClr>
+              <a:buFont typeface="Arial"/>
+              <a:buChar char="•"/>
             </a:pPr>
-            <a:endParaRPr b="0" lang="en-US" sz="2800" spc="-1" strike="noStrike">
-              <a:solidFill>
-                <a:srgbClr val="000000"/>
-              </a:solidFill>
-              <a:uFill>
-                <a:solidFill>
-                  <a:srgbClr val="ffffff"/>
-                </a:solidFill>
-              </a:uFill>
-              <a:latin typeface="Calibri"/>
-            </a:endParaRPr>
-          </a:p>
+            <a:r>
+              <a:rPr b="1" lang="en-US" sz="2400" spc="-1" strike="noStrike">
+                <a:solidFill>
+                  <a:srgbClr val="000000"/>
+                </a:solidFill>
+                <a:uFill>
+                  <a:solidFill>
+                    <a:srgbClr val="ffffff"/>
+                  </a:solidFill>
+                </a:uFill>
+                <a:latin typeface="Calibri"/>
+              </a:rPr>
+              <a:t>어구의 해부</a:t>
+            </a:r>
+            <a:r>
+              <a:rPr b="1" lang="en-US" sz="2400" spc="-1" strike="noStrike">
+                <a:solidFill>
+                  <a:srgbClr val="000000"/>
+                </a:solidFill>
+                <a:uFill>
+                  <a:solidFill>
+                    <a:srgbClr val="ffffff"/>
+                  </a:solidFill>
+                </a:uFill>
+                <a:latin typeface="Calibri"/>
+              </a:rPr>
+              <a:t>, </a:t>
+            </a:r>
+            <a:r>
+              <a:rPr b="1" lang="en-US" sz="2400" spc="-1" strike="noStrike">
+                <a:solidFill>
+                  <a:srgbClr val="000000"/>
+                </a:solidFill>
+                <a:uFill>
+                  <a:solidFill>
+                    <a:srgbClr val="ffffff"/>
+                  </a:solidFill>
+                </a:uFill>
+                <a:latin typeface="Calibri"/>
+              </a:rPr>
+              <a:t>문의 분석</a:t>
+            </a:r>
+            <a:endParaRPr b="0" lang="en-US" sz="2400" spc="-1" strike="noStrike">
+              <a:solidFill>
+                <a:srgbClr val="000000"/>
+              </a:solidFill>
+              <a:uFill>
+                <a:solidFill>
+                  <a:srgbClr val="ffffff"/>
+                </a:solidFill>
+              </a:uFill>
+              <a:latin typeface="Calibri"/>
+            </a:endParaRPr>
+          </a:p>
+          <a:p>
+            <a:pPr lvl="1" marL="685800" indent="-228240">
+              <a:lnSpc>
+                <a:spcPct val="100000"/>
+              </a:lnSpc>
+              <a:spcBef>
+                <a:spcPts val="499"/>
+              </a:spcBef>
+              <a:buClr>
+                <a:srgbClr val="000000"/>
+              </a:buClr>
+              <a:buFont typeface="Arial"/>
+              <a:buChar char="•"/>
+            </a:pPr>
+            <a:r>
+              <a:rPr b="0" lang="en-US" sz="2400" spc="-1" strike="noStrike">
+                <a:solidFill>
+                  <a:srgbClr val="000000"/>
+                </a:solidFill>
+                <a:uFill>
+                  <a:solidFill>
+                    <a:srgbClr val="ffffff"/>
+                  </a:solidFill>
+                </a:uFill>
+                <a:latin typeface="Calibri"/>
+              </a:rPr>
+              <a:t>즉</a:t>
+            </a:r>
+            <a:r>
+              <a:rPr b="0" lang="en-US" sz="2400" spc="-1" strike="noStrike">
+                <a:solidFill>
+                  <a:srgbClr val="000000"/>
+                </a:solidFill>
+                <a:uFill>
+                  <a:solidFill>
+                    <a:srgbClr val="ffffff"/>
+                  </a:solidFill>
+                </a:uFill>
+                <a:latin typeface="Calibri"/>
+              </a:rPr>
+              <a:t>, </a:t>
+            </a:r>
+            <a:r>
+              <a:rPr b="0" lang="en-US" sz="2400" spc="-1" strike="noStrike">
+                <a:solidFill>
+                  <a:srgbClr val="000000"/>
+                </a:solidFill>
+                <a:uFill>
+                  <a:solidFill>
+                    <a:srgbClr val="ffffff"/>
+                  </a:solidFill>
+                </a:uFill>
+                <a:latin typeface="Calibri"/>
+              </a:rPr>
+              <a:t>원하는 부분을 잘라서 분석해 쓴다는 의미</a:t>
+            </a:r>
+            <a:endParaRPr b="0" lang="en-US" sz="2400" spc="-1" strike="noStrike">
+              <a:solidFill>
+                <a:srgbClr val="000000"/>
+              </a:solidFill>
+              <a:uFill>
+                <a:solidFill>
+                  <a:srgbClr val="ffffff"/>
+                </a:solidFill>
+              </a:uFill>
+              <a:latin typeface="Calibri"/>
+            </a:endParaRPr>
+          </a:p>
+          <a:p>
+            <a:endParaRPr b="0" lang="en-US" sz="2400" spc="-1" strike="noStrike">
+              <a:solidFill>
+                <a:srgbClr val="000000"/>
+              </a:solidFill>
+              <a:uFill>
+                <a:solidFill>
+                  <a:srgbClr val="ffffff"/>
+                </a:solidFill>
+              </a:uFill>
+              <a:latin typeface="Calibri"/>
+            </a:endParaRPr>
+          </a:p>
+        </p:txBody>
+      </p:sp>
+      <p:sp>
+        <p:nvSpPr>
+          <p:cNvPr id="163" name="CustomShape 3"/>
+          <p:cNvSpPr/>
+          <p:nvPr/>
+        </p:nvSpPr>
+        <p:spPr>
+          <a:xfrm>
+            <a:off x="838200" y="3328035"/>
+            <a:ext cx="10514965" cy="1203960"/>
+          </a:xfrm>
+          <a:prstGeom prst="rect">
+            <a:avLst/>
+          </a:prstGeom>
+          <a:noFill/>
+          <a:ln>
+            <a:noFill/>
+          </a:ln>
+        </p:spPr>
+        <p:style>
+          <a:lnRef idx="0"/>
+          <a:fillRef idx="0"/>
+          <a:effectRef idx="0"/>
+          <a:fontRef idx="minor"/>
+        </p:style>
+        <p:txBody>
+          <a:bodyPr>
+            <a:normAutofit/>
+          </a:bodyPr>
           <a:p>
             <a:pPr marL="228600" indent="-228240">
               <a:lnSpc>
@@ -8284,7 +8527,7 @@
                 </a:uFill>
                 <a:latin typeface="Calibri"/>
               </a:rPr>
-              <a:t>pip install beautifulsoup4 </a:t>
+              <a:t>웹 파싱이란</a:t>
             </a:r>
             <a:r>
               <a:rPr b="0" lang="en-US" sz="2800" spc="-1" strike="noStrike">
@@ -8298,35 +8541,7 @@
                 </a:uFill>
                 <a:latin typeface="Calibri"/>
               </a:rPr>
-              <a:t>코멘드를 이용하여 </a:t>
-            </a:r>
-            <a:r>
-              <a:rPr b="0" lang="en-US" sz="2800" spc="-1" strike="noStrike">
-                <a:solidFill>
-                  <a:srgbClr val="000000"/>
-                </a:solidFill>
-                <a:uFill>
-                  <a:solidFill>
-                    <a:srgbClr val="ffffff"/>
-                  </a:solidFill>
-                </a:uFill>
-                <a:latin typeface="Calibri"/>
-              </a:rPr>
-              <a:t>beautifulsoup4 </a:t>
-            </a:r>
-            <a:r>
-              <a:rPr b="0" lang="en-US" sz="2800" spc="-1" strike="noStrike">
-                <a:solidFill>
-                  <a:srgbClr val="000000"/>
-                </a:solidFill>
-                <a:uFill>
-                  <a:solidFill>
-                    <a:srgbClr val="ffffff"/>
-                  </a:solidFill>
-                </a:uFill>
-                <a:latin typeface="Calibri"/>
-              </a:rPr>
-              <a:t>설치</a:t>
+              <a:t>?</a:t>
             </a:r>
             <a:endParaRPr b="0" lang="en-US" sz="2800" spc="-1" strike="noStrike">
               <a:solidFill>
@@ -8337,37 +8552,16 @@
                   <a:srgbClr val="ffffff"/>
                 </a:solidFill>
               </a:uFill>
-              <a:latin typeface="Calibri"/>
-            </a:endParaRPr>
-          </a:p>
-          <a:p>
-            <a:pPr>
+              <a:latin typeface="Arial"/>
+            </a:endParaRPr>
+          </a:p>
+          <a:p>
+            <a:pPr lvl="1" marL="685800" indent="-228240">
               <a:lnSpc>
-                <a:spcPct val="90000"/>
+                <a:spcPct val="100000"/>
               </a:lnSpc>
               <a:spcBef>
-                <a:spcPts val="1001"/>
-              </a:spcBef>
-            </a:pPr>
-            <a:endParaRPr b="0" lang="en-US" sz="2800" spc="-1" strike="noStrike">
-              <a:solidFill>
-                <a:srgbClr val="000000"/>
-              </a:solidFill>
-              <a:uFill>
-                <a:solidFill>
-                  <a:srgbClr val="ffffff"/>
-                </a:solidFill>
-              </a:uFill>
-              <a:latin typeface="Calibri"/>
-            </a:endParaRPr>
-          </a:p>
-          <a:p>
-            <a:pPr marL="228600" indent="-228240">
-              <a:lnSpc>
-                <a:spcPct val="90000"/>
-              </a:lnSpc>
-              <a:spcBef>
-                <a:spcPts val="1001"/>
+                <a:spcPts val="499"/>
               </a:spcBef>
               <a:buClr>
                 <a:srgbClr val="000000"/>
@@ -8376,7 +8570,7 @@
               <a:buChar char="•"/>
             </a:pPr>
             <a:r>
-              <a:rPr b="0" lang="en-US" sz="2800" spc="-1" strike="noStrike">
+              <a:rPr b="0" lang="en-US" sz="2400" spc="-1" strike="noStrike">
                 <a:solidFill>
                   <a:srgbClr val="000000"/>
                 </a:solidFill>
@@ -8387,10 +8581,36 @@
                 </a:uFill>
                 <a:latin typeface="Calibri"/>
               </a:rPr>
-              <a:t>Urllib</a:t>
-            </a:r>
-            <a:r>
-              <a:rPr b="0" lang="en-US" sz="2800" spc="-1" strike="noStrike">
+              <a:t>Web + Parsing</a:t>
+            </a:r>
+            <a:endParaRPr b="0" lang="en-US" sz="2400" spc="-1" strike="noStrike">
+              <a:solidFill>
+                <a:srgbClr val="000000"/>
+              </a:solidFill>
+              <a:uFill>
+                <a:solidFill>
+                  <a:srgbClr val="ffffff"/>
+                </a:solidFill>
+              </a:uFill>
+              <a:latin typeface="Arial"/>
+            </a:endParaRPr>
+          </a:p>
+          <a:p>
+            <a:pPr lvl="1" marL="685800" indent="-228240">
+              <a:lnSpc>
+                <a:spcPct val="100000"/>
+              </a:lnSpc>
+              <a:spcBef>
+                <a:spcPts val="499"/>
+              </a:spcBef>
+              <a:buClr>
+                <a:srgbClr val="000000"/>
+              </a:buClr>
+              <a:buFont typeface="Arial"/>
+              <a:buChar char="•"/>
+            </a:pPr>
+            <a:r>
+              <a:rPr b="0" lang="en-US" sz="2400" spc="-1" strike="noStrike">
                 <a:solidFill>
                   <a:srgbClr val="000000"/>
                 </a:solidFill>
@@ -8401,40 +8621,48 @@
                 </a:uFill>
                 <a:latin typeface="Calibri"/>
               </a:rPr>
-              <a:t>패키지가 필요로 하지만 이미 기본으로 설치가 되어있다</a:t>
-            </a:r>
-            <a:endParaRPr b="0" lang="en-US" sz="2800" spc="-1" strike="noStrike">
-              <a:solidFill>
-                <a:srgbClr val="000000"/>
-              </a:solidFill>
-              <a:uFill>
-                <a:solidFill>
-                  <a:srgbClr val="ffffff"/>
-                </a:solidFill>
-              </a:uFill>
-              <a:latin typeface="Calibri"/>
+              <a:t>인터넷 소스 코드를 잘라서 분석해 쓴다는 의미</a:t>
+            </a:r>
+            <a:endParaRPr b="0" lang="en-US" sz="2400" spc="-1" strike="noStrike">
+              <a:solidFill>
+                <a:srgbClr val="000000"/>
+              </a:solidFill>
+              <a:uFill>
+                <a:solidFill>
+                  <a:srgbClr val="ffffff"/>
+                </a:solidFill>
+              </a:uFill>
+              <a:latin typeface="Arial"/>
             </a:endParaRPr>
           </a:p>
         </p:txBody>
       </p:sp>
     </p:spTree>
   </p:cSld>
+  <mc:AlternateContent xmlns:mc="http://schemas.openxmlformats.org/markup-compatibility/2006">
+    <mc:Choice xmlns:p14="http://schemas.microsoft.com/office/powerpoint/2010/main" Requires="p14">
+      <p:transition spd="slow" p14:dur="2000"/>
+    </mc:Choice>
+    <mc:Fallback>
+      <p:transition spd="slow"/>
+    </mc:Fallback>
+  </mc:AlternateContent>
   <p:timing>
     <p:tnLst>
       <p:par>
-        <p:cTn id="39" dur="indefinite" restart="never" nodeType="tmRoot">
+        <p:cTn id="37" dur="indefinite" restart="never" nodeType="tmRoot">
           <p:childTnLst>
-            <p:seq>
-              <p:cTn id="40" nodeType="mainSeq"/>
+            <p:seq concurrent="0">
+              <p:cTn id="38" nodeType="mainSeq"/>
               <p:prevCondLst>
-                <p:cond delay="0" evt="onPrev">
+                <p:cond evt="onPrev" delay="0">
                   <p:tgtEl>
                     <p:sldTgt/>
                   </p:tgtEl>
                 </p:cond>
               </p:prevCondLst>
               <p:nextCondLst>
-                <p:cond delay="0" evt="onNext">
+                <p:cond evt="onNext" delay="0">
                   <p:tgtEl>
                     <p:sldTgt/>
                   </p:tgtEl>
@@ -8468,14 +8696,14 @@
       </p:grpSpPr>
       <p:sp>
         <p:nvSpPr>
-          <p:cNvPr id="166" name="TextShape 1"/>
+          <p:cNvPr id="164" name="TextShape 1"/>
           <p:cNvSpPr txBox="1"/>
           <p:nvPr/>
         </p:nvSpPr>
         <p:spPr>
           <a:xfrm>
-            <a:off x="838080" y="365040"/>
-            <a:ext cx="10515240" cy="1325160"/>
+            <a:off x="838200" y="365125"/>
+            <a:ext cx="10514965" cy="1325245"/>
           </a:xfrm>
           <a:prstGeom prst="rect">
             <a:avLst/>
@@ -8505,7 +8733,7 @@
                 </a:uFill>
                 <a:latin typeface="Calibri Light"/>
               </a:rPr>
-              <a:t>드디어 시작하자</a:t>
+              <a:t>웹 파씽을 할때 필요한 패키지</a:t>
             </a:r>
             <a:endParaRPr b="0" lang="en-US" sz="4400" spc="-1" strike="noStrike">
               <a:solidFill>
@@ -8523,14 +8751,14 @@
       </p:sp>
       <p:sp>
         <p:nvSpPr>
-          <p:cNvPr id="167" name="TextShape 2"/>
+          <p:cNvPr id="165" name="TextShape 2"/>
           <p:cNvSpPr txBox="1"/>
           <p:nvPr/>
         </p:nvSpPr>
         <p:spPr>
           <a:xfrm>
-            <a:off x="838080" y="1825560"/>
-            <a:ext cx="10515240" cy="4350960"/>
+            <a:off x="838200" y="1825625"/>
+            <a:ext cx="10514965" cy="4351020"/>
           </a:xfrm>
           <a:prstGeom prst="rect">
             <a:avLst/>
@@ -8568,7 +8796,7 @@
                 </a:uFill>
                 <a:latin typeface="Calibri"/>
               </a:rPr>
-              <a:t>#include</a:t>
+              <a:t>BeautifulSoup4 </a:t>
             </a:r>
             <a:r>
               <a:rPr b="0" lang="en-US" sz="2800" spc="-1" strike="noStrike">
@@ -8582,36 +8810,29 @@
                 </a:uFill>
                 <a:latin typeface="Calibri"/>
               </a:rPr>
-              <a:t>하듯이 </a:t>
-            </a:r>
-            <a:r>
-              <a:rPr b="0" lang="en-US" sz="2800" spc="-1" strike="noStrike">
-                <a:solidFill>
-                  <a:srgbClr val="000000"/>
-                </a:solidFill>
-                <a:uFill>
-                  <a:solidFill>
-                    <a:srgbClr val="ffffff"/>
-                  </a:solidFill>
-                </a:uFill>
-                <a:latin typeface="Calibri"/>
-              </a:rPr>
-              <a:t>import</a:t>
-            </a:r>
-            <a:r>
-              <a:rPr b="0" lang="en-US" sz="2800" spc="-1" strike="noStrike">
-                <a:solidFill>
-                  <a:srgbClr val="000000"/>
-                </a:solidFill>
-                <a:uFill>
-                  <a:solidFill>
-                    <a:srgbClr val="ffffff"/>
-                  </a:solidFill>
-                </a:uFill>
-                <a:latin typeface="Calibri"/>
-              </a:rPr>
-              <a:t>를 이용하여 패키지를 가져오기</a:t>
-            </a:r>
+              <a:t>패키지가 필요로한다</a:t>
+            </a:r>
+            <a:endParaRPr b="0" lang="en-US" sz="2800" spc="-1" strike="noStrike">
+              <a:solidFill>
+                <a:srgbClr val="000000"/>
+              </a:solidFill>
+              <a:uFill>
+                <a:solidFill>
+                  <a:srgbClr val="ffffff"/>
+                </a:solidFill>
+              </a:uFill>
+              <a:latin typeface="Calibri"/>
+            </a:endParaRPr>
+          </a:p>
+          <a:p>
+            <a:pPr>
+              <a:lnSpc>
+                <a:spcPct val="90000"/>
+              </a:lnSpc>
+              <a:spcBef>
+                <a:spcPts val="1001"/>
+              </a:spcBef>
+            </a:pPr>
             <a:endParaRPr b="0" lang="en-US" sz="2800" spc="-1" strike="noStrike">
               <a:solidFill>
                 <a:srgbClr val="000000"/>
@@ -8650,7 +8871,49 @@
                 </a:uFill>
                 <a:latin typeface="Calibri"/>
               </a:rPr>
-              <a:t>*urllib is fetching module</a:t>
+              <a:t>pip install beautifulsoup4 </a:t>
+            </a:r>
+            <a:r>
+              <a:rPr b="0" lang="en-US" sz="2800" spc="-1" strike="noStrike">
+                <a:solidFill>
+                  <a:srgbClr val="000000"/>
+                </a:solidFill>
+                <a:uFill>
+                  <a:solidFill>
+                    <a:srgbClr val="ffffff"/>
+                  </a:solidFill>
+                </a:uFill>
+                <a:latin typeface="Calibri"/>
+              </a:rPr>
+              <a:t>코멘드를 이용하여 </a:t>
+            </a:r>
+            <a:r>
+              <a:rPr b="0" lang="en-US" sz="2800" spc="-1" strike="noStrike">
+                <a:solidFill>
+                  <a:srgbClr val="000000"/>
+                </a:solidFill>
+                <a:uFill>
+                  <a:solidFill>
+                    <a:srgbClr val="ffffff"/>
+                  </a:solidFill>
+                </a:uFill>
+                <a:latin typeface="Calibri"/>
+              </a:rPr>
+              <a:t>beautifulsoup4 </a:t>
+            </a:r>
+            <a:r>
+              <a:rPr b="0" lang="en-US" sz="2800" spc="-1" strike="noStrike">
+                <a:solidFill>
+                  <a:srgbClr val="000000"/>
+                </a:solidFill>
+                <a:uFill>
+                  <a:solidFill>
+                    <a:srgbClr val="ffffff"/>
+                  </a:solidFill>
+                </a:uFill>
+                <a:latin typeface="Calibri"/>
+              </a:rPr>
+              <a:t>설치</a:t>
             </a:r>
             <a:endParaRPr b="0" lang="en-US" sz="2800" spc="-1" strike="noStrike">
               <a:solidFill>
@@ -8664,49 +8927,109 @@
               <a:latin typeface="Calibri"/>
             </a:endParaRPr>
           </a:p>
-        </p:txBody>
-      </p:sp>
-      <p:pic>
-        <p:nvPicPr>
-          <p:cNvPr id="168" name="그림 3" descr=""/>
-          <p:cNvPicPr/>
-          <p:nvPr/>
-        </p:nvPicPr>
-        <p:blipFill>
-          <a:blip r:embed="rId1"/>
-          <a:stretch/>
-        </p:blipFill>
-        <p:spPr>
-          <a:xfrm>
-            <a:off x="838080" y="2911320"/>
-            <a:ext cx="7381440" cy="3580920"/>
-          </a:xfrm>
-          <a:prstGeom prst="rect">
-            <a:avLst/>
-          </a:prstGeom>
-          <a:ln>
-            <a:noFill/>
-          </a:ln>
-        </p:spPr>
-      </p:pic>
+          <a:p>
+            <a:pPr>
+              <a:lnSpc>
+                <a:spcPct val="90000"/>
+              </a:lnSpc>
+              <a:spcBef>
+                <a:spcPts val="1001"/>
+              </a:spcBef>
+            </a:pPr>
+            <a:endParaRPr b="0" lang="en-US" sz="2800" spc="-1" strike="noStrike">
+              <a:solidFill>
+                <a:srgbClr val="000000"/>
+              </a:solidFill>
+              <a:uFill>
+                <a:solidFill>
+                  <a:srgbClr val="ffffff"/>
+                </a:solidFill>
+              </a:uFill>
+              <a:latin typeface="Calibri"/>
+            </a:endParaRPr>
+          </a:p>
+          <a:p>
+            <a:pPr marL="228600" indent="-228240">
+              <a:lnSpc>
+                <a:spcPct val="90000"/>
+              </a:lnSpc>
+              <a:spcBef>
+                <a:spcPts val="1001"/>
+              </a:spcBef>
+              <a:buClr>
+                <a:srgbClr val="000000"/>
+              </a:buClr>
+              <a:buFont typeface="Arial"/>
+              <a:buChar char="•"/>
+            </a:pPr>
+            <a:r>
+              <a:rPr b="0" lang="en-US" sz="2800" spc="-1" strike="noStrike">
+                <a:solidFill>
+                  <a:srgbClr val="000000"/>
+                </a:solidFill>
+                <a:uFill>
+                  <a:solidFill>
+                    <a:srgbClr val="ffffff"/>
+                  </a:solidFill>
+                </a:uFill>
+                <a:latin typeface="Calibri"/>
+              </a:rPr>
+              <a:t>Urllib</a:t>
+            </a:r>
+            <a:r>
+              <a:rPr b="0" lang="en-US" sz="2800" spc="-1" strike="noStrike">
+                <a:solidFill>
+                  <a:srgbClr val="000000"/>
+                </a:solidFill>
+                <a:uFill>
+                  <a:solidFill>
+                    <a:srgbClr val="ffffff"/>
+                  </a:solidFill>
+                </a:uFill>
+                <a:latin typeface="Calibri"/>
+              </a:rPr>
+              <a:t>패키지가 필요로 하지만 이미 기본으로 설치가 되어있다</a:t>
+            </a:r>
+            <a:endParaRPr b="0" lang="en-US" sz="2800" spc="-1" strike="noStrike">
+              <a:solidFill>
+                <a:srgbClr val="000000"/>
+              </a:solidFill>
+              <a:uFill>
+                <a:solidFill>
+                  <a:srgbClr val="ffffff"/>
+                </a:solidFill>
+              </a:uFill>
+              <a:latin typeface="Calibri"/>
+            </a:endParaRPr>
+          </a:p>
+        </p:txBody>
+      </p:sp>
     </p:spTree>
   </p:cSld>
+  <mc:AlternateContent xmlns:mc="http://schemas.openxmlformats.org/markup-compatibility/2006">
+    <mc:Choice xmlns:p14="http://schemas.microsoft.com/office/powerpoint/2010/main" Requires="p14">
+      <p:transition spd="slow" p14:dur="2000"/>
+    </mc:Choice>
+    <mc:Fallback>
+      <p:transition spd="slow"/>
+    </mc:Fallback>
+  </mc:AlternateContent>
   <p:timing>
     <p:tnLst>
       <p:par>
-        <p:cTn id="41" dur="indefinite" restart="never" nodeType="tmRoot">
+        <p:cTn id="39" dur="indefinite" restart="never" nodeType="tmRoot">
           <p:childTnLst>
-            <p:seq>
-              <p:cTn id="42" nodeType="mainSeq"/>
+            <p:seq concurrent="0">
+              <p:cTn id="40" nodeType="mainSeq"/>
               <p:prevCondLst>
-                <p:cond delay="0" evt="onPrev">
+                <p:cond evt="onPrev" delay="0">
                   <p:tgtEl>
                     <p:sldTgt/>
                   </p:tgtEl>
                 </p:cond>
               </p:prevCondLst>
               <p:nextCondLst>
-                <p:cond delay="0" evt="onNext">
+                <p:cond evt="onNext" delay="0">
                   <p:tgtEl>
                     <p:sldTgt/>
                   </p:tgtEl>
@@ -8740,14 +9063,14 @@
       </p:grpSpPr>
       <p:sp>
         <p:nvSpPr>
-          <p:cNvPr id="169" name="TextShape 1"/>
+          <p:cNvPr id="166" name="TextShape 1"/>
           <p:cNvSpPr txBox="1"/>
           <p:nvPr/>
         </p:nvSpPr>
         <p:spPr>
           <a:xfrm>
-            <a:off x="838080" y="365040"/>
-            <a:ext cx="10515240" cy="1325160"/>
+            <a:off x="838200" y="365125"/>
+            <a:ext cx="10514965" cy="1325245"/>
           </a:xfrm>
           <a:prstGeom prst="rect">
             <a:avLst/>
@@ -8766,7 +9089,7 @@
               </a:lnSpc>
             </a:pPr>
             <a:r>
-              <a:rPr b="0" lang="en-US" sz="3200" spc="-1" strike="noStrike">
+              <a:rPr b="0" lang="en-US" sz="4400" spc="-1" strike="noStrike">
                 <a:solidFill>
                   <a:srgbClr val="000000"/>
                 </a:solidFill>
@@ -8777,131 +9100,32 @@
                 </a:uFill>
                 <a:latin typeface="Calibri Light"/>
               </a:rPr>
-              <a:t>targetUrl</a:t>
-            </a:r>
-            <a:r>
-              <a:rPr b="0" lang="en-US" sz="3200" spc="-1" strike="noStrike">
-                <a:solidFill>
-                  <a:srgbClr val="000000"/>
-                </a:solidFill>
-                <a:uFill>
-                  <a:solidFill>
-                    <a:srgbClr val="ffffff"/>
-                  </a:solidFill>
-                </a:uFill>
-                <a:latin typeface="Calibri Light"/>
-              </a:rPr>
-              <a:t>에 가져올 링크를 저장합니다</a:t>
-            </a:r>
-            <a:br/>
-            <a:r>
-              <a:rPr b="0" lang="en-US" sz="3200" spc="-1" strike="noStrike">
-                <a:solidFill>
-                  <a:srgbClr val="000000"/>
-                </a:solidFill>
-                <a:uFill>
-                  <a:solidFill>
-                    <a:srgbClr val="ffffff"/>
-                  </a:solidFill>
-                </a:uFill>
-                <a:latin typeface="Calibri Light"/>
-              </a:rPr>
-              <a:t>uReq</a:t>
-            </a:r>
-            <a:r>
-              <a:rPr b="0" lang="en-US" sz="3200" spc="-1" strike="noStrike">
-                <a:solidFill>
-                  <a:srgbClr val="000000"/>
-                </a:solidFill>
-                <a:uFill>
-                  <a:solidFill>
-                    <a:srgbClr val="ffffff"/>
-                  </a:solidFill>
-                </a:uFill>
-                <a:latin typeface="Calibri Light"/>
-              </a:rPr>
-              <a:t>를 이용하여 </a:t>
-            </a:r>
-            <a:r>
-              <a:rPr b="0" lang="en-US" sz="3200" spc="-1" strike="noStrike">
-                <a:solidFill>
-                  <a:srgbClr val="000000"/>
-                </a:solidFill>
-                <a:uFill>
-                  <a:solidFill>
-                    <a:srgbClr val="ffffff"/>
-                  </a:solidFill>
-                </a:uFill>
-                <a:latin typeface="Calibri Light"/>
-              </a:rPr>
-              <a:t>targetUrl</a:t>
-            </a:r>
-            <a:r>
-              <a:rPr b="0" lang="en-US" sz="3200" spc="-1" strike="noStrike">
-                <a:solidFill>
-                  <a:srgbClr val="000000"/>
-                </a:solidFill>
-                <a:uFill>
-                  <a:solidFill>
-                    <a:srgbClr val="ffffff"/>
-                  </a:solidFill>
-                </a:uFill>
-                <a:latin typeface="Calibri Light"/>
-              </a:rPr>
-              <a:t>을 열고 </a:t>
-            </a:r>
-            <a:r>
-              <a:rPr b="0" lang="en-US" sz="3200" spc="-1" strike="noStrike">
-                <a:solidFill>
-                  <a:srgbClr val="000000"/>
-                </a:solidFill>
-                <a:uFill>
-                  <a:solidFill>
-                    <a:srgbClr val="ffffff"/>
-                  </a:solidFill>
-                </a:uFill>
-                <a:latin typeface="Calibri Light"/>
-              </a:rPr>
-              <a:t>beautifulsoup</a:t>
-            </a:r>
-            <a:r>
-              <a:rPr b="0" lang="en-US" sz="3200" spc="-1" strike="noStrike">
-                <a:solidFill>
-                  <a:srgbClr val="000000"/>
-                </a:solidFill>
-                <a:uFill>
-                  <a:solidFill>
-                    <a:srgbClr val="ffffff"/>
-                  </a:solidFill>
-                </a:uFill>
-                <a:latin typeface="Calibri Light"/>
-              </a:rPr>
-              <a:t>를 이용하여 그 안의 내용을 스트링으로 받아옵니다</a:t>
-            </a:r>
-            <a:endParaRPr b="0" lang="en-US" sz="3200" spc="-1" strike="noStrike">
-              <a:solidFill>
-                <a:srgbClr val="000000"/>
-              </a:solidFill>
-              <a:uFill>
-                <a:solidFill>
-                  <a:srgbClr val="ffffff"/>
-                </a:solidFill>
-              </a:uFill>
-              <a:latin typeface="Calibri"/>
-            </a:endParaRPr>
-          </a:p>
-        </p:txBody>
-      </p:sp>
-      <p:sp>
-        <p:nvSpPr>
-          <p:cNvPr id="170" name="TextShape 2"/>
+              <a:t>드디어 시작하자</a:t>
+            </a:r>
+            <a:endParaRPr b="0" lang="en-US" sz="4400" spc="-1" strike="noStrike">
+              <a:solidFill>
+                <a:srgbClr val="000000"/>
+              </a:solidFill>
+              <a:uFill>
+                <a:solidFill>
+                  <a:srgbClr val="ffffff"/>
+                </a:solidFill>
+              </a:uFill>
+              <a:latin typeface="Calibri"/>
+            </a:endParaRPr>
+          </a:p>
+        </p:txBody>
+      </p:sp>
+      <p:sp>
+        <p:nvSpPr>
+          <p:cNvPr id="167" name="TextShape 2"/>
           <p:cNvSpPr txBox="1"/>
           <p:nvPr/>
         </p:nvSpPr>
         <p:spPr>
           <a:xfrm>
-            <a:off x="838080" y="1825560"/>
-            <a:ext cx="10515240" cy="4350960"/>
+            <a:off x="838200" y="1825625"/>
+            <a:ext cx="10514965" cy="4351020"/>
           </a:xfrm>
           <a:prstGeom prst="rect">
             <a:avLst/>
@@ -8914,6 +9138,115 @@
         <p:txBody>
           <a:bodyPr/>
           <a:p>
+            <a:pPr marL="228600" indent="-228240">
+              <a:lnSpc>
+                <a:spcPct val="90000"/>
+              </a:lnSpc>
+              <a:spcBef>
+                <a:spcPts val="1001"/>
+              </a:spcBef>
+              <a:buClr>
+                <a:srgbClr val="000000"/>
+              </a:buClr>
+              <a:buFont typeface="Arial"/>
+              <a:buChar char="•"/>
+            </a:pPr>
+            <a:r>
+              <a:rPr b="0" lang="en-US" sz="2800" spc="-1" strike="noStrike">
+                <a:solidFill>
+                  <a:srgbClr val="000000"/>
+                </a:solidFill>
+                <a:uFill>
+                  <a:solidFill>
+                    <a:srgbClr val="ffffff"/>
+                  </a:solidFill>
+                </a:uFill>
+                <a:latin typeface="Calibri"/>
+              </a:rPr>
+              <a:t>#include</a:t>
+            </a:r>
+            <a:r>
+              <a:rPr b="0" lang="en-US" sz="2800" spc="-1" strike="noStrike">
+                <a:solidFill>
+                  <a:srgbClr val="000000"/>
+                </a:solidFill>
+                <a:uFill>
+                  <a:solidFill>
+                    <a:srgbClr val="ffffff"/>
+                  </a:solidFill>
+                </a:uFill>
+                <a:latin typeface="Calibri"/>
+              </a:rPr>
+              <a:t>하듯이 </a:t>
+            </a:r>
+            <a:r>
+              <a:rPr b="0" lang="en-US" sz="2800" spc="-1" strike="noStrike">
+                <a:solidFill>
+                  <a:srgbClr val="000000"/>
+                </a:solidFill>
+                <a:uFill>
+                  <a:solidFill>
+                    <a:srgbClr val="ffffff"/>
+                  </a:solidFill>
+                </a:uFill>
+                <a:latin typeface="Calibri"/>
+              </a:rPr>
+              <a:t>import</a:t>
+            </a:r>
+            <a:r>
+              <a:rPr b="0" lang="en-US" sz="2800" spc="-1" strike="noStrike">
+                <a:solidFill>
+                  <a:srgbClr val="000000"/>
+                </a:solidFill>
+                <a:uFill>
+                  <a:solidFill>
+                    <a:srgbClr val="ffffff"/>
+                  </a:solidFill>
+                </a:uFill>
+                <a:latin typeface="Calibri"/>
+              </a:rPr>
+              <a:t>를 이용하여 패키지를 가져오기</a:t>
+            </a:r>
+            <a:endParaRPr b="0" lang="en-US" sz="2800" spc="-1" strike="noStrike">
+              <a:solidFill>
+                <a:srgbClr val="000000"/>
+              </a:solidFill>
+              <a:uFill>
+                <a:solidFill>
+                  <a:srgbClr val="ffffff"/>
+                </a:solidFill>
+              </a:uFill>
+              <a:latin typeface="Calibri"/>
+            </a:endParaRPr>
+          </a:p>
+          <a:p>
+            <a:pPr marL="228600" indent="-228240">
+              <a:lnSpc>
+                <a:spcPct val="90000"/>
+              </a:lnSpc>
+              <a:spcBef>
+                <a:spcPts val="1001"/>
+              </a:spcBef>
+              <a:buClr>
+                <a:srgbClr val="000000"/>
+              </a:buClr>
+              <a:buFont typeface="Arial"/>
+              <a:buChar char="•"/>
+            </a:pPr>
+            <a:r>
+              <a:rPr b="0" lang="en-US" sz="2800" spc="-1" strike="noStrike">
+                <a:solidFill>
+                  <a:srgbClr val="000000"/>
+                </a:solidFill>
+                <a:uFill>
+                  <a:solidFill>
+                    <a:srgbClr val="ffffff"/>
+                  </a:solidFill>
+                </a:uFill>
+                <a:latin typeface="Calibri"/>
+              </a:rPr>
+              <a:t>*urllib is fetching module</a:t>
+            </a:r>
             <a:endParaRPr b="0" lang="en-US" sz="2800" spc="-1" strike="noStrike">
               <a:solidFill>
                 <a:srgbClr val="000000"/>
@@ -8930,7 +9263,7 @@
       </p:sp>
       <p:pic>
         <p:nvPicPr>
-          <p:cNvPr id="171" name="그림 3" descr=""/>
+          <p:cNvPr id="168" name="그림 3"/>
           <p:cNvPicPr/>
           <p:nvPr/>
         </p:nvPicPr>
@@ -8940,8 +9273,8 @@
         </p:blipFill>
         <p:spPr>
           <a:xfrm>
-            <a:off x="838080" y="1690560"/>
-            <a:ext cx="10581840" cy="5009760"/>
+            <a:off x="838200" y="2911475"/>
+            <a:ext cx="7381240" cy="3580765"/>
           </a:xfrm>
           <a:prstGeom prst="rect">
             <a:avLst/>
@@ -8953,22 +9286,30 @@
       </p:pic>
     </p:spTree>
   </p:cSld>
+  <mc:AlternateContent xmlns:mc="http://schemas.openxmlformats.org/markup-compatibility/2006">
+    <mc:Choice xmlns:p14="http://schemas.microsoft.com/office/powerpoint/2010/main" Requires="p14">
+      <p:transition spd="slow" p14:dur="2000"/>
+    </mc:Choice>
+    <mc:Fallback>
+      <p:transition spd="slow"/>
+    </mc:Fallback>
+  </mc:AlternateContent>
   <p:timing>
     <p:tnLst>
       <p:par>
-        <p:cTn id="43" dur="indefinite" restart="never" nodeType="tmRoot">
+        <p:cTn id="41" dur="indefinite" restart="never" nodeType="tmRoot">
           <p:childTnLst>
-            <p:seq>
-              <p:cTn id="44" nodeType="mainSeq"/>
+            <p:seq concurrent="0">
+              <p:cTn id="42" nodeType="mainSeq"/>
               <p:prevCondLst>
-                <p:cond delay="0" evt="onPrev">
+                <p:cond evt="onPrev" delay="0">
                   <p:tgtEl>
                     <p:sldTgt/>
                   </p:tgtEl>
                 </p:cond>
               </p:prevCondLst>
               <p:nextCondLst>
-                <p:cond delay="0" evt="onNext">
+                <p:cond evt="onNext" delay="0">
                   <p:tgtEl>
                     <p:sldTgt/>
                   </p:tgtEl>
@@ -9002,14 +9343,14 @@
       </p:grpSpPr>
       <p:sp>
         <p:nvSpPr>
-          <p:cNvPr id="172" name="TextShape 1"/>
+          <p:cNvPr id="169" name="TextShape 1"/>
           <p:cNvSpPr txBox="1"/>
           <p:nvPr/>
         </p:nvSpPr>
         <p:spPr>
           <a:xfrm>
-            <a:off x="838080" y="365040"/>
-            <a:ext cx="10515240" cy="1325160"/>
+            <a:off x="838200" y="365125"/>
+            <a:ext cx="10514965" cy="1325245"/>
           </a:xfrm>
           <a:prstGeom prst="rect">
             <a:avLst/>
@@ -9028,7 +9369,7 @@
               </a:lnSpc>
             </a:pPr>
             <a:r>
-              <a:rPr b="0" lang="en-US" sz="4400" spc="-1" strike="noStrike">
+              <a:rPr b="0" lang="en-US" sz="3200" spc="-1" strike="noStrike">
                 <a:solidFill>
                   <a:srgbClr val="000000"/>
                 </a:solidFill>
@@ -9039,10 +9380,10 @@
                 </a:uFill>
                 <a:latin typeface="Calibri Light"/>
               </a:rPr>
-              <a:t>아… 다 필요는 없는대</a:t>
-            </a:r>
-            <a:r>
-              <a:rPr b="0" lang="en-US" sz="4400" spc="-1" strike="noStrike">
+              <a:t>targetUrl</a:t>
+            </a:r>
+            <a:r>
+              <a:rPr b="0" lang="en-US" sz="3200" spc="-1" strike="noStrike">
                 <a:solidFill>
                   <a:srgbClr val="000000"/>
                 </a:solidFill>
@@ -9053,9 +9394,130 @@
                 </a:uFill>
                 <a:latin typeface="Calibri Light"/>
               </a:rPr>
-              <a:t>?</a:t>
-            </a:r>
-            <a:endParaRPr b="0" lang="en-US" sz="4400" spc="-1" strike="noStrike">
+              <a:t>에 가져올 링크를 저장합니다</a:t>
+            </a:r>
+            <a:br/>
+            <a:r>
+              <a:rPr b="0" lang="en-US" sz="3200" spc="-1" strike="noStrike">
+                <a:solidFill>
+                  <a:srgbClr val="000000"/>
+                </a:solidFill>
+                <a:uFill>
+                  <a:solidFill>
+                    <a:srgbClr val="ffffff"/>
+                  </a:solidFill>
+                </a:uFill>
+                <a:latin typeface="Calibri Light"/>
+              </a:rPr>
+              <a:t>uReq</a:t>
+            </a:r>
+            <a:r>
+              <a:rPr b="0" lang="en-US" sz="3200" spc="-1" strike="noStrike">
+                <a:solidFill>
+                  <a:srgbClr val="000000"/>
+                </a:solidFill>
+                <a:uFill>
+                  <a:solidFill>
+                    <a:srgbClr val="ffffff"/>
+                  </a:solidFill>
+                </a:uFill>
+                <a:latin typeface="Calibri Light"/>
+              </a:rPr>
+              <a:t>를 이용하여 </a:t>
+            </a:r>
+            <a:r>
+              <a:rPr b="0" lang="en-US" sz="3200" spc="-1" strike="noStrike">
+                <a:solidFill>
+                  <a:srgbClr val="000000"/>
+                </a:solidFill>
+                <a:uFill>
+                  <a:solidFill>
+                    <a:srgbClr val="ffffff"/>
+                  </a:solidFill>
+                </a:uFill>
+                <a:latin typeface="Calibri Light"/>
+              </a:rPr>
+              <a:t>targetUrl</a:t>
+            </a:r>
+            <a:r>
+              <a:rPr b="0" lang="en-US" sz="3200" spc="-1" strike="noStrike">
+                <a:solidFill>
+                  <a:srgbClr val="000000"/>
+                </a:solidFill>
+                <a:uFill>
+                  <a:solidFill>
+                    <a:srgbClr val="ffffff"/>
+                  </a:solidFill>
+                </a:uFill>
+                <a:latin typeface="Calibri Light"/>
+              </a:rPr>
+              <a:t>을 열고 </a:t>
+            </a:r>
+            <a:r>
+              <a:rPr b="0" lang="en-US" sz="3200" spc="-1" strike="noStrike">
+                <a:solidFill>
+                  <a:srgbClr val="000000"/>
+                </a:solidFill>
+                <a:uFill>
+                  <a:solidFill>
+                    <a:srgbClr val="ffffff"/>
+                  </a:solidFill>
+                </a:uFill>
+                <a:latin typeface="Calibri Light"/>
+              </a:rPr>
+              <a:t>beautifulsoup</a:t>
+            </a:r>
+            <a:r>
+              <a:rPr b="0" lang="en-US" sz="3200" spc="-1" strike="noStrike">
+                <a:solidFill>
+                  <a:srgbClr val="000000"/>
+                </a:solidFill>
+                <a:uFill>
+                  <a:solidFill>
+                    <a:srgbClr val="ffffff"/>
+                  </a:solidFill>
+                </a:uFill>
+                <a:latin typeface="Calibri Light"/>
+              </a:rPr>
+              <a:t>를 이용하여 그 안의 내용을 스트링으로 받아옵니다</a:t>
+            </a:r>
+            <a:endParaRPr b="0" lang="en-US" sz="3200" spc="-1" strike="noStrike">
+              <a:solidFill>
+                <a:srgbClr val="000000"/>
+              </a:solidFill>
+              <a:uFill>
+                <a:solidFill>
+                  <a:srgbClr val="ffffff"/>
+                </a:solidFill>
+              </a:uFill>
+              <a:latin typeface="Calibri"/>
+            </a:endParaRPr>
+          </a:p>
+        </p:txBody>
+      </p:sp>
+      <p:sp>
+        <p:nvSpPr>
+          <p:cNvPr id="170" name="TextShape 2"/>
+          <p:cNvSpPr txBox="1"/>
+          <p:nvPr/>
+        </p:nvSpPr>
+        <p:spPr>
+          <a:xfrm>
+            <a:off x="838200" y="1825625"/>
+            <a:ext cx="10514965" cy="4351020"/>
+          </a:xfrm>
+          <a:prstGeom prst="rect">
+            <a:avLst/>
+          </a:prstGeom>
+          <a:noFill/>
+          <a:ln>
+            <a:noFill/>
+          </a:ln>
+        </p:spPr>
+        <p:txBody>
+          <a:bodyPr/>
+          <a:p>
+            <a:endParaRPr b="0" lang="en-US" sz="2800" spc="-1" strike="noStrike">
               <a:solidFill>
                 <a:srgbClr val="000000"/>
               </a:solidFill>
@@ -9071,7 +9533,7 @@
       </p:sp>
       <p:pic>
         <p:nvPicPr>
-          <p:cNvPr id="173" name="그림 3" descr=""/>
+          <p:cNvPr id="171" name="그림 3"/>
           <p:cNvPicPr/>
           <p:nvPr/>
         </p:nvPicPr>
@@ -9081,8 +9543,8 @@
         </p:blipFill>
         <p:spPr>
           <a:xfrm>
-            <a:off x="838080" y="1690560"/>
-            <a:ext cx="7848360" cy="4200120"/>
+            <a:off x="838200" y="1690370"/>
+            <a:ext cx="10581640" cy="5009515"/>
           </a:xfrm>
           <a:prstGeom prst="rect">
             <a:avLst/>
@@ -9092,47 +9554,32 @@
           </a:ln>
         </p:spPr>
       </p:pic>
-      <p:pic>
-        <p:nvPicPr>
-          <p:cNvPr id="174" name="그림 5" descr=""/>
-          <p:cNvPicPr/>
-          <p:nvPr/>
-        </p:nvPicPr>
-        <p:blipFill>
-          <a:blip r:embed="rId2"/>
-          <a:stretch/>
-        </p:blipFill>
-        <p:spPr>
-          <a:xfrm>
-            <a:off x="6488280" y="513720"/>
-            <a:ext cx="5581440" cy="1028520"/>
-          </a:xfrm>
-          <a:prstGeom prst="rect">
-            <a:avLst/>
-          </a:prstGeom>
-          <a:ln>
-            <a:noFill/>
-          </a:ln>
-        </p:spPr>
-      </p:pic>
     </p:spTree>
   </p:cSld>
+  <mc:AlternateContent xmlns:mc="http://schemas.openxmlformats.org/markup-compatibility/2006">
+    <mc:Choice xmlns:p14="http://schemas.microsoft.com/office/powerpoint/2010/main" Requires="p14">
+      <p:transition spd="slow" p14:dur="2000"/>
+    </mc:Choice>
+    <mc:Fallback>
+      <p:transition spd="slow"/>
+    </mc:Fallback>
+  </mc:AlternateContent>
   <p:timing>
     <p:tnLst>
       <p:par>
-        <p:cTn id="45" dur="indefinite" restart="never" nodeType="tmRoot">
+        <p:cTn id="43" dur="indefinite" restart="never" nodeType="tmRoot">
           <p:childTnLst>
-            <p:seq>
-              <p:cTn id="46" nodeType="mainSeq"/>
+            <p:seq concurrent="0">
+              <p:cTn id="44" nodeType="mainSeq"/>
               <p:prevCondLst>
-                <p:cond delay="0" evt="onPrev">
+                <p:cond evt="onPrev" delay="0">
                   <p:tgtEl>
                     <p:sldTgt/>
                   </p:tgtEl>
                 </p:cond>
               </p:prevCondLst>
               <p:nextCondLst>
-                <p:cond delay="0" evt="onNext">
+                <p:cond evt="onNext" delay="0">
                   <p:tgtEl>
                     <p:sldTgt/>
                   </p:tgtEl>
@@ -9166,14 +9613,14 @@
       </p:grpSpPr>
       <p:sp>
         <p:nvSpPr>
-          <p:cNvPr id="175" name="TextShape 1"/>
+          <p:cNvPr id="172" name="TextShape 1"/>
           <p:cNvSpPr txBox="1"/>
           <p:nvPr/>
         </p:nvSpPr>
         <p:spPr>
           <a:xfrm>
-            <a:off x="838080" y="365040"/>
-            <a:ext cx="10515240" cy="1325160"/>
+            <a:off x="838200" y="365125"/>
+            <a:ext cx="10514965" cy="1325245"/>
           </a:xfrm>
           <a:prstGeom prst="rect">
             <a:avLst/>
@@ -9203,7 +9650,7 @@
                 </a:uFill>
                 <a:latin typeface="Calibri Light"/>
               </a:rPr>
-              <a:t>어라 특정한 패턴과 태그를 이용하면 되지 않을까</a:t>
+              <a:t>아… 다 필요는 없는대</a:t>
             </a:r>
             <a:r>
               <a:rPr b="0" lang="en-US" sz="4400" spc="-1" strike="noStrike">
@@ -9220,83 +9667,6 @@
               <a:t>?</a:t>
             </a:r>
             <a:endParaRPr b="0" lang="en-US" sz="4400" spc="-1" strike="noStrike">
-              <a:solidFill>
-                <a:srgbClr val="000000"/>
-              </a:solidFill>
-              <a:uFill>
-                <a:solidFill>
-                  <a:srgbClr val="ffffff"/>
-                </a:solidFill>
-              </a:uFill>
-              <a:latin typeface="Calibri"/>
-            </a:endParaRPr>
-          </a:p>
-        </p:txBody>
-      </p:sp>
-      <p:sp>
-        <p:nvSpPr>
-          <p:cNvPr id="176" name="TextShape 2"/>
-          <p:cNvSpPr txBox="1"/>
-          <p:nvPr/>
-        </p:nvSpPr>
-        <p:spPr>
-          <a:xfrm>
-            <a:off x="838080" y="3310200"/>
-            <a:ext cx="10515240" cy="2866320"/>
-          </a:xfrm>
-          <a:prstGeom prst="rect">
-            <a:avLst/>
-          </a:prstGeom>
-          <a:noFill/>
-          <a:ln>
-            <a:noFill/>
-          </a:ln>
-        </p:spPr>
-        <p:txBody>
-          <a:bodyPr/>
-          <a:p>
-            <a:pPr marL="228600" indent="-228240">
-              <a:lnSpc>
-                <a:spcPct val="90000"/>
-              </a:lnSpc>
-              <a:spcBef>
-                <a:spcPts val="1001"/>
-              </a:spcBef>
-              <a:buClr>
-                <a:srgbClr val="000000"/>
-              </a:buClr>
-              <a:buFont typeface="Arial"/>
-              <a:buChar char="•"/>
-            </a:pPr>
-            <a:r>
-              <a:rPr b="0" lang="en-US" sz="2800" spc="-1" strike="noStrike">
-                <a:solidFill>
-                  <a:srgbClr val="000000"/>
-                </a:solidFill>
-                <a:uFill>
-                  <a:solidFill>
-                    <a:srgbClr val="ffffff"/>
-                  </a:solidFill>
-                </a:uFill>
-                <a:latin typeface="Calibri"/>
-              </a:rPr>
-              <a:t>어떻게</a:t>
-            </a:r>
-            <a:r>
-              <a:rPr b="0" lang="en-US" sz="2800" spc="-1" strike="noStrike">
-                <a:solidFill>
-                  <a:srgbClr val="000000"/>
-                </a:solidFill>
-                <a:uFill>
-                  <a:solidFill>
-                    <a:srgbClr val="ffffff"/>
-                  </a:solidFill>
-                </a:uFill>
-                <a:latin typeface="Calibri"/>
-              </a:rPr>
-              <a:t>?</a:t>
-            </a:r>
-            <a:endParaRPr b="0" lang="en-US" sz="2800" spc="-1" strike="noStrike">
               <a:solidFill>
                 <a:srgbClr val="000000"/>
               </a:solidFill>
@@ -9312,7 +9682,7 @@
       </p:sp>
       <p:pic>
         <p:nvPicPr>
-          <p:cNvPr id="177" name="그림 3" descr=""/>
+          <p:cNvPr id="173" name="그림 3"/>
           <p:cNvPicPr/>
           <p:nvPr/>
         </p:nvPicPr>
@@ -9322,8 +9692,8 @@
         </p:blipFill>
         <p:spPr>
           <a:xfrm>
-            <a:off x="381240" y="1825560"/>
-            <a:ext cx="11429280" cy="936360"/>
+            <a:off x="838200" y="1690370"/>
+            <a:ext cx="7848600" cy="4199890"/>
           </a:xfrm>
           <a:prstGeom prst="rect">
             <a:avLst/>
@@ -9333,24 +9703,55 @@
           </a:ln>
         </p:spPr>
       </p:pic>
+      <p:pic>
+        <p:nvPicPr>
+          <p:cNvPr id="174" name="그림 5"/>
+          <p:cNvPicPr/>
+          <p:nvPr/>
+        </p:nvPicPr>
+        <p:blipFill>
+          <a:blip r:embed="rId2"/>
+          <a:stretch/>
+        </p:blipFill>
+        <p:spPr>
+          <a:xfrm>
+            <a:off x="6488430" y="513715"/>
+            <a:ext cx="5581650" cy="1028700"/>
+          </a:xfrm>
+          <a:prstGeom prst="rect">
+            <a:avLst/>
+          </a:prstGeom>
+          <a:ln>
+            <a:noFill/>
+          </a:ln>
+        </p:spPr>
+      </p:pic>
     </p:spTree>
   </p:cSld>
+  <mc:AlternateContent xmlns:mc="http://schemas.openxmlformats.org/markup-compatibility/2006">
+    <mc:Choice xmlns:p14="http://schemas.microsoft.com/office/powerpoint/2010/main" Requires="p14">
+      <p:transition spd="slow" p14:dur="2000"/>
+    </mc:Choice>
+    <mc:Fallback>
+      <p:transition spd="slow"/>
+    </mc:Fallback>
+  </mc:AlternateContent>
   <p:timing>
     <p:tnLst>
       <p:par>
-        <p:cTn id="47" dur="indefinite" restart="never" nodeType="tmRoot">
+        <p:cTn id="45" dur="indefinite" restart="never" nodeType="tmRoot">
           <p:childTnLst>
-            <p:seq>
-              <p:cTn id="48" nodeType="mainSeq"/>
+            <p:seq concurrent="0">
+              <p:cTn id="46" nodeType="mainSeq"/>
               <p:prevCondLst>
-                <p:cond delay="0" evt="onPrev">
+                <p:cond evt="onPrev" delay="0">
                   <p:tgtEl>
                     <p:sldTgt/>
                   </p:tgtEl>
                 </p:cond>
               </p:prevCondLst>
               <p:nextCondLst>
-                <p:cond delay="0" evt="onNext">
+                <p:cond evt="onNext" delay="0">
                   <p:tgtEl>
                     <p:sldTgt/>
                   </p:tgtEl>
@@ -9384,14 +9785,14 @@
       </p:grpSpPr>
       <p:sp>
         <p:nvSpPr>
-          <p:cNvPr id="178" name="TextShape 1"/>
+          <p:cNvPr id="175" name="TextShape 1"/>
           <p:cNvSpPr txBox="1"/>
           <p:nvPr/>
         </p:nvSpPr>
         <p:spPr>
           <a:xfrm>
-            <a:off x="208440" y="331560"/>
-            <a:ext cx="12558240" cy="1325160"/>
+            <a:off x="838200" y="365125"/>
+            <a:ext cx="10514965" cy="1325245"/>
           </a:xfrm>
           <a:prstGeom prst="rect">
             <a:avLst/>
@@ -9402,9 +9803,7 @@
           </a:ln>
         </p:spPr>
         <p:txBody>
-          <a:bodyPr anchor="ctr">
-            <a:normAutofit/>
-          </a:bodyPr>
+          <a:bodyPr anchor="ctr"/>
           <a:p>
             <a:pPr>
               <a:lnSpc>
@@ -9412,7 +9811,7 @@
               </a:lnSpc>
             </a:pPr>
             <a:r>
-              <a:rPr b="0" lang="en-US" sz="4200" spc="-1" strike="noStrike">
+              <a:rPr b="0" lang="en-US" sz="4400" spc="-1" strike="noStrike">
                 <a:solidFill>
                   <a:srgbClr val="000000"/>
                 </a:solidFill>
@@ -9423,10 +9822,10 @@
                 </a:uFill>
                 <a:latin typeface="Calibri Light"/>
               </a:rPr>
-              <a:t>findAll</a:t>
-            </a:r>
-            <a:r>
-              <a:rPr b="0" lang="en-US" sz="4200" spc="-1" strike="noStrike">
+              <a:t>어라 특정한 패턴과 태그를 이용하면 되지 않을까</a:t>
+            </a:r>
+            <a:r>
+              <a:rPr b="0" lang="en-US" sz="4400" spc="-1" strike="noStrike">
                 <a:solidFill>
                   <a:srgbClr val="000000"/>
                 </a:solidFill>
@@ -9437,60 +9836,32 @@
                 </a:uFill>
                 <a:latin typeface="Calibri Light"/>
               </a:rPr>
-              <a:t>이란 함수를 이용하여 </a:t>
-            </a:r>
-            <a:r>
-              <a:rPr b="0" lang="en-US" sz="4200" spc="-1" strike="noStrike">
-                <a:solidFill>
-                  <a:srgbClr val="000000"/>
-                </a:solidFill>
-                <a:uFill>
-                  <a:solidFill>
-                    <a:srgbClr val="ffffff"/>
-                  </a:solidFill>
-                </a:uFill>
-                <a:latin typeface="Calibri Light"/>
-              </a:rPr>
-              <a:t>Anchor tag</a:t>
-            </a:r>
-            <a:r>
-              <a:rPr b="0" lang="en-US" sz="4200" spc="-1" strike="noStrike">
-                <a:solidFill>
-                  <a:srgbClr val="000000"/>
-                </a:solidFill>
-                <a:uFill>
-                  <a:solidFill>
-                    <a:srgbClr val="ffffff"/>
-                  </a:solidFill>
-                </a:uFill>
-                <a:latin typeface="Calibri Light"/>
-              </a:rPr>
-              <a:t>만 가져오기</a:t>
-            </a:r>
-            <a:endParaRPr b="0" lang="en-US" sz="4200" spc="-1" strike="noStrike">
-              <a:solidFill>
-                <a:srgbClr val="000000"/>
-              </a:solidFill>
-              <a:uFill>
-                <a:solidFill>
-                  <a:srgbClr val="ffffff"/>
-                </a:solidFill>
-              </a:uFill>
-              <a:latin typeface="Calibri"/>
-            </a:endParaRPr>
-          </a:p>
-        </p:txBody>
-      </p:sp>
-      <p:sp>
-        <p:nvSpPr>
-          <p:cNvPr id="179" name="TextShape 2"/>
+              <a:t>?</a:t>
+            </a:r>
+            <a:endParaRPr b="0" lang="en-US" sz="4400" spc="-1" strike="noStrike">
+              <a:solidFill>
+                <a:srgbClr val="000000"/>
+              </a:solidFill>
+              <a:uFill>
+                <a:solidFill>
+                  <a:srgbClr val="ffffff"/>
+                </a:solidFill>
+              </a:uFill>
+              <a:latin typeface="Calibri"/>
+            </a:endParaRPr>
+          </a:p>
+        </p:txBody>
+      </p:sp>
+      <p:sp>
+        <p:nvSpPr>
+          <p:cNvPr id="176" name="TextShape 2"/>
           <p:cNvSpPr txBox="1"/>
           <p:nvPr/>
         </p:nvSpPr>
         <p:spPr>
           <a:xfrm>
-            <a:off x="838080" y="1825560"/>
-            <a:ext cx="10515240" cy="4350960"/>
+            <a:off x="838200" y="3310255"/>
+            <a:ext cx="10514965" cy="2866390"/>
           </a:xfrm>
           <a:prstGeom prst="rect">
             <a:avLst/>
@@ -9528,7 +9899,7 @@
                 </a:uFill>
                 <a:latin typeface="Calibri"/>
               </a:rPr>
-              <a:t>아 좋은대 내가 필요한거 아닌것도 많이 따라온다 그러면 어떻게 해야할까</a:t>
+              <a:t>어떻게</a:t>
             </a:r>
             <a:r>
               <a:rPr b="0" lang="en-US" sz="2800" spc="-1" strike="noStrike">
@@ -9560,7 +9931,7 @@
       </p:sp>
       <p:pic>
         <p:nvPicPr>
-          <p:cNvPr id="180" name="그림 3" descr=""/>
+          <p:cNvPr id="177" name="그림 3"/>
           <p:cNvPicPr/>
           <p:nvPr/>
         </p:nvPicPr>
@@ -9570,8 +9941,8 @@
         </p:blipFill>
         <p:spPr>
           <a:xfrm>
-            <a:off x="733320" y="2814120"/>
-            <a:ext cx="10724760" cy="5257440"/>
+            <a:off x="381000" y="1825625"/>
+            <a:ext cx="11429365" cy="936625"/>
           </a:xfrm>
           <a:prstGeom prst="rect">
             <a:avLst/>
@@ -9583,22 +9954,30 @@
       </p:pic>
     </p:spTree>
   </p:cSld>
+  <mc:AlternateContent xmlns:mc="http://schemas.openxmlformats.org/markup-compatibility/2006">
+    <mc:Choice xmlns:p14="http://schemas.microsoft.com/office/powerpoint/2010/main" Requires="p14">
+      <p:transition spd="slow" p14:dur="2000"/>
+    </mc:Choice>
+    <mc:Fallback>
+      <p:transition spd="slow"/>
+    </mc:Fallback>
+  </mc:AlternateContent>
   <p:timing>
     <p:tnLst>
       <p:par>
-        <p:cTn id="49" dur="indefinite" restart="never" nodeType="tmRoot">
+        <p:cTn id="47" dur="indefinite" restart="never" nodeType="tmRoot">
           <p:childTnLst>
-            <p:seq>
-              <p:cTn id="50" nodeType="mainSeq"/>
+            <p:seq concurrent="0">
+              <p:cTn id="48" nodeType="mainSeq"/>
               <p:prevCondLst>
-                <p:cond delay="0" evt="onPrev">
+                <p:cond evt="onPrev" delay="0">
                   <p:tgtEl>
                     <p:sldTgt/>
                   </p:tgtEl>
                 </p:cond>
               </p:prevCondLst>
               <p:nextCondLst>
-                <p:cond delay="0" evt="onNext">
+                <p:cond evt="onNext" delay="0">
                   <p:tgtEl>
                     <p:sldTgt/>
                   </p:tgtEl>
@@ -9632,14 +10011,14 @@
       </p:grpSpPr>
       <p:sp>
         <p:nvSpPr>
-          <p:cNvPr id="181" name="TextShape 1"/>
+          <p:cNvPr id="178" name="TextShape 1"/>
           <p:cNvSpPr txBox="1"/>
           <p:nvPr/>
         </p:nvSpPr>
         <p:spPr>
           <a:xfrm>
-            <a:off x="838080" y="365040"/>
-            <a:ext cx="10515240" cy="1325160"/>
+            <a:off x="208280" y="331470"/>
+            <a:ext cx="12558395" cy="1325245"/>
           </a:xfrm>
           <a:prstGeom prst="rect">
             <a:avLst/>
@@ -9650,7 +10029,9 @@
           </a:ln>
         </p:spPr>
         <p:txBody>
-          <a:bodyPr anchor="ctr"/>
+          <a:bodyPr anchor="ctr">
+            <a:normAutofit/>
+          </a:bodyPr>
           <a:p>
             <a:pPr>
               <a:lnSpc>
@@ -9658,7 +10039,7 @@
               </a:lnSpc>
             </a:pPr>
             <a:r>
-              <a:rPr b="0" lang="en-US" sz="4400" spc="-1" strike="noStrike">
+              <a:rPr b="0" lang="en-US" sz="4200" spc="-1" strike="noStrike">
                 <a:solidFill>
                   <a:srgbClr val="000000"/>
                 </a:solidFill>
@@ -9669,10 +10050,10 @@
                 </a:uFill>
                 <a:latin typeface="Calibri Light"/>
               </a:rPr>
-              <a:t>Attribute</a:t>
-            </a:r>
-            <a:r>
-              <a:rPr b="0" lang="en-US" sz="4400" spc="-1" strike="noStrike">
+              <a:t>findAll</a:t>
+            </a:r>
+            <a:r>
+              <a:rPr b="0" lang="en-US" sz="4200" spc="-1" strike="noStrike">
                 <a:solidFill>
                   <a:srgbClr val="000000"/>
                 </a:solidFill>
@@ -9683,10 +10064,10 @@
                 </a:uFill>
                 <a:latin typeface="Calibri Light"/>
               </a:rPr>
-              <a:t>필터를 이용하면 된다 키야</a:t>
-            </a:r>
-            <a:r>
-              <a:rPr b="0" lang="en-US" sz="4400" spc="-1" strike="noStrike">
+              <a:t>이란 함수를 이용하여 </a:t>
+            </a:r>
+            <a:r>
+              <a:rPr b="0" lang="en-US" sz="4200" spc="-1" strike="noStrike">
                 <a:solidFill>
                   <a:srgbClr val="000000"/>
                 </a:solidFill>
@@ -9697,32 +10078,46 @@
                 </a:uFill>
                 <a:latin typeface="Calibri Light"/>
               </a:rPr>
-              <a:t>~</a:t>
-            </a:r>
-            <a:endParaRPr b="0" lang="en-US" sz="4400" spc="-1" strike="noStrike">
-              <a:solidFill>
-                <a:srgbClr val="000000"/>
-              </a:solidFill>
-              <a:uFill>
-                <a:solidFill>
-                  <a:srgbClr val="ffffff"/>
-                </a:solidFill>
-              </a:uFill>
-              <a:latin typeface="Calibri"/>
-            </a:endParaRPr>
-          </a:p>
-        </p:txBody>
-      </p:sp>
-      <p:sp>
-        <p:nvSpPr>
-          <p:cNvPr id="182" name="TextShape 2"/>
+              <a:t>Anchor tag</a:t>
+            </a:r>
+            <a:r>
+              <a:rPr b="0" lang="en-US" sz="4200" spc="-1" strike="noStrike">
+                <a:solidFill>
+                  <a:srgbClr val="000000"/>
+                </a:solidFill>
+                <a:uFill>
+                  <a:solidFill>
+                    <a:srgbClr val="ffffff"/>
+                  </a:solidFill>
+                </a:uFill>
+                <a:latin typeface="Calibri Light"/>
+              </a:rPr>
+              <a:t>만 가져오기</a:t>
+            </a:r>
+            <a:endParaRPr b="0" lang="en-US" sz="4200" spc="-1" strike="noStrike">
+              <a:solidFill>
+                <a:srgbClr val="000000"/>
+              </a:solidFill>
+              <a:uFill>
+                <a:solidFill>
+                  <a:srgbClr val="ffffff"/>
+                </a:solidFill>
+              </a:uFill>
+              <a:latin typeface="Calibri"/>
+            </a:endParaRPr>
+          </a:p>
+        </p:txBody>
+      </p:sp>
+      <p:sp>
+        <p:nvSpPr>
+          <p:cNvPr id="179" name="TextShape 2"/>
           <p:cNvSpPr txBox="1"/>
           <p:nvPr/>
         </p:nvSpPr>
         <p:spPr>
           <a:xfrm>
-            <a:off x="838080" y="1825560"/>
-            <a:ext cx="10515240" cy="4350960"/>
+            <a:off x="838200" y="1825625"/>
+            <a:ext cx="10514965" cy="4351020"/>
           </a:xfrm>
           <a:prstGeom prst="rect">
             <a:avLst/>
@@ -9735,6 +10130,47 @@
         <p:txBody>
           <a:bodyPr/>
           <a:p>
+            <a:pPr marL="228600" indent="-228240">
+              <a:lnSpc>
+                <a:spcPct val="90000"/>
+              </a:lnSpc>
+              <a:spcBef>
+                <a:spcPts val="1001"/>
+              </a:spcBef>
+              <a:buClr>
+                <a:srgbClr val="000000"/>
+              </a:buClr>
+              <a:buFont typeface="Arial"/>
+              <a:buChar char="•"/>
+            </a:pPr>
+            <a:r>
+              <a:rPr b="0" lang="en-US" sz="2800" spc="-1" strike="noStrike">
+                <a:solidFill>
+                  <a:srgbClr val="000000"/>
+                </a:solidFill>
+                <a:uFill>
+                  <a:solidFill>
+                    <a:srgbClr val="ffffff"/>
+                  </a:solidFill>
+                </a:uFill>
+                <a:latin typeface="Calibri"/>
+              </a:rPr>
+              <a:t>아 좋은대 내가 필요한거 아닌것도 많이 따라온다 그러면 어떻게 해야할까</a:t>
+            </a:r>
+            <a:r>
+              <a:rPr b="0" lang="en-US" sz="2800" spc="-1" strike="noStrike">
+                <a:solidFill>
+                  <a:srgbClr val="000000"/>
+                </a:solidFill>
+                <a:uFill>
+                  <a:solidFill>
+                    <a:srgbClr val="ffffff"/>
+                  </a:solidFill>
+                </a:uFill>
+                <a:latin typeface="Calibri"/>
+              </a:rPr>
+              <a:t>?</a:t>
+            </a:r>
             <a:endParaRPr b="0" lang="en-US" sz="2800" spc="-1" strike="noStrike">
               <a:solidFill>
                 <a:srgbClr val="000000"/>
@@ -9751,7 +10187,7 @@
       </p:sp>
       <p:pic>
         <p:nvPicPr>
-          <p:cNvPr id="183" name="그림 3" descr=""/>
+          <p:cNvPr id="180" name="그림 3"/>
           <p:cNvPicPr/>
           <p:nvPr/>
         </p:nvPicPr>
@@ -9761,8 +10197,8 @@
         </p:blipFill>
         <p:spPr>
           <a:xfrm>
-            <a:off x="781200" y="1690560"/>
-            <a:ext cx="10572480" cy="5152680"/>
+            <a:off x="733425" y="2814320"/>
+            <a:ext cx="10724515" cy="5257165"/>
           </a:xfrm>
           <a:prstGeom prst="rect">
             <a:avLst/>
@@ -9774,22 +10210,30 @@
       </p:pic>
     </p:spTree>
   </p:cSld>
+  <mc:AlternateContent xmlns:mc="http://schemas.openxmlformats.org/markup-compatibility/2006">
+    <mc:Choice xmlns:p14="http://schemas.microsoft.com/office/powerpoint/2010/main" Requires="p14">
+      <p:transition spd="slow" p14:dur="2000"/>
+    </mc:Choice>
+    <mc:Fallback>
+      <p:transition spd="slow"/>
+    </mc:Fallback>
+  </mc:AlternateContent>
   <p:timing>
     <p:tnLst>
       <p:par>
-        <p:cTn id="51" dur="indefinite" restart="never" nodeType="tmRoot">
+        <p:cTn id="49" dur="indefinite" restart="never" nodeType="tmRoot">
           <p:childTnLst>
-            <p:seq>
-              <p:cTn id="52" nodeType="mainSeq"/>
+            <p:seq concurrent="0">
+              <p:cTn id="50" nodeType="mainSeq"/>
               <p:prevCondLst>
-                <p:cond delay="0" evt="onPrev">
+                <p:cond evt="onPrev" delay="0">
                   <p:tgtEl>
                     <p:sldTgt/>
                   </p:tgtEl>
                 </p:cond>
               </p:prevCondLst>
               <p:nextCondLst>
-                <p:cond delay="0" evt="onNext">
+                <p:cond evt="onNext" delay="0">
                   <p:tgtEl>
                     <p:sldTgt/>
                   </p:tgtEl>
@@ -9823,14 +10267,14 @@
       </p:grpSpPr>
       <p:sp>
         <p:nvSpPr>
-          <p:cNvPr id="184" name="TextShape 1"/>
+          <p:cNvPr id="181" name="TextShape 1"/>
           <p:cNvSpPr txBox="1"/>
           <p:nvPr/>
         </p:nvSpPr>
         <p:spPr>
           <a:xfrm>
-            <a:off x="838080" y="365040"/>
-            <a:ext cx="10515240" cy="1325160"/>
+            <a:off x="838200" y="365125"/>
+            <a:ext cx="10514965" cy="1325245"/>
           </a:xfrm>
           <a:prstGeom prst="rect">
             <a:avLst/>
@@ -9860,7 +10304,35 @@
                 </a:uFill>
                 <a:latin typeface="Calibri Light"/>
               </a:rPr>
-              <a:t>과제를 내주겠습니다</a:t>
+              <a:t>Attribute</a:t>
+            </a:r>
+            <a:r>
+              <a:rPr b="0" lang="en-US" sz="4400" spc="-1" strike="noStrike">
+                <a:solidFill>
+                  <a:srgbClr val="000000"/>
+                </a:solidFill>
+                <a:uFill>
+                  <a:solidFill>
+                    <a:srgbClr val="ffffff"/>
+                  </a:solidFill>
+                </a:uFill>
+                <a:latin typeface="Calibri Light"/>
+              </a:rPr>
+              <a:t>필터를 이용하면 된다 키야</a:t>
+            </a:r>
+            <a:r>
+              <a:rPr b="0" lang="en-US" sz="4400" spc="-1" strike="noStrike">
+                <a:solidFill>
+                  <a:srgbClr val="000000"/>
+                </a:solidFill>
+                <a:uFill>
+                  <a:solidFill>
+                    <a:srgbClr val="ffffff"/>
+                  </a:solidFill>
+                </a:uFill>
+                <a:latin typeface="Calibri Light"/>
+              </a:rPr>
+              <a:t>~</a:t>
             </a:r>
             <a:endParaRPr b="0" lang="en-US" sz="4400" spc="-1" strike="noStrike">
               <a:solidFill>
@@ -9878,14 +10350,14 @@
       </p:sp>
       <p:sp>
         <p:nvSpPr>
-          <p:cNvPr id="185" name="TextShape 2"/>
+          <p:cNvPr id="182" name="TextShape 2"/>
           <p:cNvSpPr txBox="1"/>
           <p:nvPr/>
         </p:nvSpPr>
         <p:spPr>
           <a:xfrm>
-            <a:off x="838080" y="1825560"/>
-            <a:ext cx="10515240" cy="4350960"/>
+            <a:off x="838200" y="1825625"/>
+            <a:ext cx="10514965" cy="4351020"/>
           </a:xfrm>
           <a:prstGeom prst="rect">
             <a:avLst/>
@@ -9898,33 +10370,6 @@
         <p:txBody>
           <a:bodyPr/>
           <a:p>
-            <a:pPr marL="228600" indent="-228240">
-              <a:lnSpc>
-                <a:spcPct val="90000"/>
-              </a:lnSpc>
-              <a:spcBef>
-                <a:spcPts val="1001"/>
-              </a:spcBef>
-              <a:buClr>
-                <a:srgbClr val="000000"/>
-              </a:buClr>
-              <a:buFont typeface="Arial"/>
-              <a:buChar char="•"/>
-            </a:pPr>
-            <a:r>
-              <a:rPr b="0" lang="en-US" sz="2800" spc="-1" strike="noStrike">
-                <a:solidFill>
-                  <a:srgbClr val="000000"/>
-                </a:solidFill>
-                <a:uFill>
-                  <a:solidFill>
-                    <a:srgbClr val="ffffff"/>
-                  </a:solidFill>
-                </a:uFill>
-                <a:latin typeface="Calibri"/>
-              </a:rPr>
-              <a:t>과사 페이지 하나 골라서 만들어보십시오</a:t>
-            </a:r>
             <a:endParaRPr b="0" lang="en-US" sz="2800" spc="-1" strike="noStrike">
               <a:solidFill>
                 <a:srgbClr val="000000"/>
@@ -9937,188 +10382,57 @@
               <a:latin typeface="Calibri"/>
             </a:endParaRPr>
           </a:p>
-          <a:p>
-            <a:pPr marL="228600" indent="-228240">
-              <a:lnSpc>
-                <a:spcPct val="90000"/>
-              </a:lnSpc>
-              <a:spcBef>
-                <a:spcPts val="1001"/>
-              </a:spcBef>
-              <a:buClr>
-                <a:srgbClr val="000000"/>
-              </a:buClr>
-              <a:buFont typeface="Arial"/>
-              <a:buChar char="•"/>
-            </a:pPr>
-            <a:r>
-              <a:rPr b="0" lang="en-US" sz="2800" spc="-1" strike="noStrike" u="sng">
-                <a:solidFill>
-                  <a:srgbClr val="0563c1"/>
-                </a:solidFill>
-                <a:uFill>
-                  <a:solidFill>
-                    <a:srgbClr val="ffffff"/>
-                  </a:solidFill>
-                </a:uFill>
-                <a:latin typeface="Calibri"/>
-                <a:hlinkClick r:id="rId1"/>
-              </a:rPr>
-              <a:t>ekstrah.dongho@gmail.com</a:t>
-            </a:r>
-            <a:endParaRPr b="0" lang="en-US" sz="2800" spc="-1" strike="noStrike">
-              <a:solidFill>
-                <a:srgbClr val="000000"/>
-              </a:solidFill>
-              <a:uFill>
-                <a:solidFill>
-                  <a:srgbClr val="ffffff"/>
-                </a:solidFill>
-              </a:uFill>
-              <a:latin typeface="Calibri"/>
-            </a:endParaRPr>
-          </a:p>
-          <a:p>
-            <a:pPr marL="228600" indent="-228240">
-              <a:lnSpc>
-                <a:spcPct val="90000"/>
-              </a:lnSpc>
-              <a:spcBef>
-                <a:spcPts val="1001"/>
-              </a:spcBef>
-              <a:buClr>
-                <a:srgbClr val="000000"/>
-              </a:buClr>
-              <a:buFont typeface="Arial"/>
-              <a:buChar char="•"/>
-            </a:pPr>
-            <a:r>
-              <a:rPr b="0" lang="en-US" sz="2800" spc="-1" strike="noStrike">
-                <a:solidFill>
-                  <a:srgbClr val="000000"/>
-                </a:solidFill>
-                <a:uFill>
-                  <a:solidFill>
-                    <a:srgbClr val="ffffff"/>
-                  </a:solidFill>
-                </a:uFill>
-                <a:latin typeface="Calibri"/>
-              </a:rPr>
-              <a:t>또는</a:t>
-            </a:r>
-            <a:endParaRPr b="0" lang="en-US" sz="2800" spc="-1" strike="noStrike">
-              <a:solidFill>
-                <a:srgbClr val="000000"/>
-              </a:solidFill>
-              <a:uFill>
-                <a:solidFill>
-                  <a:srgbClr val="ffffff"/>
-                </a:solidFill>
-              </a:uFill>
-              <a:latin typeface="Calibri"/>
-            </a:endParaRPr>
-          </a:p>
-          <a:p>
-            <a:pPr marL="228600" indent="-228240">
-              <a:lnSpc>
-                <a:spcPct val="90000"/>
-              </a:lnSpc>
-              <a:spcBef>
-                <a:spcPts val="1001"/>
-              </a:spcBef>
-              <a:buClr>
-                <a:srgbClr val="000000"/>
-              </a:buClr>
-              <a:buFont typeface="Arial"/>
-              <a:buChar char="•"/>
-            </a:pPr>
-            <a:r>
-              <a:rPr b="0" lang="en-US" sz="2800" spc="-1" strike="noStrike" u="sng">
-                <a:solidFill>
-                  <a:srgbClr val="0563c1"/>
-                </a:solidFill>
-                <a:uFill>
-                  <a:solidFill>
-                    <a:srgbClr val="ffffff"/>
-                  </a:solidFill>
-                </a:uFill>
-                <a:latin typeface="Calibri"/>
-                <a:hlinkClick r:id="rId2"/>
-              </a:rPr>
-              <a:t>ekstrah2013@kert.or.kr</a:t>
-            </a:r>
-            <a:endParaRPr b="0" lang="en-US" sz="2800" spc="-1" strike="noStrike">
-              <a:solidFill>
-                <a:srgbClr val="000000"/>
-              </a:solidFill>
-              <a:uFill>
-                <a:solidFill>
-                  <a:srgbClr val="ffffff"/>
-                </a:solidFill>
-              </a:uFill>
-              <a:latin typeface="Calibri"/>
-            </a:endParaRPr>
-          </a:p>
-          <a:p>
-            <a:pPr marL="228600" indent="-228240">
-              <a:lnSpc>
-                <a:spcPct val="90000"/>
-              </a:lnSpc>
-              <a:spcBef>
-                <a:spcPts val="1001"/>
-              </a:spcBef>
-              <a:buClr>
-                <a:srgbClr val="000000"/>
-              </a:buClr>
-              <a:buFont typeface="Arial"/>
-              <a:buChar char="•"/>
-            </a:pPr>
-            <a:r>
-              <a:rPr b="0" lang="en-US" sz="2800" spc="-1" strike="noStrike">
-                <a:solidFill>
-                  <a:srgbClr val="000000"/>
-                </a:solidFill>
-                <a:uFill>
-                  <a:solidFill>
-                    <a:srgbClr val="ffffff"/>
-                  </a:solidFill>
-                </a:uFill>
-                <a:latin typeface="Calibri"/>
-              </a:rPr>
-              <a:t>로 보내주십쇼</a:t>
-            </a:r>
-            <a:endParaRPr b="0" lang="en-US" sz="2800" spc="-1" strike="noStrike">
-              <a:solidFill>
-                <a:srgbClr val="000000"/>
-              </a:solidFill>
-              <a:uFill>
-                <a:solidFill>
-                  <a:srgbClr val="ffffff"/>
-                </a:solidFill>
-              </a:uFill>
-              <a:latin typeface="Calibri"/>
-            </a:endParaRPr>
-          </a:p>
-        </p:txBody>
-      </p:sp>
+        </p:txBody>
+      </p:sp>
+      <p:pic>
+        <p:nvPicPr>
+          <p:cNvPr id="183" name="그림 3"/>
+          <p:cNvPicPr/>
+          <p:nvPr/>
+        </p:nvPicPr>
+        <p:blipFill>
+          <a:blip r:embed="rId1"/>
+          <a:stretch/>
+        </p:blipFill>
+        <p:spPr>
+          <a:xfrm>
+            <a:off x="781050" y="1690370"/>
+            <a:ext cx="10572750" cy="5152390"/>
+          </a:xfrm>
+          <a:prstGeom prst="rect">
+            <a:avLst/>
+          </a:prstGeom>
+          <a:ln>
+            <a:noFill/>
+          </a:ln>
+        </p:spPr>
+      </p:pic>
     </p:spTree>
   </p:cSld>
+  <mc:AlternateContent xmlns:mc="http://schemas.openxmlformats.org/markup-compatibility/2006">
+    <mc:Choice xmlns:p14="http://schemas.microsoft.com/office/powerpoint/2010/main" Requires="p14">
+      <p:transition spd="slow" p14:dur="2000"/>
+    </mc:Choice>
+    <mc:Fallback>
+      <p:transition spd="slow"/>
+    </mc:Fallback>
+  </mc:AlternateContent>
   <p:timing>
     <p:tnLst>
       <p:par>
-        <p:cTn id="53" dur="indefinite" restart="never" nodeType="tmRoot">
+        <p:cTn id="51" dur="indefinite" restart="never" nodeType="tmRoot">
           <p:childTnLst>
-            <p:seq>
-              <p:cTn id="54" nodeType="mainSeq"/>
+            <p:seq concurrent="0">
+              <p:cTn id="52" nodeType="mainSeq"/>
               <p:prevCondLst>
-                <p:cond delay="0" evt="onPrev">
+                <p:cond evt="onPrev" delay="0">
                   <p:tgtEl>
                     <p:sldTgt/>
                   </p:tgtEl>
                 </p:cond>
               </p:prevCondLst>
               <p:nextCondLst>
-                <p:cond delay="0" evt="onNext">
+                <p:cond evt="onNext" delay="0">
                   <p:tgtEl>
                     <p:sldTgt/>
                   </p:tgtEl>
@@ -10133,7 +10447,7 @@
 </p:sld>
 </file>
 
-<file path=ppt/slides/slide3.xml><?xml version="1.0" encoding="utf-8"?>
+<file path=ppt/slides/slide28.xml><?xml version="1.0" encoding="utf-8"?>
 <p:sld xmlns:a="http://schemas.openxmlformats.org/drawingml/2006/main" xmlns:p="http://schemas.openxmlformats.org/presentationml/2006/main" xmlns:r="http://schemas.openxmlformats.org/officeDocument/2006/relationships" xmlns:p14="http://schemas.microsoft.com/office/powerpoint/2010/main" xmlns:p15="http://schemas.microsoft.com/office/powerpoint/2012/main" xmlns:mc="http://schemas.openxmlformats.org/markup-compatibility/2006">
   <p:cSld>
     <p:spTree>
@@ -10152,14 +10466,14 @@
       </p:grpSpPr>
       <p:sp>
         <p:nvSpPr>
-          <p:cNvPr id="90" name="TextShape 1"/>
+          <p:cNvPr id="184" name="TextShape 1"/>
           <p:cNvSpPr txBox="1"/>
           <p:nvPr/>
         </p:nvSpPr>
         <p:spPr>
           <a:xfrm>
-            <a:off x="838080" y="365040"/>
-            <a:ext cx="10515240" cy="1325160"/>
+            <a:off x="838200" y="365125"/>
+            <a:ext cx="10515600" cy="1325880"/>
           </a:xfrm>
           <a:prstGeom prst="rect">
             <a:avLst/>
@@ -10170,65 +10484,54 @@
           </a:ln>
         </p:spPr>
         <p:txBody>
-          <a:bodyPr anchor="ctr"/>
-          <a:p>
-            <a:pPr>
+          <a:bodyPr wrap="square" lIns="91440" tIns="45720" rIns="91440" bIns="45720" numCol="1" vert="horz" anchor="ctr">
+            <a:noAutofit/>
+          </a:bodyPr>
+          <a:lstStyle/>
+          <a:p>
+            <a:pPr marL="0" indent="0" algn="l" fontAlgn="auto" defTabSz="914400" eaLnBrk="0" latinLnBrk="0">
               <a:lnSpc>
                 <a:spcPct val="90000"/>
               </a:lnSpc>
+              <a:spcBef>
+                <a:spcPts val="0"/>
+              </a:spcBef>
+              <a:spcAft>
+                <a:spcPts val="0"/>
+              </a:spcAft>
+              <a:buFontTx/>
+              <a:buNone/>
             </a:pPr>
             <a:r>
-              <a:rPr b="0" lang="en-US" sz="4400" spc="-1" strike="noStrike">
-                <a:solidFill>
-                  <a:srgbClr val="000000"/>
-                </a:solidFill>
-                <a:uFill>
-                  <a:solidFill>
-                    <a:srgbClr val="ffffff"/>
-                  </a:solidFill>
-                </a:uFill>
-                <a:latin typeface="Calibri Light"/>
-              </a:rPr>
-              <a:t>왜 파이썬</a:t>
-            </a:r>
-            <a:r>
-              <a:rPr b="0" lang="en-US" sz="4400" spc="-1" strike="noStrike">
-                <a:solidFill>
-                  <a:srgbClr val="000000"/>
-                </a:solidFill>
-                <a:uFill>
-                  <a:solidFill>
-                    <a:srgbClr val="ffffff"/>
-                  </a:solidFill>
-                </a:uFill>
-                <a:latin typeface="Calibri Light"/>
-              </a:rPr>
-              <a:t>?</a:t>
-            </a:r>
-            <a:endParaRPr b="0" lang="en-US" sz="4400" spc="-1" strike="noStrike">
-              <a:solidFill>
-                <a:srgbClr val="000000"/>
-              </a:solidFill>
-              <a:uFill>
-                <a:solidFill>
-                  <a:srgbClr val="ffffff"/>
-                </a:solidFill>
-              </a:uFill>
-              <a:latin typeface="Calibri"/>
-            </a:endParaRPr>
-          </a:p>
-        </p:txBody>
-      </p:sp>
-      <p:sp>
-        <p:nvSpPr>
-          <p:cNvPr id="91" name="TextShape 2"/>
+              <a:rPr lang="en-US" altLang="ko-KR" sz="4400" cap="none" dirty="0" smtClean="0" b="0" strike="noStrike">
+                <a:solidFill>
+                  <a:srgbClr val="000000"/>
+                </a:solidFill>
+                <a:latin typeface="Calibri Light" charset="0"/>
+                <a:ea typeface="Calibri Light" charset="0"/>
+              </a:rPr>
+              <a:t>숙제</a:t>
+            </a:r>
+            <a:endParaRPr lang="ko-KR" altLang="en-US" sz="4400" cap="none" dirty="0" smtClean="0" b="0" strike="noStrike">
+              <a:solidFill>
+                <a:srgbClr val="000000"/>
+              </a:solidFill>
+              <a:latin typeface="Calibri Light" charset="0"/>
+              <a:ea typeface="Calibri Light" charset="0"/>
+            </a:endParaRPr>
+          </a:p>
+        </p:txBody>
+      </p:sp>
+      <p:sp>
+        <p:nvSpPr>
+          <p:cNvPr id="185" name="TextShape 2"/>
           <p:cNvSpPr txBox="1"/>
           <p:nvPr/>
         </p:nvSpPr>
         <p:spPr>
           <a:xfrm>
-            <a:off x="838080" y="1825560"/>
-            <a:ext cx="10515240" cy="4350960"/>
+            <a:off x="838200" y="1825625"/>
+            <a:ext cx="10515600" cy="4351655"/>
           </a:xfrm>
           <a:prstGeom prst="rect">
             <a:avLst/>
@@ -10239,15 +10542,21 @@
           </a:ln>
         </p:spPr>
         <p:txBody>
-          <a:bodyPr/>
-          <a:p>
-            <a:pPr marL="228600" indent="-228240">
+          <a:bodyPr wrap="square" lIns="91440" tIns="45720" rIns="91440" bIns="45720" numCol="1" vert="horz" anchor="t">
+            <a:noAutofit/>
+          </a:bodyPr>
+          <a:lstStyle/>
+          <a:p>
+            <a:pPr marL="228600" indent="-227965" algn="l" fontAlgn="auto" defTabSz="914400" eaLnBrk="0" latinLnBrk="0">
               <a:lnSpc>
                 <a:spcPct val="90000"/>
               </a:lnSpc>
               <a:spcBef>
-                <a:spcPts val="1001"/>
+                <a:spcPts val="1000"/>
               </a:spcBef>
+              <a:spcAft>
+                <a:spcPts val="0"/>
+              </a:spcAft>
               <a:buClr>
                 <a:srgbClr val="000000"/>
               </a:buClr>
@@ -10255,50 +10564,438 @@
               <a:buChar char="•"/>
             </a:pPr>
             <a:r>
-              <a:rPr b="0" lang="en-US" sz="2800" spc="-1" strike="noStrike">
-                <a:solidFill>
-                  <a:srgbClr val="000000"/>
-                </a:solidFill>
-                <a:uFill>
-                  <a:solidFill>
-                    <a:srgbClr val="ffffff"/>
-                  </a:solidFill>
-                </a:uFill>
-                <a:latin typeface="Calibri"/>
-              </a:rPr>
-              <a:t>강력한 툴</a:t>
-            </a:r>
-            <a:endParaRPr b="0" lang="en-US" sz="2800" spc="-1" strike="noStrike">
-              <a:solidFill>
-                <a:srgbClr val="000000"/>
-              </a:solidFill>
-              <a:uFill>
-                <a:solidFill>
-                  <a:srgbClr val="ffffff"/>
-                </a:solidFill>
-              </a:uFill>
-              <a:latin typeface="Calibri"/>
-            </a:endParaRPr>
-          </a:p>
-        </p:txBody>
-      </p:sp>
-      <p:sp>
-        <p:nvSpPr>
-          <p:cNvPr id="92" name="CustomShape 3"/>
-          <p:cNvSpPr/>
+              <a:rPr lang="en-US" altLang="ko-KR" sz="2800" cap="none" dirty="0" smtClean="0" b="0" strike="noStrike">
+                <a:solidFill>
+                  <a:srgbClr val="000000"/>
+                </a:solidFill>
+                <a:latin typeface="Calibri" charset="0"/>
+                <a:ea typeface="Calibri" charset="0"/>
+              </a:rPr>
+              <a:t>문제 3개 못 푸신 분들은 풀어주시구요</a:t>
+            </a:r>
+            <a:endParaRPr lang="ko-KR" altLang="en-US" sz="2800" cap="none" dirty="0" smtClean="0" b="0" strike="noStrike">
+              <a:solidFill>
+                <a:srgbClr val="000000"/>
+              </a:solidFill>
+              <a:latin typeface="Calibri" charset="0"/>
+              <a:ea typeface="Calibri" charset="0"/>
+            </a:endParaRPr>
+          </a:p>
+          <a:p>
+            <a:pPr marL="228600" indent="-227965" algn="l" fontAlgn="auto" defTabSz="914400" eaLnBrk="0" latinLnBrk="0">
+              <a:lnSpc>
+                <a:spcPct val="90000"/>
+              </a:lnSpc>
+              <a:spcBef>
+                <a:spcPts val="1000"/>
+              </a:spcBef>
+              <a:spcAft>
+                <a:spcPts val="0"/>
+              </a:spcAft>
+              <a:buClr>
+                <a:srgbClr val="000000"/>
+              </a:buClr>
+              <a:buFont typeface="Arial"/>
+              <a:buChar char="•"/>
+            </a:pPr>
+            <a:r>
+              <a:rPr lang="en-US" altLang="ko-KR" sz="2800" cap="none" dirty="0" smtClean="0" b="0" strike="noStrike">
+                <a:solidFill>
+                  <a:srgbClr val="000000"/>
+                </a:solidFill>
+                <a:latin typeface="Calibri" charset="0"/>
+                <a:ea typeface="Calibri" charset="0"/>
+              </a:rPr>
+              <a:t>branch를 만들어 업데이트 해주세요</a:t>
+            </a:r>
+            <a:endParaRPr lang="ko-KR" altLang="en-US" sz="2800" cap="none" dirty="0" smtClean="0" b="0" strike="noStrike">
+              <a:solidFill>
+                <a:srgbClr val="000000"/>
+              </a:solidFill>
+              <a:latin typeface="Calibri" charset="0"/>
+              <a:ea typeface="Calibri" charset="0"/>
+            </a:endParaRPr>
+          </a:p>
+          <a:p>
+            <a:pPr marL="228600" indent="-227965" algn="l" fontAlgn="auto" defTabSz="914400" eaLnBrk="0" latinLnBrk="0">
+              <a:lnSpc>
+                <a:spcPct val="90000"/>
+              </a:lnSpc>
+              <a:spcBef>
+                <a:spcPts val="1000"/>
+              </a:spcBef>
+              <a:spcAft>
+                <a:spcPts val="0"/>
+              </a:spcAft>
+              <a:buClr>
+                <a:srgbClr val="000000"/>
+              </a:buClr>
+              <a:buFont typeface="Arial"/>
+              <a:buChar char="•"/>
+            </a:pPr>
+            <a:r>
+              <a:rPr lang="en-US" altLang="ko-KR" sz="2800" cap="none" dirty="0" smtClean="0" b="0" strike="noStrike">
+                <a:solidFill>
+                  <a:srgbClr val="000000"/>
+                </a:solidFill>
+                <a:latin typeface="Calibri" charset="0"/>
+                <a:ea typeface="Calibri" charset="0"/>
+              </a:rPr>
+              <a:t>그리고 오늘 배운 웹 파싱을 응용하요</a:t>
+            </a:r>
+            <a:endParaRPr lang="ko-KR" altLang="en-US" sz="2800" cap="none" dirty="0" smtClean="0" b="0" strike="noStrike">
+              <a:solidFill>
+                <a:srgbClr val="000000"/>
+              </a:solidFill>
+              <a:latin typeface="Calibri" charset="0"/>
+              <a:ea typeface="Calibri" charset="0"/>
+            </a:endParaRPr>
+          </a:p>
+          <a:p>
+            <a:pPr marL="228600" indent="-227965" algn="l" fontAlgn="auto" defTabSz="914400" eaLnBrk="0" latinLnBrk="0">
+              <a:lnSpc>
+                <a:spcPct val="90000"/>
+              </a:lnSpc>
+              <a:spcBef>
+                <a:spcPts val="1000"/>
+              </a:spcBef>
+              <a:spcAft>
+                <a:spcPts val="0"/>
+              </a:spcAft>
+              <a:buClr>
+                <a:srgbClr val="000000"/>
+              </a:buClr>
+              <a:buFont typeface="Arial"/>
+              <a:buChar char="•"/>
+            </a:pPr>
+            <a:r>
+              <a:rPr lang="en-US" altLang="ko-KR" sz="2800" cap="none" dirty="0" smtClean="0" b="0" strike="noStrike">
+                <a:solidFill>
+                  <a:srgbClr val="000000"/>
+                </a:solidFill>
+                <a:latin typeface="Calibri" charset="0"/>
+                <a:ea typeface="Calibri" charset="0"/>
+              </a:rPr>
+              <a:t>과사 페이지 하나 골라서 만들어보십시오</a:t>
+            </a:r>
+            <a:endParaRPr lang="ko-KR" altLang="en-US" sz="2800" cap="none" dirty="0" smtClean="0" b="0" strike="noStrike">
+              <a:solidFill>
+                <a:srgbClr val="000000"/>
+              </a:solidFill>
+              <a:latin typeface="Calibri" charset="0"/>
+              <a:ea typeface="Calibri" charset="0"/>
+            </a:endParaRPr>
+          </a:p>
+          <a:p>
+            <a:pPr marL="0" indent="0" algn="l" fontAlgn="auto" defTabSz="914400" eaLnBrk="0" latinLnBrk="0">
+              <a:lnSpc>
+                <a:spcPct val="90000"/>
+              </a:lnSpc>
+              <a:spcBef>
+                <a:spcPts val="1000"/>
+              </a:spcBef>
+              <a:spcAft>
+                <a:spcPts val="0"/>
+              </a:spcAft>
+              <a:buFontTx/>
+              <a:buNone/>
+            </a:pPr>
+            <a:endParaRPr lang="ko-KR" altLang="en-US" sz="2800" cap="none" dirty="0" smtClean="0" b="0" strike="noStrike">
+              <a:solidFill>
+                <a:srgbClr val="000000"/>
+              </a:solidFill>
+              <a:latin typeface="Calibri" charset="0"/>
+              <a:ea typeface="Calibri" charset="0"/>
+            </a:endParaRPr>
+          </a:p>
+        </p:txBody>
+      </p:sp>
+    </p:spTree>
+  </p:cSld>
+  <mc:AlternateContent xmlns:mc="http://schemas.openxmlformats.org/markup-compatibility/2006">
+    <mc:Choice xmlns:p14="http://schemas.microsoft.com/office/powerpoint/2010/main" Requires="p14">
+      <p:transition spd="slow" p14:dur="2000"/>
+    </mc:Choice>
+    <mc:Fallback>
+      <p:transition spd="slow"/>
+    </mc:Fallback>
+  </mc:AlternateContent>
+  <p:timing>
+    <p:tnLst>
+      <p:par>
+        <p:cTn id="53" dur="indefinite" restart="never" nodeType="tmRoot">
+          <p:childTnLst>
+            <p:seq concurrent="0">
+              <p:cTn id="54" nodeType="mainSeq"/>
+              <p:prevCondLst>
+                <p:cond evt="onPrev" delay="0">
+                  <p:tgtEl>
+                    <p:sldTgt/>
+                  </p:tgtEl>
+                </p:cond>
+              </p:prevCondLst>
+              <p:nextCondLst>
+                <p:cond evt="onNext" delay="0">
+                  <p:tgtEl>
+                    <p:sldTgt/>
+                  </p:tgtEl>
+                </p:cond>
+              </p:nextCondLst>
+            </p:seq>
+          </p:childTnLst>
+        </p:cTn>
+      </p:par>
+    </p:tnLst>
+  </p:timing>
+</p:sld>
+</file>
+
+<file path=ppt/slides/slide3.xml><?xml version="1.0" encoding="utf-8"?>
+<p:sld xmlns:a="http://schemas.openxmlformats.org/drawingml/2006/main" xmlns:r="http://schemas.openxmlformats.org/officeDocument/2006/relationships" xmlns:p="http://schemas.openxmlformats.org/presentationml/2006/main">
+  <p:cSld>
+    <p:spTree>
+      <p:nvGrpSpPr>
+        <p:cNvPr id="1" name=""/>
+        <p:cNvGrpSpPr/>
+        <p:nvPr/>
+      </p:nvGrpSpPr>
+      <p:grpSpPr>
+        <a:xfrm>
+          <a:off x="0" y="0"/>
+          <a:ext cx="0" cy="0"/>
+          <a:chOff x="0" y="0"/>
+          <a:chExt cx="0" cy="0"/>
+        </a:xfrm>
+      </p:grpSpPr>
+      <p:sp>
+        <p:nvSpPr>
+          <p:cNvPr id="84" name="TextShape 83"/>
+          <p:cNvSpPr txBox="1">
+            <a:spLocks/>
+          </p:cNvSpPr>
           <p:nvPr/>
         </p:nvSpPr>
         <p:spPr>
-          <a:xfrm>
-            <a:off x="-42480" y="4524120"/>
-            <a:ext cx="3376440" cy="2610000"/>
-          </a:xfrm>
-          <a:prstGeom prst="rect">
-            <a:avLst/>
-          </a:prstGeom>
+          <a:xfrm rot="0">
+            <a:off x="838200" y="365125"/>
+            <a:ext cx="10515600" cy="1325880"/>
+          </a:xfrm>
+          <a:prstGeom prst="rect"/>
           <a:noFill/>
-          <a:ln>
+          <a:ln w="0">
             <a:noFill/>
+            <a:prstDash/>
+          </a:ln>
+        </p:spPr>
+        <p:txBody>
+          <a:bodyPr wrap="square" lIns="91440" tIns="45720" rIns="91440" bIns="45720" vert="horz" anchor="ctr">
+            <a:noAutofit/>
+          </a:bodyPr>
+          <a:lstStyle/>
+          <a:p>
+            <a:pPr marL="0" indent="0" algn="l" fontAlgn="auto" defTabSz="914400" eaLnBrk="0" latinLnBrk="0">
+              <a:lnSpc>
+                <a:spcPct val="90000"/>
+              </a:lnSpc>
+              <a:spcBef>
+                <a:spcPts val="0"/>
+              </a:spcBef>
+              <a:spcAft>
+                <a:spcPts val="0"/>
+              </a:spcAft>
+              <a:buFontTx/>
+              <a:buNone/>
+            </a:pPr>
+            <a:r>
+              <a:rPr lang="en-US" altLang="ko-KR" sz="4400" cap="none" dirty="0" smtClean="0" b="0" strike="noStrike">
+                <a:solidFill>
+                  <a:srgbClr val="000000"/>
+                </a:solidFill>
+                <a:latin typeface="Calibri Light" charset="0"/>
+                <a:ea typeface="Calibri Light" charset="0"/>
+              </a:rPr>
+              <a:t>왜 파이썬?</a:t>
+            </a:r>
+            <a:endParaRPr lang="ko-KR" altLang="en-US" sz="4400" cap="none" dirty="0" smtClean="0" b="0" strike="noStrike">
+              <a:solidFill>
+                <a:srgbClr val="000000"/>
+              </a:solidFill>
+              <a:latin typeface="Calibri Light" charset="0"/>
+              <a:ea typeface="Calibri Light" charset="0"/>
+            </a:endParaRPr>
+          </a:p>
+        </p:txBody>
+      </p:sp>
+      <p:sp>
+        <p:nvSpPr>
+          <p:cNvPr id="85" name="TextShape 84"/>
+          <p:cNvSpPr txBox="1">
+            <a:spLocks/>
+          </p:cNvSpPr>
+          <p:nvPr/>
+        </p:nvSpPr>
+        <p:spPr>
+          <a:xfrm rot="0">
+            <a:off x="838200" y="1825625"/>
+            <a:ext cx="10515600" cy="4351655"/>
+          </a:xfrm>
+          <a:prstGeom prst="rect"/>
+          <a:noFill/>
+          <a:ln w="0">
+            <a:noFill/>
+            <a:prstDash/>
+          </a:ln>
+        </p:spPr>
+        <p:txBody>
+          <a:bodyPr wrap="square" lIns="91440" tIns="45720" rIns="91440" bIns="45720" vert="horz" anchor="t">
+            <a:noAutofit/>
+          </a:bodyPr>
+          <a:lstStyle/>
+          <a:p>
+            <a:pPr marL="228600" indent="-227965" algn="l" fontAlgn="auto" defTabSz="914400" eaLnBrk="0" latinLnBrk="0">
+              <a:lnSpc>
+                <a:spcPct val="90000"/>
+              </a:lnSpc>
+              <a:spcBef>
+                <a:spcPts val="1000"/>
+              </a:spcBef>
+              <a:spcAft>
+                <a:spcPts val="0"/>
+              </a:spcAft>
+              <a:buClr>
+                <a:srgbClr val="000000"/>
+              </a:buClr>
+              <a:buFont typeface="Arial"/>
+              <a:buChar char="•"/>
+            </a:pPr>
+            <a:r>
+              <a:rPr lang="en-US" altLang="ko-KR" sz="2800" cap="none" dirty="0" smtClean="0" b="0" strike="noStrike">
+                <a:solidFill>
+                  <a:srgbClr val="000000"/>
+                </a:solidFill>
+                <a:latin typeface="Calibri" charset="0"/>
+                <a:ea typeface="Calibri" charset="0"/>
+              </a:rPr>
+              <a:t>간결한 문법</a:t>
+            </a:r>
+            <a:endParaRPr lang="ko-KR" altLang="en-US" sz="2800" cap="none" dirty="0" smtClean="0" b="0" strike="noStrike">
+              <a:solidFill>
+                <a:srgbClr val="000000"/>
+              </a:solidFill>
+              <a:latin typeface="Calibri" charset="0"/>
+              <a:ea typeface="Calibri" charset="0"/>
+            </a:endParaRPr>
+          </a:p>
+          <a:p>
+            <a:pPr marL="0" indent="0" algn="l" fontAlgn="auto" defTabSz="914400" eaLnBrk="0" latinLnBrk="0">
+              <a:lnSpc>
+                <a:spcPct val="90000"/>
+              </a:lnSpc>
+              <a:spcBef>
+                <a:spcPts val="1000"/>
+              </a:spcBef>
+              <a:spcAft>
+                <a:spcPts val="0"/>
+              </a:spcAft>
+              <a:buFontTx/>
+              <a:buNone/>
+            </a:pPr>
+            <a:endParaRPr lang="ko-KR" altLang="en-US" sz="2800" cap="none" dirty="0" smtClean="0" b="0" strike="noStrike">
+              <a:solidFill>
+                <a:srgbClr val="000000"/>
+              </a:solidFill>
+              <a:latin typeface="Calibri" charset="0"/>
+              <a:ea typeface="Calibri" charset="0"/>
+            </a:endParaRPr>
+          </a:p>
+        </p:txBody>
+      </p:sp>
+      <p:pic>
+        <p:nvPicPr>
+          <p:cNvPr id="86" name="그림 85" descr="C:/Users/ekstr/AppData/Roaming/PolarisOffice/ETemp/11880_52988896/image1.png"/>
+          <p:cNvPicPr>
+            <a:picLocks/>
+          </p:cNvPicPr>
+          <p:nvPr/>
+        </p:nvPicPr>
+        <p:blipFill rotWithShape="1">
+          <a:blip r:embed="rId2">
+            <a:extLst>
+              <a:ext uri="{28A0092B-C50C-407E-A947-70E740481C1C}">
+                <a14:useLocalDpi xmlns:a14="http://schemas.microsoft.com/office/drawing/2010/main" val="0"/>
+              </a:ext>
+            </a:extLst>
+          </a:blip>
+          <a:srcRect/>
+          <a:stretch>
+            <a:fillRect/>
+          </a:stretch>
+        </p:blipFill>
+        <p:spPr>
+          <a:xfrm rot="0">
+            <a:off x="454660" y="2600960"/>
+            <a:ext cx="6457315" cy="1774190"/>
+          </a:xfrm>
+          <a:prstGeom prst="rect"/>
+          <a:noFill/>
+          <a:ln w="0">
+            <a:noFill/>
+            <a:prstDash/>
+          </a:ln>
+        </p:spPr>
+      </p:pic>
+      <p:pic>
+        <p:nvPicPr>
+          <p:cNvPr id="87" name="그림 86" descr="C:/Users/ekstr/AppData/Roaming/PolarisOffice/ETemp/11880_52988896/image2.png"/>
+          <p:cNvPicPr>
+            <a:picLocks/>
+          </p:cNvPicPr>
+          <p:nvPr/>
+        </p:nvPicPr>
+        <p:blipFill rotWithShape="1">
+          <a:blip r:embed="rId3">
+            <a:extLst>
+              <a:ext uri="{28A0092B-C50C-407E-A947-70E740481C1C}">
+                <a14:useLocalDpi xmlns:a14="http://schemas.microsoft.com/office/drawing/2010/main" val="0"/>
+              </a:ext>
+            </a:extLst>
+          </a:blip>
+          <a:srcRect/>
+          <a:stretch>
+            <a:fillRect/>
+          </a:stretch>
+        </p:blipFill>
+        <p:spPr>
+          <a:xfrm rot="0">
+            <a:off x="6527800" y="2600960"/>
+            <a:ext cx="4202430" cy="828040"/>
+          </a:xfrm>
+          <a:prstGeom prst="rect"/>
+          <a:noFill/>
+          <a:ln w="0">
+            <a:noFill/>
+            <a:prstDash/>
+          </a:ln>
+        </p:spPr>
+      </p:pic>
+      <p:sp>
+        <p:nvSpPr>
+          <p:cNvPr id="88" name="CustomShape 87"/>
+          <p:cNvSpPr>
+            <a:spLocks/>
+          </p:cNvSpPr>
+          <p:nvPr/>
+        </p:nvSpPr>
+        <p:spPr>
+          <a:xfrm rot="0">
+            <a:off x="838200" y="4570730"/>
+            <a:ext cx="10515600" cy="4351655"/>
+          </a:xfrm>
+          <a:prstGeom prst="rect"/>
+          <a:noFill/>
+          <a:ln w="0">
+            <a:noFill/>
+            <a:prstDash/>
           </a:ln>
         </p:spPr>
         <p:style>
@@ -10308,17 +11005,21 @@
           <a:fontRef idx="minor"/>
         </p:style>
         <p:txBody>
-          <a:bodyPr>
-            <a:normAutofit/>
+          <a:bodyPr wrap="square" lIns="91440" tIns="45720" rIns="91440" bIns="45720" vert="horz" anchor="t">
+            <a:normAutofit fontScale="100000" lnSpcReduction="0"/>
           </a:bodyPr>
-          <a:p>
-            <a:pPr marL="228600" indent="-228240">
+          <a:lstStyle/>
+          <a:p>
+            <a:pPr marL="228600" indent="-227965" algn="l" fontAlgn="auto" defTabSz="914400" eaLnBrk="0" latinLnBrk="0">
               <a:lnSpc>
                 <a:spcPct val="90000"/>
               </a:lnSpc>
               <a:spcBef>
-                <a:spcPts val="1001"/>
+                <a:spcPts val="1000"/>
               </a:spcBef>
+              <a:spcAft>
+                <a:spcPts val="0"/>
+              </a:spcAft>
               <a:buClr>
                 <a:srgbClr val="000000"/>
               </a:buClr>
@@ -10326,452 +11027,88 @@
               <a:buChar char="•"/>
             </a:pPr>
             <a:r>
-              <a:rPr b="0" lang="en-US" sz="1800" spc="-1" strike="noStrike">
-                <a:solidFill>
-                  <a:srgbClr val="000000"/>
-                </a:solidFill>
-                <a:uFill>
-                  <a:solidFill>
-                    <a:srgbClr val="ffffff"/>
-                  </a:solidFill>
-                </a:uFill>
-                <a:latin typeface="Calibri"/>
-              </a:rPr>
-              <a:t>드랍박스 클라이언트</a:t>
-            </a:r>
-            <a:endParaRPr b="0" lang="en-US" sz="1800" spc="-1" strike="noStrike">
-              <a:solidFill>
-                <a:srgbClr val="000000"/>
-              </a:solidFill>
-              <a:uFill>
-                <a:solidFill>
-                  <a:srgbClr val="ffffff"/>
-                </a:solidFill>
-              </a:uFill>
-              <a:latin typeface="Arial"/>
+              <a:rPr lang="en-US" altLang="ko-KR" sz="2800" cap="none" dirty="0" smtClean="0" b="0" strike="noStrike">
+                <a:solidFill>
+                  <a:srgbClr val="000000"/>
+                </a:solidFill>
+                <a:latin typeface="Calibri" charset="0"/>
+                <a:ea typeface="Calibri" charset="0"/>
+              </a:rPr>
+              <a:t>빠른 설치 또는 기본 설치</a:t>
+            </a:r>
+            <a:endParaRPr lang="ko-KR" altLang="en-US" sz="2800" cap="none" dirty="0" smtClean="0" b="0" strike="noStrike">
+              <a:solidFill>
+                <a:srgbClr val="000000"/>
+              </a:solidFill>
+              <a:latin typeface="Calibri" charset="0"/>
+              <a:ea typeface="Calibri" charset="0"/>
             </a:endParaRPr>
           </a:p>
         </p:txBody>
       </p:sp>
       <p:pic>
         <p:nvPicPr>
-          <p:cNvPr id="93" name="Picture 2" descr=""/>
-          <p:cNvPicPr/>
+          <p:cNvPr id="89" name="그림 88" descr="C:/Users/ekstr/AppData/Roaming/PolarisOffice/ETemp/11880_52988896/image3.png"/>
+          <p:cNvPicPr>
+            <a:picLocks/>
+          </p:cNvPicPr>
           <p:nvPr/>
         </p:nvPicPr>
-        <p:blipFill>
-          <a:blip r:embed="rId1"/>
-          <a:stretch/>
+        <p:blipFill rotWithShape="1">
+          <a:blip r:embed="rId4">
+            <a:extLst>
+              <a:ext uri="{28A0092B-C50C-407E-A947-70E740481C1C}">
+                <a14:useLocalDpi xmlns:a14="http://schemas.microsoft.com/office/drawing/2010/main" val="0"/>
+              </a:ext>
+            </a:extLst>
+          </a:blip>
+          <a:srcRect/>
+          <a:stretch>
+            <a:fillRect/>
+          </a:stretch>
         </p:blipFill>
         <p:spPr>
-          <a:xfrm>
-            <a:off x="370440" y="2595600"/>
-            <a:ext cx="1666440" cy="1666440"/>
-          </a:xfrm>
-          <a:prstGeom prst="rect">
-            <a:avLst/>
-          </a:prstGeom>
-          <a:ln>
+          <a:xfrm rot="0">
+            <a:off x="454660" y="5188585"/>
+            <a:ext cx="7887335" cy="1266825"/>
+          </a:xfrm>
+          <a:prstGeom prst="rect"/>
+          <a:noFill/>
+          <a:ln w="0">
             <a:noFill/>
+            <a:prstDash/>
           </a:ln>
         </p:spPr>
       </p:pic>
-      <p:pic>
-        <p:nvPicPr>
-          <p:cNvPr id="94" name="Picture 4" descr=""/>
-          <p:cNvPicPr/>
-          <p:nvPr/>
-        </p:nvPicPr>
-        <p:blipFill>
-          <a:blip r:embed="rId2"/>
-          <a:stretch/>
-        </p:blipFill>
-        <p:spPr>
-          <a:xfrm>
-            <a:off x="3185640" y="2595600"/>
-            <a:ext cx="1666440" cy="1666440"/>
-          </a:xfrm>
-          <a:prstGeom prst="rect">
-            <a:avLst/>
-          </a:prstGeom>
-          <a:ln>
-            <a:noFill/>
-          </a:ln>
-        </p:spPr>
-      </p:pic>
-      <p:pic>
-        <p:nvPicPr>
-          <p:cNvPr id="95" name="Picture 6" descr=""/>
-          <p:cNvPicPr/>
-          <p:nvPr/>
-        </p:nvPicPr>
-        <p:blipFill>
-          <a:blip r:embed="rId3"/>
-          <a:stretch/>
-        </p:blipFill>
-        <p:spPr>
-          <a:xfrm>
-            <a:off x="6000480" y="2632680"/>
-            <a:ext cx="2499840" cy="1666440"/>
-          </a:xfrm>
-          <a:prstGeom prst="rect">
-            <a:avLst/>
-          </a:prstGeom>
-          <a:ln>
-            <a:noFill/>
-          </a:ln>
-        </p:spPr>
-      </p:pic>
-      <p:sp>
-        <p:nvSpPr>
-          <p:cNvPr id="96" name="CustomShape 4"/>
-          <p:cNvSpPr/>
-          <p:nvPr/>
-        </p:nvSpPr>
-        <p:spPr>
-          <a:xfrm>
-            <a:off x="2623680" y="4524120"/>
-            <a:ext cx="3004200" cy="2610000"/>
-          </a:xfrm>
-          <a:prstGeom prst="rect">
-            <a:avLst/>
-          </a:prstGeom>
-          <a:noFill/>
-          <a:ln>
-            <a:noFill/>
-          </a:ln>
-        </p:spPr>
-        <p:style>
-          <a:lnRef idx="0"/>
-          <a:fillRef idx="0"/>
-          <a:effectRef idx="0"/>
-          <a:fontRef idx="minor"/>
-        </p:style>
-        <p:txBody>
-          <a:bodyPr>
-            <a:normAutofit/>
-          </a:bodyPr>
-          <a:p>
-            <a:pPr marL="228600" indent="-228240">
-              <a:lnSpc>
-                <a:spcPct val="90000"/>
-              </a:lnSpc>
-              <a:spcBef>
-                <a:spcPts val="1001"/>
-              </a:spcBef>
-              <a:buClr>
-                <a:srgbClr val="000000"/>
-              </a:buClr>
-              <a:buFont typeface="Arial"/>
-              <a:buChar char="•"/>
-            </a:pPr>
-            <a:r>
-              <a:rPr b="0" lang="en-US" sz="1800" spc="-1" strike="noStrike">
-                <a:solidFill>
-                  <a:srgbClr val="000000"/>
-                </a:solidFill>
-                <a:uFill>
-                  <a:solidFill>
-                    <a:srgbClr val="ffffff"/>
-                  </a:solidFill>
-                </a:uFill>
-                <a:latin typeface="Calibri"/>
-              </a:rPr>
-              <a:t>모든 </a:t>
-            </a:r>
-            <a:r>
-              <a:rPr b="0" lang="en-US" sz="1800" spc="-1" strike="noStrike">
-                <a:solidFill>
-                  <a:srgbClr val="000000"/>
-                </a:solidFill>
-                <a:uFill>
-                  <a:solidFill>
-                    <a:srgbClr val="ffffff"/>
-                  </a:solidFill>
-                </a:uFill>
-                <a:latin typeface="Calibri"/>
-              </a:rPr>
-              <a:t>API</a:t>
-            </a:r>
-            <a:r>
-              <a:rPr b="0" lang="en-US" sz="1800" spc="-1" strike="noStrike">
-                <a:solidFill>
-                  <a:srgbClr val="000000"/>
-                </a:solidFill>
-                <a:uFill>
-                  <a:solidFill>
-                    <a:srgbClr val="ffffff"/>
-                  </a:solidFill>
-                </a:uFill>
-                <a:latin typeface="Calibri"/>
-              </a:rPr>
-              <a:t>는 파이썬 호환및 개발</a:t>
-            </a:r>
-            <a:endParaRPr b="0" lang="en-US" sz="1800" spc="-1" strike="noStrike">
-              <a:solidFill>
-                <a:srgbClr val="000000"/>
-              </a:solidFill>
-              <a:uFill>
-                <a:solidFill>
-                  <a:srgbClr val="ffffff"/>
-                </a:solidFill>
-              </a:uFill>
-              <a:latin typeface="Arial"/>
-            </a:endParaRPr>
-          </a:p>
-        </p:txBody>
-      </p:sp>
-      <p:sp>
-        <p:nvSpPr>
-          <p:cNvPr id="97" name="CustomShape 5"/>
-          <p:cNvSpPr/>
-          <p:nvPr/>
-        </p:nvSpPr>
-        <p:spPr>
-          <a:xfrm>
-            <a:off x="5725080" y="4529160"/>
-            <a:ext cx="3004200" cy="2610000"/>
-          </a:xfrm>
-          <a:prstGeom prst="rect">
-            <a:avLst/>
-          </a:prstGeom>
-          <a:noFill/>
-          <a:ln>
-            <a:noFill/>
-          </a:ln>
-        </p:spPr>
-        <p:style>
-          <a:lnRef idx="0"/>
-          <a:fillRef idx="0"/>
-          <a:effectRef idx="0"/>
-          <a:fontRef idx="minor"/>
-        </p:style>
-        <p:txBody>
-          <a:bodyPr>
-            <a:normAutofit/>
-          </a:bodyPr>
-          <a:p>
-            <a:pPr marL="228600" indent="-228240">
-              <a:lnSpc>
-                <a:spcPct val="90000"/>
-              </a:lnSpc>
-              <a:spcBef>
-                <a:spcPts val="1001"/>
-              </a:spcBef>
-              <a:buClr>
-                <a:srgbClr val="000000"/>
-              </a:buClr>
-              <a:buFont typeface="Arial"/>
-              <a:buChar char="•"/>
-            </a:pPr>
-            <a:r>
-              <a:rPr b="0" lang="en-US" sz="1800" spc="-1" strike="noStrike">
-                <a:solidFill>
-                  <a:srgbClr val="000000"/>
-                </a:solidFill>
-                <a:uFill>
-                  <a:solidFill>
-                    <a:srgbClr val="ffffff"/>
-                  </a:solidFill>
-                </a:uFill>
-                <a:latin typeface="Calibri"/>
-              </a:rPr>
-              <a:t>Analytic Department</a:t>
-            </a:r>
-            <a:r>
-              <a:rPr b="0" lang="en-US" sz="1800" spc="-1" strike="noStrike">
-                <a:solidFill>
-                  <a:srgbClr val="000000"/>
-                </a:solidFill>
-                <a:uFill>
-                  <a:solidFill>
-                    <a:srgbClr val="ffffff"/>
-                  </a:solidFill>
-                </a:uFill>
-                <a:latin typeface="Calibri"/>
-              </a:rPr>
-              <a:t>에서 주로 사용을 한다</a:t>
-            </a:r>
-            <a:endParaRPr b="0" lang="en-US" sz="1800" spc="-1" strike="noStrike">
-              <a:solidFill>
-                <a:srgbClr val="000000"/>
-              </a:solidFill>
-              <a:uFill>
-                <a:solidFill>
-                  <a:srgbClr val="ffffff"/>
-                </a:solidFill>
-              </a:uFill>
-              <a:latin typeface="Arial"/>
-            </a:endParaRPr>
-          </a:p>
-        </p:txBody>
-      </p:sp>
-      <p:pic>
-        <p:nvPicPr>
-          <p:cNvPr id="98" name="Picture 8" descr=""/>
-          <p:cNvPicPr/>
-          <p:nvPr/>
-        </p:nvPicPr>
-        <p:blipFill>
-          <a:blip r:embed="rId4"/>
-          <a:stretch/>
-        </p:blipFill>
-        <p:spPr>
-          <a:xfrm>
-            <a:off x="9649080" y="2632680"/>
-            <a:ext cx="1688760" cy="1666440"/>
-          </a:xfrm>
-          <a:prstGeom prst="rect">
-            <a:avLst/>
-          </a:prstGeom>
-          <a:ln>
-            <a:noFill/>
-          </a:ln>
-        </p:spPr>
-      </p:pic>
-      <p:sp>
-        <p:nvSpPr>
-          <p:cNvPr id="99" name="CustomShape 6"/>
-          <p:cNvSpPr/>
-          <p:nvPr/>
-        </p:nvSpPr>
-        <p:spPr>
-          <a:xfrm>
-            <a:off x="8991720" y="4527360"/>
-            <a:ext cx="3004200" cy="2610000"/>
-          </a:xfrm>
-          <a:prstGeom prst="rect">
-            <a:avLst/>
-          </a:prstGeom>
-          <a:noFill/>
-          <a:ln>
-            <a:noFill/>
-          </a:ln>
-        </p:spPr>
-        <p:style>
-          <a:lnRef idx="0"/>
-          <a:fillRef idx="0"/>
-          <a:effectRef idx="0"/>
-          <a:fontRef idx="minor"/>
-        </p:style>
-        <p:txBody>
-          <a:bodyPr>
-            <a:normAutofit/>
-          </a:bodyPr>
-          <a:p>
-            <a:pPr marL="228600" indent="-228240">
-              <a:lnSpc>
-                <a:spcPct val="90000"/>
-              </a:lnSpc>
-              <a:spcBef>
-                <a:spcPts val="1001"/>
-              </a:spcBef>
-              <a:buClr>
-                <a:srgbClr val="000000"/>
-              </a:buClr>
-              <a:buFont typeface="Arial"/>
-              <a:buChar char="•"/>
-            </a:pPr>
-            <a:r>
-              <a:rPr b="0" lang="en-US" sz="1800" spc="-1" strike="noStrike">
-                <a:solidFill>
-                  <a:srgbClr val="000000"/>
-                </a:solidFill>
-                <a:uFill>
-                  <a:solidFill>
-                    <a:srgbClr val="ffffff"/>
-                  </a:solidFill>
-                </a:uFill>
-                <a:latin typeface="Calibri"/>
-              </a:rPr>
-              <a:t>Go, C++</a:t>
-            </a:r>
-            <a:r>
-              <a:rPr b="0" lang="en-US" sz="1800" spc="-1" strike="noStrike">
-                <a:solidFill>
-                  <a:srgbClr val="000000"/>
-                </a:solidFill>
-                <a:uFill>
-                  <a:solidFill>
-                    <a:srgbClr val="ffffff"/>
-                  </a:solidFill>
-                </a:uFill>
-                <a:latin typeface="Calibri"/>
-              </a:rPr>
-              <a:t>과 파이썬을 주로 이용</a:t>
-            </a:r>
-            <a:endParaRPr b="0" lang="en-US" sz="1800" spc="-1" strike="noStrike">
-              <a:solidFill>
-                <a:srgbClr val="000000"/>
-              </a:solidFill>
-              <a:uFill>
-                <a:solidFill>
-                  <a:srgbClr val="ffffff"/>
-                </a:solidFill>
-              </a:uFill>
-              <a:latin typeface="Arial"/>
-            </a:endParaRPr>
-          </a:p>
-          <a:p>
-            <a:pPr marL="228600" indent="-228240">
-              <a:lnSpc>
-                <a:spcPct val="90000"/>
-              </a:lnSpc>
-              <a:spcBef>
-                <a:spcPts val="1001"/>
-              </a:spcBef>
-              <a:buClr>
-                <a:srgbClr val="000000"/>
-              </a:buClr>
-              <a:buFont typeface="Arial"/>
-              <a:buChar char="•"/>
-            </a:pPr>
-            <a:r>
-              <a:rPr b="0" lang="en-US" sz="1800" spc="-1" strike="noStrike">
-                <a:solidFill>
-                  <a:srgbClr val="000000"/>
-                </a:solidFill>
-                <a:uFill>
-                  <a:solidFill>
-                    <a:srgbClr val="ffffff"/>
-                  </a:solidFill>
-                </a:uFill>
-                <a:latin typeface="Calibri"/>
-              </a:rPr>
-              <a:t>빠른 개발 및 변경시때는 파이썬으로 개발</a:t>
-            </a:r>
-            <a:endParaRPr b="0" lang="en-US" sz="1800" spc="-1" strike="noStrike">
-              <a:solidFill>
-                <a:srgbClr val="000000"/>
-              </a:solidFill>
-              <a:uFill>
-                <a:solidFill>
-                  <a:srgbClr val="ffffff"/>
-                </a:solidFill>
-              </a:uFill>
-              <a:latin typeface="Arial"/>
-            </a:endParaRPr>
-          </a:p>
-        </p:txBody>
-      </p:sp>
     </p:spTree>
   </p:cSld>
+  <p:clrMapOvr>
+    <a:masterClrMapping/>
+  </p:clrMapOvr>
+  <mc:AlternateContent xmlns:mc="http://schemas.openxmlformats.org/markup-compatibility/2006">
+    <mc:Choice xmlns:p14="http://schemas.microsoft.com/office/powerpoint/2010/main" Requires="p14">
+      <p:transition spd="slow" p14:dur="2000"/>
+    </mc:Choice>
+    <mc:Fallback>
+      <p:transition spd="slow"/>
+    </mc:Fallback>
+  </mc:AlternateContent>
   <p:timing>
     <p:tnLst>
       <p:par>
-        <p:cTn id="5" dur="indefinite" restart="never" nodeType="tmRoot">
+        <p:cTn id="3" dur="indefinite" restart="never" nodeType="tmRoot">
           <p:childTnLst>
-            <p:seq>
-              <p:cTn id="6" nodeType="mainSeq"/>
+            <p:seq concurrent="0">
+              <p:cTn id="4" nodeType="mainSeq"/>
               <p:prevCondLst>
-                <p:cond delay="0" evt="onPrev">
+                <p:cond evt="onPrev" delay="0">
                   <p:tgtEl>
                     <p:sldTgt/>
                   </p:tgtEl>
                 </p:cond>
               </p:prevCondLst>
               <p:nextCondLst>
-                <p:cond delay="0" evt="onNext">
+                <p:cond evt="onNext" delay="0">
                   <p:tgtEl>
                     <p:sldTgt/>
                   </p:tgtEl>
@@ -10805,14 +11142,14 @@
       </p:grpSpPr>
       <p:sp>
         <p:nvSpPr>
-          <p:cNvPr id="100" name="TextShape 1"/>
+          <p:cNvPr id="90" name="TextShape 1"/>
           <p:cNvSpPr txBox="1"/>
           <p:nvPr/>
         </p:nvSpPr>
         <p:spPr>
           <a:xfrm>
-            <a:off x="838080" y="365040"/>
-            <a:ext cx="10515240" cy="1325160"/>
+            <a:off x="838200" y="365125"/>
+            <a:ext cx="10514965" cy="1325245"/>
           </a:xfrm>
           <a:prstGeom prst="rect">
             <a:avLst/>
@@ -10872,133 +11209,61 @@
           </a:p>
         </p:txBody>
       </p:sp>
-      <p:sp>
-        <p:nvSpPr>
-          <p:cNvPr id="101" name="TextShape 2"/>
-          <p:cNvSpPr txBox="1"/>
-          <p:nvPr/>
-        </p:nvSpPr>
-        <p:spPr>
-          <a:xfrm>
-            <a:off x="838080" y="1825560"/>
-            <a:ext cx="10515240" cy="4350960"/>
-          </a:xfrm>
-          <a:prstGeom prst="rect">
-            <a:avLst/>
-          </a:prstGeom>
-          <a:noFill/>
-          <a:ln>
-            <a:noFill/>
-          </a:ln>
-        </p:spPr>
-        <p:txBody>
-          <a:bodyPr/>
-          <a:p>
-            <a:pPr marL="228600" indent="-228240">
-              <a:lnSpc>
-                <a:spcPct val="90000"/>
-              </a:lnSpc>
-              <a:spcBef>
-                <a:spcPts val="1001"/>
-              </a:spcBef>
-              <a:buClr>
-                <a:srgbClr val="000000"/>
-              </a:buClr>
-              <a:buFont typeface="Arial"/>
-              <a:buChar char="•"/>
-            </a:pPr>
-            <a:r>
-              <a:rPr b="0" lang="en-US" sz="2800" spc="-1" strike="noStrike">
-                <a:solidFill>
-                  <a:srgbClr val="000000"/>
-                </a:solidFill>
-                <a:uFill>
-                  <a:solidFill>
-                    <a:srgbClr val="ffffff"/>
-                  </a:solidFill>
-                </a:uFill>
-                <a:latin typeface="Calibri"/>
-              </a:rPr>
-              <a:t>쉽고 많은 응용</a:t>
-            </a:r>
-            <a:endParaRPr b="0" lang="en-US" sz="2800" spc="-1" strike="noStrike">
-              <a:solidFill>
-                <a:srgbClr val="000000"/>
-              </a:solidFill>
-              <a:uFill>
-                <a:solidFill>
-                  <a:srgbClr val="ffffff"/>
-                </a:solidFill>
-              </a:uFill>
-              <a:latin typeface="Calibri"/>
-            </a:endParaRPr>
-          </a:p>
-        </p:txBody>
-      </p:sp>
       <p:pic>
         <p:nvPicPr>
-          <p:cNvPr id="102" name="그림 12" descr=""/>
-          <p:cNvPicPr/>
+          <p:cNvPr id="91" name="Picture 90" descr="C:/Users/ekstr/AppData/Roaming/PolarisOffice/ETemp/11880_52988896/fImage23948330041.png"/>
+          <p:cNvPicPr>
+            <a:picLocks noChangeAspect="1"/>
+          </p:cNvPicPr>
           <p:nvPr/>
         </p:nvPicPr>
-        <p:blipFill>
-          <a:blip r:embed="rId1"/>
-          <a:stretch/>
+        <p:blipFill rotWithShape="1">
+          <a:blip r:embed="rId5">
+            <a:extLst>
+              <a:ext uri="{28A0092B-C50C-407E-A947-70E740481C1C}">
+                <a14:useLocalDpi xmlns:a14="http://schemas.microsoft.com/office/drawing/2010/main" val="0"/>
+              </a:ext>
+            </a:extLst>
+          </a:blip>
+          <a:stretch>
+            <a:fillRect/>
+          </a:stretch>
         </p:blipFill>
         <p:spPr>
-          <a:xfrm>
-            <a:off x="2290680" y="2286000"/>
-            <a:ext cx="7610040" cy="2657160"/>
-          </a:xfrm>
-          <a:prstGeom prst="rect">
-            <a:avLst/>
-          </a:prstGeom>
-          <a:ln>
-            <a:noFill/>
-          </a:ln>
-        </p:spPr>
-      </p:pic>
-      <p:pic>
-        <p:nvPicPr>
-          <p:cNvPr id="103" name="그림 3" descr=""/>
-          <p:cNvPicPr/>
-          <p:nvPr/>
-        </p:nvPicPr>
-        <p:blipFill>
-          <a:blip r:embed="rId2"/>
-          <a:stretch/>
-        </p:blipFill>
-        <p:spPr>
-          <a:xfrm>
-            <a:off x="2625480" y="4479120"/>
-            <a:ext cx="6524280" cy="2314080"/>
-          </a:xfrm>
-          <a:prstGeom prst="rect">
-            <a:avLst/>
-          </a:prstGeom>
-          <a:ln>
-            <a:noFill/>
-          </a:ln>
+          <a:xfrm rot="0">
+            <a:off x="2541905" y="1654175"/>
+            <a:ext cx="6708140" cy="5207000"/>
+          </a:xfrm>
+          <a:prstGeom prst="rect"/>
+          <a:noFill/>
         </p:spPr>
       </p:pic>
     </p:spTree>
   </p:cSld>
+  <mc:AlternateContent xmlns:mc="http://schemas.openxmlformats.org/markup-compatibility/2006">
+    <mc:Choice xmlns:p14="http://schemas.microsoft.com/office/powerpoint/2010/main" Requires="p14">
+      <p:transition spd="slow" p14:dur="2000"/>
+    </mc:Choice>
+    <mc:Fallback>
+      <p:transition spd="slow"/>
+    </mc:Fallback>
+  </mc:AlternateContent>
   <p:timing>
     <p:tnLst>
       <p:par>
-        <p:cTn id="7" dur="indefinite" restart="never" nodeType="tmRoot">
+        <p:cTn id="5" dur="indefinite" restart="never" nodeType="tmRoot">
           <p:childTnLst>
-            <p:seq>
-              <p:cTn id="8" nodeType="mainSeq"/>
+            <p:seq concurrent="0">
+              <p:cTn id="2" nodeType="mainSeq"/>
               <p:prevCondLst>
-                <p:cond delay="0" evt="onPrev">
+                <p:cond evt="onPrev" delay="0">
                   <p:tgtEl>
                     <p:sldTgt/>
                   </p:tgtEl>
                 </p:cond>
               </p:prevCondLst>
               <p:nextCondLst>
-                <p:cond delay="0" evt="onNext">
+                <p:cond evt="onNext" delay="0">
                   <p:tgtEl>
                     <p:sldTgt/>
                   </p:tgtEl>
@@ -11032,14 +11297,14 @@
       </p:grpSpPr>
       <p:sp>
         <p:nvSpPr>
-          <p:cNvPr id="104" name="TextShape 1"/>
+          <p:cNvPr id="100" name="TextShape 1"/>
           <p:cNvSpPr txBox="1"/>
           <p:nvPr/>
         </p:nvSpPr>
         <p:spPr>
           <a:xfrm>
-            <a:off x="838080" y="365040"/>
-            <a:ext cx="10515240" cy="1325160"/>
+            <a:off x="838200" y="365125"/>
+            <a:ext cx="10514965" cy="1325245"/>
           </a:xfrm>
           <a:prstGeom prst="rect">
             <a:avLst/>
@@ -11069,7 +11334,21 @@
                 </a:uFill>
                 <a:latin typeface="Calibri Light"/>
               </a:rPr>
-              <a:t>파이썬 설치법</a:t>
+              <a:t>왜 파이썬</a:t>
+            </a:r>
+            <a:r>
+              <a:rPr b="0" lang="en-US" sz="4400" spc="-1" strike="noStrike">
+                <a:solidFill>
+                  <a:srgbClr val="000000"/>
+                </a:solidFill>
+                <a:uFill>
+                  <a:solidFill>
+                    <a:srgbClr val="ffffff"/>
+                  </a:solidFill>
+                </a:uFill>
+                <a:latin typeface="Calibri Light"/>
+              </a:rPr>
+              <a:t>?</a:t>
             </a:r>
             <a:endParaRPr b="0" lang="en-US" sz="4400" spc="-1" strike="noStrike">
               <a:solidFill>
@@ -11087,14 +11366,14 @@
       </p:sp>
       <p:sp>
         <p:nvSpPr>
-          <p:cNvPr id="105" name="TextShape 2"/>
+          <p:cNvPr id="101" name="TextShape 2"/>
           <p:cNvSpPr txBox="1"/>
           <p:nvPr/>
         </p:nvSpPr>
         <p:spPr>
           <a:xfrm>
-            <a:off x="838080" y="1825560"/>
-            <a:ext cx="10515240" cy="4350960"/>
+            <a:off x="838200" y="1825625"/>
+            <a:ext cx="10514965" cy="4351020"/>
           </a:xfrm>
           <a:prstGeom prst="rect">
             <a:avLst/>
@@ -11132,150 +11411,8 @@
                 </a:uFill>
                 <a:latin typeface="Calibri"/>
               </a:rPr>
-              <a:t>구글에 검색하여 다운 받으면된다</a:t>
-            </a:r>
-            <a:endParaRPr b="0" lang="en-US" sz="2800" spc="-1" strike="noStrike">
-              <a:solidFill>
-                <a:srgbClr val="000000"/>
-              </a:solidFill>
-              <a:uFill>
-                <a:solidFill>
-                  <a:srgbClr val="ffffff"/>
-                </a:solidFill>
-              </a:uFill>
-              <a:latin typeface="Calibri"/>
-            </a:endParaRPr>
-          </a:p>
-          <a:p>
-            <a:pPr marL="228600" indent="-228240">
-              <a:lnSpc>
-                <a:spcPct val="90000"/>
-              </a:lnSpc>
-              <a:spcBef>
-                <a:spcPts val="1001"/>
-              </a:spcBef>
-              <a:buClr>
-                <a:srgbClr val="000000"/>
-              </a:buClr>
-              <a:buFont typeface="Arial"/>
-              <a:buChar char="•"/>
-            </a:pPr>
-            <a:r>
-              <a:rPr b="0" lang="en-US" sz="2800" spc="-1" strike="noStrike" u="sng">
-                <a:solidFill>
-                  <a:srgbClr val="0563c1"/>
-                </a:solidFill>
-                <a:uFill>
-                  <a:solidFill>
-                    <a:srgbClr val="ffffff"/>
-                  </a:solidFill>
-                </a:uFill>
-                <a:latin typeface="Calibri"/>
-                <a:hlinkClick r:id="rId1"/>
-              </a:rPr>
-              <a:t>https://www.python.org/downloads/</a:t>
-            </a:r>
-            <a:endParaRPr b="0" lang="en-US" sz="2800" spc="-1" strike="noStrike">
-              <a:solidFill>
-                <a:srgbClr val="000000"/>
-              </a:solidFill>
-              <a:uFill>
-                <a:solidFill>
-                  <a:srgbClr val="ffffff"/>
-                </a:solidFill>
-              </a:uFill>
-              <a:latin typeface="Calibri"/>
-            </a:endParaRPr>
-          </a:p>
-          <a:p>
-            <a:pPr marL="228600" indent="-228240">
-              <a:lnSpc>
-                <a:spcPct val="90000"/>
-              </a:lnSpc>
-              <a:spcBef>
-                <a:spcPts val="1001"/>
-              </a:spcBef>
-              <a:buClr>
-                <a:srgbClr val="000000"/>
-              </a:buClr>
-              <a:buFont typeface="Arial"/>
-              <a:buChar char="•"/>
-            </a:pPr>
-            <a:r>
-              <a:rPr b="0" lang="en-US" sz="2800" spc="-1" strike="noStrike">
-                <a:solidFill>
-                  <a:srgbClr val="000000"/>
-                </a:solidFill>
-                <a:uFill>
-                  <a:solidFill>
-                    <a:srgbClr val="ffffff"/>
-                  </a:solidFill>
-                </a:uFill>
-                <a:latin typeface="Calibri"/>
-              </a:rPr>
-              <a:t>위의 링크를 사용하면 된다</a:t>
-            </a:r>
-            <a:endParaRPr b="0" lang="en-US" sz="2800" spc="-1" strike="noStrike">
-              <a:solidFill>
-                <a:srgbClr val="000000"/>
-              </a:solidFill>
-              <a:uFill>
-                <a:solidFill>
-                  <a:srgbClr val="ffffff"/>
-                </a:solidFill>
-              </a:uFill>
-              <a:latin typeface="Calibri"/>
-            </a:endParaRPr>
-          </a:p>
-          <a:p>
-            <a:pPr marL="228600" indent="-228240">
-              <a:lnSpc>
-                <a:spcPct val="90000"/>
-              </a:lnSpc>
-              <a:spcBef>
-                <a:spcPts val="1001"/>
-              </a:spcBef>
-              <a:buClr>
-                <a:srgbClr val="000000"/>
-              </a:buClr>
-              <a:buFont typeface="Arial"/>
-              <a:buChar char="•"/>
-            </a:pPr>
-            <a:r>
-              <a:rPr b="0" lang="en-US" sz="2800" spc="-1" strike="noStrike">
-                <a:solidFill>
-                  <a:srgbClr val="000000"/>
-                </a:solidFill>
-                <a:uFill>
-                  <a:solidFill>
-                    <a:srgbClr val="ffffff"/>
-                  </a:solidFill>
-                </a:uFill>
-                <a:latin typeface="Calibri"/>
-              </a:rPr>
-              <a:t>확인하는 방법은 아래 처럼 터미널이나 커멘드 프롬트를 이용</a:t>
-            </a:r>
-            <a:endParaRPr b="0" lang="en-US" sz="2800" spc="-1" strike="noStrike">
-              <a:solidFill>
-                <a:srgbClr val="000000"/>
-              </a:solidFill>
-              <a:uFill>
-                <a:solidFill>
-                  <a:srgbClr val="ffffff"/>
-                </a:solidFill>
-              </a:uFill>
-              <a:latin typeface="Calibri"/>
-            </a:endParaRPr>
-          </a:p>
-          <a:p>
-            <a:pPr>
-              <a:lnSpc>
-                <a:spcPct val="90000"/>
-              </a:lnSpc>
-              <a:spcBef>
-                <a:spcPts val="1001"/>
-              </a:spcBef>
-            </a:pPr>
+              <a:t>쉽고 많은 응용</a:t>
+            </a:r>
             <a:endParaRPr b="0" lang="en-US" sz="2800" spc="-1" strike="noStrike">
               <a:solidFill>
                 <a:srgbClr val="000000"/>
@@ -11292,7 +11429,30 @@
       </p:sp>
       <p:pic>
         <p:nvPicPr>
-          <p:cNvPr id="106" name="그림 4" descr=""/>
+          <p:cNvPr id="102" name="그림 12"/>
+          <p:cNvPicPr/>
+          <p:nvPr/>
+        </p:nvPicPr>
+        <p:blipFill>
+          <a:blip r:embed="rId1"/>
+          <a:stretch/>
+        </p:blipFill>
+        <p:spPr>
+          <a:xfrm>
+            <a:off x="2290445" y="2286000"/>
+            <a:ext cx="7609840" cy="2657475"/>
+          </a:xfrm>
+          <a:prstGeom prst="rect">
+            <a:avLst/>
+          </a:prstGeom>
+          <a:ln>
+            <a:noFill/>
+          </a:ln>
+        </p:spPr>
+      </p:pic>
+      <p:pic>
+        <p:nvPicPr>
+          <p:cNvPr id="103" name="그림 3"/>
           <p:cNvPicPr/>
           <p:nvPr/>
         </p:nvPicPr>
@@ -11302,8 +11462,8 @@
         </p:blipFill>
         <p:spPr>
           <a:xfrm>
-            <a:off x="1839960" y="4373280"/>
-            <a:ext cx="7886520" cy="1190160"/>
+            <a:off x="2625725" y="4479290"/>
+            <a:ext cx="6523990" cy="2313940"/>
           </a:xfrm>
           <a:prstGeom prst="rect">
             <a:avLst/>
@@ -11315,22 +11475,30 @@
       </p:pic>
     </p:spTree>
   </p:cSld>
+  <mc:AlternateContent xmlns:mc="http://schemas.openxmlformats.org/markup-compatibility/2006">
+    <mc:Choice xmlns:p14="http://schemas.microsoft.com/office/powerpoint/2010/main" Requires="p14">
+      <p:transition spd="slow" p14:dur="2000"/>
+    </mc:Choice>
+    <mc:Fallback>
+      <p:transition spd="slow"/>
+    </mc:Fallback>
+  </mc:AlternateContent>
   <p:timing>
     <p:tnLst>
       <p:par>
-        <p:cTn id="9" dur="indefinite" restart="never" nodeType="tmRoot">
+        <p:cTn id="7" dur="indefinite" restart="never" nodeType="tmRoot">
           <p:childTnLst>
-            <p:seq>
-              <p:cTn id="10" nodeType="mainSeq"/>
+            <p:seq concurrent="0">
+              <p:cTn id="8" nodeType="mainSeq"/>
               <p:prevCondLst>
-                <p:cond delay="0" evt="onPrev">
+                <p:cond evt="onPrev" delay="0">
                   <p:tgtEl>
                     <p:sldTgt/>
                   </p:tgtEl>
                 </p:cond>
               </p:prevCondLst>
               <p:nextCondLst>
-                <p:cond delay="0" evt="onNext">
+                <p:cond evt="onNext" delay="0">
                   <p:tgtEl>
                     <p:sldTgt/>
                   </p:tgtEl>
@@ -11364,14 +11532,14 @@
       </p:grpSpPr>
       <p:sp>
         <p:nvSpPr>
-          <p:cNvPr id="107" name="TextShape 1"/>
+          <p:cNvPr id="104" name="TextShape 1"/>
           <p:cNvSpPr txBox="1"/>
           <p:nvPr/>
         </p:nvSpPr>
         <p:spPr>
           <a:xfrm>
-            <a:off x="838080" y="365040"/>
-            <a:ext cx="10515240" cy="1325160"/>
+            <a:off x="838200" y="365125"/>
+            <a:ext cx="10514965" cy="1325245"/>
           </a:xfrm>
           <a:prstGeom prst="rect">
             <a:avLst/>
@@ -11401,21 +11569,7 @@
                 </a:uFill>
                 <a:latin typeface="Calibri Light"/>
               </a:rPr>
-              <a:t>IDE </a:t>
-            </a:r>
-            <a:r>
-              <a:rPr b="0" lang="en-US" sz="4400" spc="-1" strike="noStrike">
-                <a:solidFill>
-                  <a:srgbClr val="000000"/>
-                </a:solidFill>
-                <a:uFill>
-                  <a:solidFill>
-                    <a:srgbClr val="ffffff"/>
-                  </a:solidFill>
-                </a:uFill>
-                <a:latin typeface="Calibri Light"/>
-              </a:rPr>
-              <a:t>툴</a:t>
+              <a:t>파이썬 설치법</a:t>
             </a:r>
             <a:endParaRPr b="0" lang="en-US" sz="4400" spc="-1" strike="noStrike">
               <a:solidFill>
@@ -11433,14 +11587,14 @@
       </p:sp>
       <p:sp>
         <p:nvSpPr>
-          <p:cNvPr id="108" name="TextShape 2"/>
+          <p:cNvPr id="105" name="TextShape 2"/>
           <p:cNvSpPr txBox="1"/>
           <p:nvPr/>
         </p:nvSpPr>
         <p:spPr>
           <a:xfrm>
-            <a:off x="838080" y="1825560"/>
-            <a:ext cx="10515240" cy="4350960"/>
+            <a:off x="838200" y="1825625"/>
+            <a:ext cx="10514965" cy="4351020"/>
           </a:xfrm>
           <a:prstGeom prst="rect">
             <a:avLst/>
@@ -11453,6 +11607,174 @@
         <p:txBody>
           <a:bodyPr/>
           <a:p>
+            <a:pPr marL="228600" indent="-228240">
+              <a:lnSpc>
+                <a:spcPct val="90000"/>
+              </a:lnSpc>
+              <a:spcBef>
+                <a:spcPts val="1001"/>
+              </a:spcBef>
+              <a:buClr>
+                <a:srgbClr val="000000"/>
+              </a:buClr>
+              <a:buFont typeface="Arial"/>
+              <a:buChar char="•"/>
+            </a:pPr>
+            <a:r>
+              <a:rPr b="0" lang="en-US" sz="2800" spc="-1" strike="noStrike">
+                <a:solidFill>
+                  <a:srgbClr val="000000"/>
+                </a:solidFill>
+                <a:uFill>
+                  <a:solidFill>
+                    <a:srgbClr val="ffffff"/>
+                  </a:solidFill>
+                </a:uFill>
+                <a:latin typeface="Calibri"/>
+              </a:rPr>
+              <a:t>구글에 검색하여 다운 받으면된다</a:t>
+            </a:r>
+            <a:endParaRPr b="0" lang="en-US" sz="2800" spc="-1" strike="noStrike">
+              <a:solidFill>
+                <a:srgbClr val="000000"/>
+              </a:solidFill>
+              <a:uFill>
+                <a:solidFill>
+                  <a:srgbClr val="ffffff"/>
+                </a:solidFill>
+              </a:uFill>
+              <a:latin typeface="Calibri"/>
+            </a:endParaRPr>
+          </a:p>
+          <a:p>
+            <a:pPr marL="228600" indent="-228240">
+              <a:lnSpc>
+                <a:spcPct val="90000"/>
+              </a:lnSpc>
+              <a:spcBef>
+                <a:spcPts val="1001"/>
+              </a:spcBef>
+              <a:buClr>
+                <a:srgbClr val="000000"/>
+              </a:buClr>
+              <a:buFont typeface="Arial"/>
+              <a:buChar char="•"/>
+            </a:pPr>
+            <a:r>
+              <a:rPr b="0" lang="en-US" sz="2800" spc="-1" strike="noStrike" u="sng">
+                <a:solidFill>
+                  <a:srgbClr val="0563c1"/>
+                </a:solidFill>
+                <a:uFill>
+                  <a:solidFill>
+                    <a:srgbClr val="ffffff"/>
+                  </a:solidFill>
+                </a:uFill>
+                <a:latin typeface="Calibri"/>
+              </a:rPr>
+              <a:t>https://www.python.org/downloads/</a:t>
+            </a:r>
+            <a:endParaRPr b="0" lang="en-US" sz="2800" spc="-1" strike="noStrike">
+              <a:solidFill>
+                <a:srgbClr val="000000"/>
+              </a:solidFill>
+              <a:uFill>
+                <a:solidFill>
+                  <a:srgbClr val="ffffff"/>
+                </a:solidFill>
+              </a:uFill>
+              <a:latin typeface="Calibri"/>
+            </a:endParaRPr>
+          </a:p>
+          <a:p>
+            <a:pPr marL="228600" indent="-228240">
+              <a:lnSpc>
+                <a:spcPct val="90000"/>
+              </a:lnSpc>
+              <a:spcBef>
+                <a:spcPts val="1001"/>
+              </a:spcBef>
+              <a:buClr>
+                <a:srgbClr val="000000"/>
+              </a:buClr>
+              <a:buFont typeface="Arial"/>
+              <a:buChar char="•"/>
+            </a:pPr>
+            <a:r>
+              <a:rPr b="0" lang="en-US" sz="2800" spc="-1" strike="noStrike">
+                <a:solidFill>
+                  <a:srgbClr val="000000"/>
+                </a:solidFill>
+                <a:uFill>
+                  <a:solidFill>
+                    <a:srgbClr val="ffffff"/>
+                  </a:solidFill>
+                </a:uFill>
+                <a:latin typeface="Calibri"/>
+              </a:rPr>
+              <a:t>위의 링크를 사용하면 된다</a:t>
+            </a:r>
+            <a:endParaRPr b="0" lang="en-US" sz="2800" spc="-1" strike="noStrike">
+              <a:solidFill>
+                <a:srgbClr val="000000"/>
+              </a:solidFill>
+              <a:uFill>
+                <a:solidFill>
+                  <a:srgbClr val="ffffff"/>
+                </a:solidFill>
+              </a:uFill>
+              <a:latin typeface="Calibri"/>
+            </a:endParaRPr>
+          </a:p>
+          <a:p>
+            <a:pPr marL="228600" indent="-228240">
+              <a:lnSpc>
+                <a:spcPct val="90000"/>
+              </a:lnSpc>
+              <a:spcBef>
+                <a:spcPts val="1001"/>
+              </a:spcBef>
+              <a:buClr>
+                <a:srgbClr val="000000"/>
+              </a:buClr>
+              <a:buFont typeface="Arial"/>
+              <a:buChar char="•"/>
+            </a:pPr>
+            <a:r>
+              <a:rPr b="0" lang="en-US" sz="2800" spc="-1" strike="noStrike">
+                <a:solidFill>
+                  <a:srgbClr val="000000"/>
+                </a:solidFill>
+                <a:uFill>
+                  <a:solidFill>
+                    <a:srgbClr val="ffffff"/>
+                  </a:solidFill>
+                </a:uFill>
+                <a:latin typeface="Calibri"/>
+              </a:rPr>
+              <a:t>확인하는 방법은 아래 처럼 터미널이나 커멘드 프롬트를 이용</a:t>
+            </a:r>
+            <a:endParaRPr b="0" lang="en-US" sz="2800" spc="-1" strike="noStrike">
+              <a:solidFill>
+                <a:srgbClr val="000000"/>
+              </a:solidFill>
+              <a:uFill>
+                <a:solidFill>
+                  <a:srgbClr val="ffffff"/>
+                </a:solidFill>
+              </a:uFill>
+              <a:latin typeface="Calibri"/>
+            </a:endParaRPr>
+          </a:p>
+          <a:p>
+            <a:pPr>
+              <a:lnSpc>
+                <a:spcPct val="90000"/>
+              </a:lnSpc>
+              <a:spcBef>
+                <a:spcPts val="1001"/>
+              </a:spcBef>
+            </a:pPr>
             <a:endParaRPr b="0" lang="en-US" sz="2800" spc="-1" strike="noStrike">
               <a:solidFill>
                 <a:srgbClr val="000000"/>
@@ -11469,30 +11791,7 @@
       </p:sp>
       <p:pic>
         <p:nvPicPr>
-          <p:cNvPr id="109" name="그림 3" descr=""/>
-          <p:cNvPicPr/>
-          <p:nvPr/>
-        </p:nvPicPr>
-        <p:blipFill>
-          <a:blip r:embed="rId1"/>
-          <a:stretch/>
-        </p:blipFill>
-        <p:spPr>
-          <a:xfrm>
-            <a:off x="838080" y="1315080"/>
-            <a:ext cx="3994200" cy="2538360"/>
-          </a:xfrm>
-          <a:prstGeom prst="rect">
-            <a:avLst/>
-          </a:prstGeom>
-          <a:ln>
-            <a:noFill/>
-          </a:ln>
-        </p:spPr>
-      </p:pic>
-      <p:pic>
-        <p:nvPicPr>
-          <p:cNvPr id="110" name="그림 4" descr=""/>
+          <p:cNvPr id="106" name="그림 4"/>
           <p:cNvPicPr/>
           <p:nvPr/>
         </p:nvPicPr>
@@ -11502,8 +11801,8 @@
         </p:blipFill>
         <p:spPr>
           <a:xfrm>
-            <a:off x="4833000" y="1303200"/>
-            <a:ext cx="3994200" cy="3192840"/>
+            <a:off x="1840230" y="4373245"/>
+            <a:ext cx="7886700" cy="1189990"/>
           </a:xfrm>
           <a:prstGeom prst="rect">
             <a:avLst/>
@@ -11513,47 +11812,32 @@
           </a:ln>
         </p:spPr>
       </p:pic>
-      <p:pic>
-        <p:nvPicPr>
-          <p:cNvPr id="111" name="그림 5" descr=""/>
-          <p:cNvPicPr/>
-          <p:nvPr/>
-        </p:nvPicPr>
-        <p:blipFill>
-          <a:blip r:embed="rId3"/>
-          <a:stretch/>
-        </p:blipFill>
-        <p:spPr>
-          <a:xfrm>
-            <a:off x="838080" y="4177080"/>
-            <a:ext cx="6507000" cy="2538360"/>
-          </a:xfrm>
-          <a:prstGeom prst="rect">
-            <a:avLst/>
-          </a:prstGeom>
-          <a:ln>
-            <a:noFill/>
-          </a:ln>
-        </p:spPr>
-      </p:pic>
     </p:spTree>
   </p:cSld>
+  <mc:AlternateContent xmlns:mc="http://schemas.openxmlformats.org/markup-compatibility/2006">
+    <mc:Choice xmlns:p14="http://schemas.microsoft.com/office/powerpoint/2010/main" Requires="p14">
+      <p:transition spd="slow" p14:dur="2000"/>
+    </mc:Choice>
+    <mc:Fallback>
+      <p:transition spd="slow"/>
+    </mc:Fallback>
+  </mc:AlternateContent>
   <p:timing>
     <p:tnLst>
       <p:par>
-        <p:cTn id="11" dur="indefinite" restart="never" nodeType="tmRoot">
+        <p:cTn id="9" dur="indefinite" restart="never" nodeType="tmRoot">
           <p:childTnLst>
-            <p:seq>
-              <p:cTn id="12" nodeType="mainSeq"/>
+            <p:seq concurrent="0">
+              <p:cTn id="10" nodeType="mainSeq"/>
               <p:prevCondLst>
-                <p:cond delay="0" evt="onPrev">
+                <p:cond evt="onPrev" delay="0">
                   <p:tgtEl>
                     <p:sldTgt/>
                   </p:tgtEl>
                 </p:cond>
               </p:prevCondLst>
               <p:nextCondLst>
-                <p:cond delay="0" evt="onNext">
+                <p:cond evt="onNext" delay="0">
                   <p:tgtEl>
                     <p:sldTgt/>
                   </p:tgtEl>
@@ -11587,14 +11871,14 @@
       </p:grpSpPr>
       <p:sp>
         <p:nvSpPr>
-          <p:cNvPr id="112" name="TextShape 1"/>
+          <p:cNvPr id="107" name="TextShape 1"/>
           <p:cNvSpPr txBox="1"/>
           <p:nvPr/>
         </p:nvSpPr>
         <p:spPr>
           <a:xfrm>
-            <a:off x="838080" y="365040"/>
-            <a:ext cx="10515240" cy="1325160"/>
+            <a:off x="838200" y="365125"/>
+            <a:ext cx="10514965" cy="1325245"/>
           </a:xfrm>
           <a:prstGeom prst="rect">
             <a:avLst/>
@@ -11624,7 +11908,21 @@
                 </a:uFill>
                 <a:latin typeface="Calibri Light"/>
               </a:rPr>
-              <a:t>Text Editor</a:t>
+              <a:t>IDE </a:t>
+            </a:r>
+            <a:r>
+              <a:rPr b="0" lang="en-US" sz="4400" spc="-1" strike="noStrike">
+                <a:solidFill>
+                  <a:srgbClr val="000000"/>
+                </a:solidFill>
+                <a:uFill>
+                  <a:solidFill>
+                    <a:srgbClr val="ffffff"/>
+                  </a:solidFill>
+                </a:uFill>
+                <a:latin typeface="Calibri Light"/>
+              </a:rPr>
+              <a:t>툴</a:t>
             </a:r>
             <a:endParaRPr b="0" lang="en-US" sz="4400" spc="-1" strike="noStrike">
               <a:solidFill>
@@ -11642,14 +11940,14 @@
       </p:sp>
       <p:sp>
         <p:nvSpPr>
-          <p:cNvPr id="113" name="TextShape 2"/>
+          <p:cNvPr id="108" name="TextShape 2"/>
           <p:cNvSpPr txBox="1"/>
           <p:nvPr/>
         </p:nvSpPr>
         <p:spPr>
           <a:xfrm>
-            <a:off x="838080" y="1825560"/>
-            <a:ext cx="10515240" cy="4350960"/>
+            <a:off x="838200" y="1825625"/>
+            <a:ext cx="10514965" cy="4351020"/>
           </a:xfrm>
           <a:prstGeom prst="rect">
             <a:avLst/>
@@ -11678,7 +11976,7 @@
       </p:sp>
       <p:pic>
         <p:nvPicPr>
-          <p:cNvPr id="114" name="그림 3" descr=""/>
+          <p:cNvPr id="109" name="그림 3"/>
           <p:cNvPicPr/>
           <p:nvPr/>
         </p:nvPicPr>
@@ -11688,8 +11986,8 @@
         </p:blipFill>
         <p:spPr>
           <a:xfrm>
-            <a:off x="6095880" y="3687120"/>
-            <a:ext cx="6308280" cy="3170520"/>
+            <a:off x="838200" y="1315085"/>
+            <a:ext cx="3994150" cy="2538095"/>
           </a:xfrm>
           <a:prstGeom prst="rect">
             <a:avLst/>
@@ -11701,7 +11999,7 @@
       </p:pic>
       <p:pic>
         <p:nvPicPr>
-          <p:cNvPr id="115" name="그림 4" descr=""/>
+          <p:cNvPr id="110" name="그림 4"/>
           <p:cNvPicPr/>
           <p:nvPr/>
         </p:nvPicPr>
@@ -11711,8 +12009,8 @@
         </p:blipFill>
         <p:spPr>
           <a:xfrm>
-            <a:off x="678960" y="3951720"/>
-            <a:ext cx="5895000" cy="2715840"/>
+            <a:off x="4832985" y="1303020"/>
+            <a:ext cx="3994150" cy="3192780"/>
           </a:xfrm>
           <a:prstGeom prst="rect">
             <a:avLst/>
@@ -11724,7 +12022,7 @@
       </p:pic>
       <p:pic>
         <p:nvPicPr>
-          <p:cNvPr id="116" name="그림 5" descr=""/>
+          <p:cNvPr id="111" name="그림 5"/>
           <p:cNvPicPr/>
           <p:nvPr/>
         </p:nvPicPr>
@@ -11734,8 +12032,8 @@
         </p:blipFill>
         <p:spPr>
           <a:xfrm>
-            <a:off x="6325920" y="519120"/>
-            <a:ext cx="5847840" cy="3099960"/>
+            <a:off x="838200" y="4177030"/>
+            <a:ext cx="6506845" cy="2538095"/>
           </a:xfrm>
           <a:prstGeom prst="rect">
             <a:avLst/>
@@ -11747,22 +12045,30 @@
       </p:pic>
     </p:spTree>
   </p:cSld>
+  <mc:AlternateContent xmlns:mc="http://schemas.openxmlformats.org/markup-compatibility/2006">
+    <mc:Choice xmlns:p14="http://schemas.microsoft.com/office/powerpoint/2010/main" Requires="p14">
+      <p:transition spd="slow" p14:dur="2000"/>
+    </mc:Choice>
+    <mc:Fallback>
+      <p:transition spd="slow"/>
+    </mc:Fallback>
+  </mc:AlternateContent>
   <p:timing>
     <p:tnLst>
       <p:par>
-        <p:cTn id="13" dur="indefinite" restart="never" nodeType="tmRoot">
+        <p:cTn id="11" dur="indefinite" restart="never" nodeType="tmRoot">
           <p:childTnLst>
-            <p:seq>
-              <p:cTn id="14" nodeType="mainSeq"/>
+            <p:seq concurrent="0">
+              <p:cTn id="12" nodeType="mainSeq"/>
               <p:prevCondLst>
-                <p:cond delay="0" evt="onPrev">
+                <p:cond evt="onPrev" delay="0">
                   <p:tgtEl>
                     <p:sldTgt/>
                   </p:tgtEl>
                 </p:cond>
               </p:prevCondLst>
               <p:nextCondLst>
-                <p:cond delay="0" evt="onNext">
+                <p:cond evt="onNext" delay="0">
                   <p:tgtEl>
                     <p:sldTgt/>
                   </p:tgtEl>
@@ -11796,14 +12102,14 @@
       </p:grpSpPr>
       <p:sp>
         <p:nvSpPr>
-          <p:cNvPr id="117" name="TextShape 1"/>
+          <p:cNvPr id="112" name="TextShape 1"/>
           <p:cNvSpPr txBox="1"/>
           <p:nvPr/>
         </p:nvSpPr>
         <p:spPr>
           <a:xfrm>
-            <a:off x="838080" y="365040"/>
-            <a:ext cx="10515240" cy="1325160"/>
+            <a:off x="838200" y="365125"/>
+            <a:ext cx="10514965" cy="1325245"/>
           </a:xfrm>
           <a:prstGeom prst="rect">
             <a:avLst/>
@@ -11833,21 +12139,7 @@
                 </a:uFill>
                 <a:latin typeface="Calibri Light"/>
               </a:rPr>
-              <a:t>패키 메니지먼트 툴 </a:t>
-            </a:r>
-            <a:r>
-              <a:rPr b="0" lang="en-US" sz="4400" spc="-1" strike="noStrike">
-                <a:solidFill>
-                  <a:srgbClr val="000000"/>
-                </a:solidFill>
-                <a:uFill>
-                  <a:solidFill>
-                    <a:srgbClr val="ffffff"/>
-                  </a:solidFill>
-                </a:uFill>
-                <a:latin typeface="Calibri Light"/>
-              </a:rPr>
-              <a:t>(PIP)</a:t>
+              <a:t>Text Editor</a:t>
             </a:r>
             <a:endParaRPr b="0" lang="en-US" sz="4400" spc="-1" strike="noStrike">
               <a:solidFill>
@@ -11865,14 +12157,14 @@
       </p:sp>
       <p:sp>
         <p:nvSpPr>
-          <p:cNvPr id="118" name="TextShape 2"/>
+          <p:cNvPr id="113" name="TextShape 2"/>
           <p:cNvSpPr txBox="1"/>
           <p:nvPr/>
         </p:nvSpPr>
         <p:spPr>
           <a:xfrm>
-            <a:off x="838080" y="1825560"/>
-            <a:ext cx="10515240" cy="4350960"/>
+            <a:off x="838200" y="1825625"/>
+            <a:ext cx="10514965" cy="4351020"/>
           </a:xfrm>
           <a:prstGeom prst="rect">
             <a:avLst/>
@@ -11885,290 +12177,6 @@
         <p:txBody>
           <a:bodyPr/>
           <a:p>
-            <a:pPr marL="228600" indent="-228240">
-              <a:lnSpc>
-                <a:spcPct val="90000"/>
-              </a:lnSpc>
-              <a:spcBef>
-                <a:spcPts val="1001"/>
-              </a:spcBef>
-              <a:buClr>
-                <a:srgbClr val="000000"/>
-              </a:buClr>
-              <a:buFont typeface="Arial"/>
-              <a:buChar char="•"/>
-            </a:pPr>
-            <a:r>
-              <a:rPr b="0" lang="en-US" sz="2800" spc="-1" strike="noStrike">
-                <a:solidFill>
-                  <a:srgbClr val="000000"/>
-                </a:solidFill>
-                <a:uFill>
-                  <a:solidFill>
-                    <a:srgbClr val="ffffff"/>
-                  </a:solidFill>
-                </a:uFill>
-                <a:latin typeface="Calibri"/>
-              </a:rPr>
-              <a:t>파이썬으로 작성된 패키지 소프트웨어 설치 및 관리 툴이라고 생각하면된다</a:t>
-            </a:r>
-            <a:endParaRPr b="0" lang="en-US" sz="2800" spc="-1" strike="noStrike">
-              <a:solidFill>
-                <a:srgbClr val="000000"/>
-              </a:solidFill>
-              <a:uFill>
-                <a:solidFill>
-                  <a:srgbClr val="ffffff"/>
-                </a:solidFill>
-              </a:uFill>
-              <a:latin typeface="Calibri"/>
-            </a:endParaRPr>
-          </a:p>
-          <a:p>
-            <a:pPr marL="228600" indent="-228240">
-              <a:lnSpc>
-                <a:spcPct val="90000"/>
-              </a:lnSpc>
-              <a:spcBef>
-                <a:spcPts val="1001"/>
-              </a:spcBef>
-              <a:buClr>
-                <a:srgbClr val="000000"/>
-              </a:buClr>
-              <a:buFont typeface="Arial"/>
-              <a:buChar char="•"/>
-            </a:pPr>
-            <a:r>
-              <a:rPr b="0" lang="en-US" sz="2800" spc="-1" strike="noStrike">
-                <a:solidFill>
-                  <a:srgbClr val="000000"/>
-                </a:solidFill>
-                <a:uFill>
-                  <a:solidFill>
-                    <a:srgbClr val="ffffff"/>
-                  </a:solidFill>
-                </a:uFill>
-                <a:latin typeface="Calibri"/>
-              </a:rPr>
-              <a:t>Python Package Index</a:t>
-            </a:r>
-            <a:r>
-              <a:rPr b="0" lang="en-US" sz="2800" spc="-1" strike="noStrike">
-                <a:solidFill>
-                  <a:srgbClr val="000000"/>
-                </a:solidFill>
-                <a:uFill>
-                  <a:solidFill>
-                    <a:srgbClr val="ffffff"/>
-                  </a:solidFill>
-                </a:uFill>
-                <a:latin typeface="Calibri"/>
-              </a:rPr>
-              <a:t>에서 보면 된다</a:t>
-            </a:r>
-            <a:endParaRPr b="0" lang="en-US" sz="2800" spc="-1" strike="noStrike">
-              <a:solidFill>
-                <a:srgbClr val="000000"/>
-              </a:solidFill>
-              <a:uFill>
-                <a:solidFill>
-                  <a:srgbClr val="ffffff"/>
-                </a:solidFill>
-              </a:uFill>
-              <a:latin typeface="Calibri"/>
-            </a:endParaRPr>
-          </a:p>
-          <a:p>
-            <a:pPr marL="228600" indent="-228240">
-              <a:lnSpc>
-                <a:spcPct val="90000"/>
-              </a:lnSpc>
-              <a:spcBef>
-                <a:spcPts val="1001"/>
-              </a:spcBef>
-              <a:buClr>
-                <a:srgbClr val="000000"/>
-              </a:buClr>
-              <a:buFont typeface="Arial"/>
-              <a:buChar char="•"/>
-            </a:pPr>
-            <a:r>
-              <a:rPr b="0" lang="en-US" sz="2800" spc="-1" strike="noStrike">
-                <a:solidFill>
-                  <a:srgbClr val="000000"/>
-                </a:solidFill>
-                <a:uFill>
-                  <a:solidFill>
-                    <a:srgbClr val="ffffff"/>
-                  </a:solidFill>
-                </a:uFill>
-                <a:latin typeface="Calibri"/>
-              </a:rPr>
-              <a:t>윈도우에서는 아마 </a:t>
-            </a:r>
-            <a:r>
-              <a:rPr b="0" lang="en-US" sz="2800" spc="-1" strike="noStrike">
-                <a:solidFill>
-                  <a:srgbClr val="000000"/>
-                </a:solidFill>
-                <a:uFill>
-                  <a:solidFill>
-                    <a:srgbClr val="ffffff"/>
-                  </a:solidFill>
-                </a:uFill>
-                <a:latin typeface="Calibri"/>
-              </a:rPr>
-              <a:t>PIP</a:t>
-            </a:r>
-            <a:r>
-              <a:rPr b="0" lang="en-US" sz="2800" spc="-1" strike="noStrike">
-                <a:solidFill>
-                  <a:srgbClr val="000000"/>
-                </a:solidFill>
-                <a:uFill>
-                  <a:solidFill>
-                    <a:srgbClr val="ffffff"/>
-                  </a:solidFill>
-                </a:uFill>
-                <a:latin typeface="Calibri"/>
-              </a:rPr>
-              <a:t>안따라 올 수 있기 때문에</a:t>
-            </a:r>
-            <a:endParaRPr b="0" lang="en-US" sz="2800" spc="-1" strike="noStrike">
-              <a:solidFill>
-                <a:srgbClr val="000000"/>
-              </a:solidFill>
-              <a:uFill>
-                <a:solidFill>
-                  <a:srgbClr val="ffffff"/>
-                </a:solidFill>
-              </a:uFill>
-              <a:latin typeface="Calibri"/>
-            </a:endParaRPr>
-          </a:p>
-          <a:p>
-            <a:pPr marL="228600" indent="-228240">
-              <a:lnSpc>
-                <a:spcPct val="90000"/>
-              </a:lnSpc>
-              <a:spcBef>
-                <a:spcPts val="1001"/>
-              </a:spcBef>
-              <a:buClr>
-                <a:srgbClr val="000000"/>
-              </a:buClr>
-              <a:buFont typeface="Arial"/>
-              <a:buChar char="•"/>
-            </a:pPr>
-            <a:r>
-              <a:rPr b="0" lang="en-US" sz="2800" spc="-1" strike="noStrike" u="sng">
-                <a:solidFill>
-                  <a:srgbClr val="0563c1"/>
-                </a:solidFill>
-                <a:uFill>
-                  <a:solidFill>
-                    <a:srgbClr val="ffffff"/>
-                  </a:solidFill>
-                </a:uFill>
-                <a:latin typeface="Calibri"/>
-                <a:hlinkClick r:id="rId1"/>
-              </a:rPr>
-              <a:t>https://goo.gl/Sg2V2b</a:t>
-            </a:r>
-            <a:r>
-              <a:rPr b="0" lang="en-US" sz="2800" spc="-1" strike="noStrike">
-                <a:solidFill>
-                  <a:srgbClr val="000000"/>
-                </a:solidFill>
-                <a:uFill>
-                  <a:solidFill>
-                    <a:srgbClr val="ffffff"/>
-                  </a:solidFill>
-                </a:uFill>
-                <a:latin typeface="Calibri"/>
-              </a:rPr>
-              <a:t> </a:t>
-            </a:r>
-            <a:endParaRPr b="0" lang="en-US" sz="2800" spc="-1" strike="noStrike">
-              <a:solidFill>
-                <a:srgbClr val="000000"/>
-              </a:solidFill>
-              <a:uFill>
-                <a:solidFill>
-                  <a:srgbClr val="ffffff"/>
-                </a:solidFill>
-              </a:uFill>
-              <a:latin typeface="Calibri"/>
-            </a:endParaRPr>
-          </a:p>
-          <a:p>
-            <a:pPr marL="228600" indent="-228240">
-              <a:lnSpc>
-                <a:spcPct val="90000"/>
-              </a:lnSpc>
-              <a:spcBef>
-                <a:spcPts val="1001"/>
-              </a:spcBef>
-              <a:buClr>
-                <a:srgbClr val="000000"/>
-              </a:buClr>
-              <a:buFont typeface="Arial"/>
-              <a:buChar char="•"/>
-            </a:pPr>
-            <a:r>
-              <a:rPr b="0" lang="en-US" sz="2800" spc="-1" strike="noStrike">
-                <a:solidFill>
-                  <a:srgbClr val="000000"/>
-                </a:solidFill>
-                <a:uFill>
-                  <a:solidFill>
-                    <a:srgbClr val="ffffff"/>
-                  </a:solidFill>
-                </a:uFill>
-                <a:latin typeface="Calibri"/>
-              </a:rPr>
-              <a:t>위의 링크를 타서 설치를 하자</a:t>
-            </a:r>
-            <a:endParaRPr b="0" lang="en-US" sz="2800" spc="-1" strike="noStrike">
-              <a:solidFill>
-                <a:srgbClr val="000000"/>
-              </a:solidFill>
-              <a:uFill>
-                <a:solidFill>
-                  <a:srgbClr val="ffffff"/>
-                </a:solidFill>
-              </a:uFill>
-              <a:latin typeface="Calibri"/>
-            </a:endParaRPr>
-          </a:p>
-          <a:p>
-            <a:pPr marL="228600" indent="-228240">
-              <a:lnSpc>
-                <a:spcPct val="90000"/>
-              </a:lnSpc>
-              <a:spcBef>
-                <a:spcPts val="1001"/>
-              </a:spcBef>
-              <a:buClr>
-                <a:srgbClr val="000000"/>
-              </a:buClr>
-              <a:buFont typeface="Arial"/>
-              <a:buChar char="•"/>
-            </a:pPr>
-            <a:r>
-              <a:rPr b="0" lang="en-US" sz="2800" spc="-1" strike="noStrike">
-                <a:solidFill>
-                  <a:srgbClr val="000000"/>
-                </a:solidFill>
-                <a:uFill>
-                  <a:solidFill>
-                    <a:srgbClr val="ffffff"/>
-                  </a:solidFill>
-                </a:uFill>
-                <a:latin typeface="Calibri"/>
-              </a:rPr>
-              <a:t>아래 사진처럼 나온다면 설치가 완료된것이다</a:t>
-            </a:r>
             <a:endParaRPr b="0" lang="en-US" sz="2800" spc="-1" strike="noStrike">
               <a:solidFill>
                 <a:srgbClr val="000000"/>
@@ -12185,7 +12193,30 @@
       </p:sp>
       <p:pic>
         <p:nvPicPr>
-          <p:cNvPr id="119" name="그림 3" descr=""/>
+          <p:cNvPr id="114" name="그림 3"/>
+          <p:cNvPicPr/>
+          <p:nvPr/>
+        </p:nvPicPr>
+        <p:blipFill>
+          <a:blip r:embed="rId1"/>
+          <a:stretch/>
+        </p:blipFill>
+        <p:spPr>
+          <a:xfrm>
+            <a:off x="6096000" y="3686810"/>
+            <a:ext cx="6308090" cy="3170555"/>
+          </a:xfrm>
+          <a:prstGeom prst="rect">
+            <a:avLst/>
+          </a:prstGeom>
+          <a:ln>
+            <a:noFill/>
+          </a:ln>
+        </p:spPr>
+      </p:pic>
+      <p:pic>
+        <p:nvPicPr>
+          <p:cNvPr id="115" name="그림 4"/>
           <p:cNvPicPr/>
           <p:nvPr/>
         </p:nvPicPr>
@@ -12195,8 +12226,8 @@
         </p:blipFill>
         <p:spPr>
           <a:xfrm>
-            <a:off x="0" y="5995440"/>
-            <a:ext cx="12191760" cy="862200"/>
+            <a:off x="678815" y="3951605"/>
+            <a:ext cx="5894705" cy="2715895"/>
           </a:xfrm>
           <a:prstGeom prst="rect">
             <a:avLst/>
@@ -12206,24 +12237,55 @@
           </a:ln>
         </p:spPr>
       </p:pic>
+      <p:pic>
+        <p:nvPicPr>
+          <p:cNvPr id="116" name="그림 5"/>
+          <p:cNvPicPr/>
+          <p:nvPr/>
+        </p:nvPicPr>
+        <p:blipFill>
+          <a:blip r:embed="rId3"/>
+          <a:stretch/>
+        </p:blipFill>
+        <p:spPr>
+          <a:xfrm>
+            <a:off x="6325870" y="519430"/>
+            <a:ext cx="5847715" cy="3100070"/>
+          </a:xfrm>
+          <a:prstGeom prst="rect">
+            <a:avLst/>
+          </a:prstGeom>
+          <a:ln>
+            <a:noFill/>
+          </a:ln>
+        </p:spPr>
+      </p:pic>
     </p:spTree>
   </p:cSld>
+  <mc:AlternateContent xmlns:mc="http://schemas.openxmlformats.org/markup-compatibility/2006">
+    <mc:Choice xmlns:p14="http://schemas.microsoft.com/office/powerpoint/2010/main" Requires="p14">
+      <p:transition spd="slow" p14:dur="2000"/>
+    </mc:Choice>
+    <mc:Fallback>
+      <p:transition spd="slow"/>
+    </mc:Fallback>
+  </mc:AlternateContent>
   <p:timing>
     <p:tnLst>
       <p:par>
-        <p:cTn id="15" dur="indefinite" restart="never" nodeType="tmRoot">
+        <p:cTn id="13" dur="indefinite" restart="never" nodeType="tmRoot">
           <p:childTnLst>
-            <p:seq>
-              <p:cTn id="16" nodeType="mainSeq"/>
+            <p:seq concurrent="0">
+              <p:cTn id="14" nodeType="mainSeq"/>
               <p:prevCondLst>
-                <p:cond delay="0" evt="onPrev">
+                <p:cond evt="onPrev" delay="0">
                   <p:tgtEl>
                     <p:sldTgt/>
                   </p:tgtEl>
                 </p:cond>
               </p:prevCondLst>
               <p:nextCondLst>
-                <p:cond delay="0" evt="onNext">
+                <p:cond evt="onNext" delay="0">
                   <p:tgtEl>
                     <p:sldTgt/>
                   </p:tgtEl>
@@ -12257,14 +12319,14 @@
       </p:grpSpPr>
       <p:sp>
         <p:nvSpPr>
-          <p:cNvPr id="120" name="TextShape 1"/>
+          <p:cNvPr id="117" name="TextShape 1"/>
           <p:cNvSpPr txBox="1"/>
           <p:nvPr/>
         </p:nvSpPr>
         <p:spPr>
           <a:xfrm>
-            <a:off x="838080" y="365040"/>
-            <a:ext cx="10515240" cy="1325160"/>
+            <a:off x="838200" y="365125"/>
+            <a:ext cx="10514965" cy="1325245"/>
           </a:xfrm>
           <a:prstGeom prst="rect">
             <a:avLst/>
@@ -12294,7 +12356,7 @@
                 </a:uFill>
                 <a:latin typeface="Calibri Light"/>
               </a:rPr>
-              <a:t>파이썬 기초 </a:t>
+              <a:t>패키 메니지먼트 툴 </a:t>
             </a:r>
             <a:r>
               <a:rPr b="0" lang="en-US" sz="4400" spc="-1" strike="noStrike">
@@ -12308,35 +12370,7 @@
                 </a:uFill>
                 <a:latin typeface="Calibri Light"/>
               </a:rPr>
-              <a:t>(</a:t>
-            </a:r>
-            <a:r>
-              <a:rPr b="0" lang="en-US" sz="4400" spc="-1" strike="noStrike">
-                <a:solidFill>
-                  <a:srgbClr val="000000"/>
-                </a:solidFill>
-                <a:uFill>
-                  <a:solidFill>
-                    <a:srgbClr val="ffffff"/>
-                  </a:solidFill>
-                </a:uFill>
-                <a:latin typeface="Calibri Light"/>
-              </a:rPr>
-              <a:t>파이썬 </a:t>
-            </a:r>
-            <a:r>
-              <a:rPr b="0" lang="en-US" sz="4400" spc="-1" strike="noStrike">
-                <a:solidFill>
-                  <a:srgbClr val="000000"/>
-                </a:solidFill>
-                <a:uFill>
-                  <a:solidFill>
-                    <a:srgbClr val="ffffff"/>
-                  </a:solidFill>
-                </a:uFill>
-                <a:latin typeface="Calibri Light"/>
-              </a:rPr>
-              <a:t>3) – Basic Syntax</a:t>
+              <a:t>(PIP)</a:t>
             </a:r>
             <a:endParaRPr b="0" lang="en-US" sz="4400" spc="-1" strike="noStrike">
               <a:solidFill>
@@ -12354,14 +12388,14 @@
       </p:sp>
       <p:sp>
         <p:nvSpPr>
-          <p:cNvPr id="121" name="TextShape 2"/>
+          <p:cNvPr id="118" name="TextShape 2"/>
           <p:cNvSpPr txBox="1"/>
           <p:nvPr/>
         </p:nvSpPr>
         <p:spPr>
           <a:xfrm>
-            <a:off x="838080" y="1825560"/>
-            <a:ext cx="10515240" cy="4350960"/>
+            <a:off x="838200" y="1825625"/>
+            <a:ext cx="10514965" cy="4351020"/>
           </a:xfrm>
           <a:prstGeom prst="rect">
             <a:avLst/>
@@ -12399,7 +12433,7 @@
                 </a:uFill>
                 <a:latin typeface="Calibri"/>
               </a:rPr>
-              <a:t>!#/usr/bin/python3</a:t>
+              <a:t>파이썬으로 작성된 패키지 소프트웨어 설치 및 관리 툴이라고 생각하면된다</a:t>
             </a:r>
             <a:endParaRPr b="0" lang="en-US" sz="2800" spc="-1" strike="noStrike">
               <a:solidFill>
@@ -12414,14 +12448,249 @@
             </a:endParaRPr>
           </a:p>
           <a:p>
-            <a:pPr>
+            <a:pPr marL="228600" indent="-228240">
               <a:lnSpc>
                 <a:spcPct val="90000"/>
               </a:lnSpc>
               <a:spcBef>
                 <a:spcPts val="1001"/>
               </a:spcBef>
+              <a:buClr>
+                <a:srgbClr val="000000"/>
+              </a:buClr>
+              <a:buFont typeface="Arial"/>
+              <a:buChar char="•"/>
             </a:pPr>
+            <a:r>
+              <a:rPr b="0" lang="en-US" sz="2800" spc="-1" strike="noStrike">
+                <a:solidFill>
+                  <a:srgbClr val="000000"/>
+                </a:solidFill>
+                <a:uFill>
+                  <a:solidFill>
+                    <a:srgbClr val="ffffff"/>
+                  </a:solidFill>
+                </a:uFill>
+                <a:latin typeface="Calibri"/>
+              </a:rPr>
+              <a:t>Python Package Index</a:t>
+            </a:r>
+            <a:r>
+              <a:rPr b="0" lang="en-US" sz="2800" spc="-1" strike="noStrike">
+                <a:solidFill>
+                  <a:srgbClr val="000000"/>
+                </a:solidFill>
+                <a:uFill>
+                  <a:solidFill>
+                    <a:srgbClr val="ffffff"/>
+                  </a:solidFill>
+                </a:uFill>
+                <a:latin typeface="Calibri"/>
+              </a:rPr>
+              <a:t>에서 보면 된다</a:t>
+            </a:r>
+            <a:endParaRPr b="0" lang="en-US" sz="2800" spc="-1" strike="noStrike">
+              <a:solidFill>
+                <a:srgbClr val="000000"/>
+              </a:solidFill>
+              <a:uFill>
+                <a:solidFill>
+                  <a:srgbClr val="ffffff"/>
+                </a:solidFill>
+              </a:uFill>
+              <a:latin typeface="Calibri"/>
+            </a:endParaRPr>
+          </a:p>
+          <a:p>
+            <a:pPr marL="228600" indent="-228240">
+              <a:lnSpc>
+                <a:spcPct val="90000"/>
+              </a:lnSpc>
+              <a:spcBef>
+                <a:spcPts val="1001"/>
+              </a:spcBef>
+              <a:buClr>
+                <a:srgbClr val="000000"/>
+              </a:buClr>
+              <a:buFont typeface="Arial"/>
+              <a:buChar char="•"/>
+            </a:pPr>
+            <a:r>
+              <a:rPr b="0" lang="en-US" sz="2800" spc="-1" strike="noStrike">
+                <a:solidFill>
+                  <a:srgbClr val="000000"/>
+                </a:solidFill>
+                <a:uFill>
+                  <a:solidFill>
+                    <a:srgbClr val="ffffff"/>
+                  </a:solidFill>
+                </a:uFill>
+                <a:latin typeface="Calibri"/>
+              </a:rPr>
+              <a:t>윈도우에서는 아마 </a:t>
+            </a:r>
+            <a:r>
+              <a:rPr b="0" lang="en-US" sz="2800" spc="-1" strike="noStrike">
+                <a:solidFill>
+                  <a:srgbClr val="000000"/>
+                </a:solidFill>
+                <a:uFill>
+                  <a:solidFill>
+                    <a:srgbClr val="ffffff"/>
+                  </a:solidFill>
+                </a:uFill>
+                <a:latin typeface="Calibri"/>
+              </a:rPr>
+              <a:t>PIP</a:t>
+            </a:r>
+            <a:r>
+              <a:rPr b="0" lang="en-US" sz="2800" spc="-1" strike="noStrike">
+                <a:solidFill>
+                  <a:srgbClr val="000000"/>
+                </a:solidFill>
+                <a:uFill>
+                  <a:solidFill>
+                    <a:srgbClr val="ffffff"/>
+                  </a:solidFill>
+                </a:uFill>
+                <a:latin typeface="Calibri"/>
+              </a:rPr>
+              <a:t>안따라 올 수 있기 때문에</a:t>
+            </a:r>
+            <a:endParaRPr b="0" lang="en-US" sz="2800" spc="-1" strike="noStrike">
+              <a:solidFill>
+                <a:srgbClr val="000000"/>
+              </a:solidFill>
+              <a:uFill>
+                <a:solidFill>
+                  <a:srgbClr val="ffffff"/>
+                </a:solidFill>
+              </a:uFill>
+              <a:latin typeface="Calibri"/>
+            </a:endParaRPr>
+          </a:p>
+          <a:p>
+            <a:pPr marL="228600" indent="-228240">
+              <a:lnSpc>
+                <a:spcPct val="90000"/>
+              </a:lnSpc>
+              <a:spcBef>
+                <a:spcPts val="1001"/>
+              </a:spcBef>
+              <a:buClr>
+                <a:srgbClr val="000000"/>
+              </a:buClr>
+              <a:buFont typeface="Arial"/>
+              <a:buChar char="•"/>
+            </a:pPr>
+            <a:r>
+              <a:rPr b="0" lang="en-US" sz="2800" spc="-1" strike="noStrike" u="sng">
+                <a:solidFill>
+                  <a:srgbClr val="0563c1"/>
+                </a:solidFill>
+                <a:uFill>
+                  <a:solidFill>
+                    <a:srgbClr val="ffffff"/>
+                  </a:solidFill>
+                </a:uFill>
+                <a:latin typeface="Calibri"/>
+              </a:rPr>
+              <a:t>https://goo.gl/Sg2V2b</a:t>
+            </a:r>
+            <a:r>
+              <a:rPr b="0" lang="en-US" sz="2800" spc="-1" strike="noStrike">
+                <a:solidFill>
+                  <a:srgbClr val="000000"/>
+                </a:solidFill>
+                <a:uFill>
+                  <a:solidFill>
+                    <a:srgbClr val="ffffff"/>
+                  </a:solidFill>
+                </a:uFill>
+                <a:latin typeface="Calibri"/>
+              </a:rPr>
+              <a:t> </a:t>
+            </a:r>
+            <a:endParaRPr b="0" lang="en-US" sz="2800" spc="-1" strike="noStrike">
+              <a:solidFill>
+                <a:srgbClr val="000000"/>
+              </a:solidFill>
+              <a:uFill>
+                <a:solidFill>
+                  <a:srgbClr val="ffffff"/>
+                </a:solidFill>
+              </a:uFill>
+              <a:latin typeface="Calibri"/>
+            </a:endParaRPr>
+          </a:p>
+          <a:p>
+            <a:pPr marL="228600" indent="-228240">
+              <a:lnSpc>
+                <a:spcPct val="90000"/>
+              </a:lnSpc>
+              <a:spcBef>
+                <a:spcPts val="1001"/>
+              </a:spcBef>
+              <a:buClr>
+                <a:srgbClr val="000000"/>
+              </a:buClr>
+              <a:buFont typeface="Arial"/>
+              <a:buChar char="•"/>
+            </a:pPr>
+            <a:r>
+              <a:rPr b="0" lang="en-US" sz="2800" spc="-1" strike="noStrike">
+                <a:solidFill>
+                  <a:srgbClr val="000000"/>
+                </a:solidFill>
+                <a:uFill>
+                  <a:solidFill>
+                    <a:srgbClr val="ffffff"/>
+                  </a:solidFill>
+                </a:uFill>
+                <a:latin typeface="Calibri"/>
+              </a:rPr>
+              <a:t>위의 링크를 타서 설치를 하자</a:t>
+            </a:r>
+            <a:endParaRPr b="0" lang="en-US" sz="2800" spc="-1" strike="noStrike">
+              <a:solidFill>
+                <a:srgbClr val="000000"/>
+              </a:solidFill>
+              <a:uFill>
+                <a:solidFill>
+                  <a:srgbClr val="ffffff"/>
+                </a:solidFill>
+              </a:uFill>
+              <a:latin typeface="Calibri"/>
+            </a:endParaRPr>
+          </a:p>
+          <a:p>
+            <a:pPr marL="228600" indent="-228240">
+              <a:lnSpc>
+                <a:spcPct val="90000"/>
+              </a:lnSpc>
+              <a:spcBef>
+                <a:spcPts val="1001"/>
+              </a:spcBef>
+              <a:buClr>
+                <a:srgbClr val="000000"/>
+              </a:buClr>
+              <a:buFont typeface="Arial"/>
+              <a:buChar char="•"/>
+            </a:pPr>
+            <a:r>
+              <a:rPr b="0" lang="en-US" sz="2800" spc="-1" strike="noStrike">
+                <a:solidFill>
+                  <a:srgbClr val="000000"/>
+                </a:solidFill>
+                <a:uFill>
+                  <a:solidFill>
+                    <a:srgbClr val="ffffff"/>
+                  </a:solidFill>
+                </a:uFill>
+                <a:latin typeface="Calibri"/>
+              </a:rPr>
+              <a:t>아래 사진처럼 나온다면 설치가 완료된것이다</a:t>
+            </a:r>
             <a:endParaRPr b="0" lang="en-US" sz="2800" spc="-1" strike="noStrike">
               <a:solidFill>
                 <a:srgbClr val="000000"/>
@@ -12438,91 +12707,7 @@
       </p:sp>
       <p:pic>
         <p:nvPicPr>
-          <p:cNvPr id="122" name="그림 4" descr=""/>
-          <p:cNvPicPr/>
-          <p:nvPr/>
-        </p:nvPicPr>
-        <p:blipFill>
-          <a:blip r:embed="rId1"/>
-          <a:stretch/>
-        </p:blipFill>
-        <p:spPr>
-          <a:xfrm>
-            <a:off x="5972760" y="2806560"/>
-            <a:ext cx="5800320" cy="3685680"/>
-          </a:xfrm>
-          <a:prstGeom prst="rect">
-            <a:avLst/>
-          </a:prstGeom>
-          <a:ln>
-            <a:noFill/>
-          </a:ln>
-        </p:spPr>
-      </p:pic>
-      <p:sp>
-        <p:nvSpPr>
-          <p:cNvPr id="123" name="CustomShape 3"/>
-          <p:cNvSpPr/>
-          <p:nvPr/>
-        </p:nvSpPr>
-        <p:spPr>
-          <a:xfrm>
-            <a:off x="8128800" y="2302560"/>
-            <a:ext cx="1488600" cy="364680"/>
-          </a:xfrm>
-          <a:prstGeom prst="rect">
-            <a:avLst/>
-          </a:prstGeom>
-          <a:noFill/>
-          <a:ln>
-            <a:noFill/>
-          </a:ln>
-        </p:spPr>
-        <p:style>
-          <a:lnRef idx="0"/>
-          <a:fillRef idx="0"/>
-          <a:effectRef idx="0"/>
-          <a:fontRef idx="minor"/>
-        </p:style>
-        <p:txBody>
-          <a:bodyPr wrap="none" lIns="90000" rIns="90000" tIns="45000" bIns="45000"/>
-          <a:p>
-            <a:pPr>
-              <a:lnSpc>
-                <a:spcPct val="100000"/>
-              </a:lnSpc>
-            </a:pPr>
-            <a:r>
-              <a:rPr b="0" lang="en-US" sz="1800" spc="-1" strike="noStrike">
-                <a:solidFill>
-                  <a:srgbClr val="000000"/>
-                </a:solidFill>
-                <a:uFill>
-                  <a:solidFill>
-                    <a:srgbClr val="ffffff"/>
-                  </a:solidFill>
-                </a:uFill>
-                <a:latin typeface="Calibri"/>
-              </a:rPr>
-              <a:t>Rserved Word</a:t>
-            </a:r>
-            <a:endParaRPr b="0" lang="en-US" sz="1800" spc="-1" strike="noStrike">
-              <a:solidFill>
-                <a:srgbClr val="000000"/>
-              </a:solidFill>
-              <a:uFill>
-                <a:solidFill>
-                  <a:srgbClr val="ffffff"/>
-                </a:solidFill>
-              </a:uFill>
-              <a:latin typeface="Arial"/>
-            </a:endParaRPr>
-          </a:p>
-        </p:txBody>
-      </p:sp>
-      <p:pic>
-        <p:nvPicPr>
-          <p:cNvPr id="124" name="그림 6" descr=""/>
+          <p:cNvPr id="119" name="그림 3"/>
           <p:cNvPicPr/>
           <p:nvPr/>
         </p:nvPicPr>
@@ -12532,8 +12717,8 @@
         </p:blipFill>
         <p:spPr>
           <a:xfrm>
-            <a:off x="0" y="5235480"/>
-            <a:ext cx="5876640" cy="1257120"/>
+            <a:off x="0" y="5995670"/>
+            <a:ext cx="12192000" cy="862330"/>
           </a:xfrm>
           <a:prstGeom prst="rect">
             <a:avLst/>
@@ -12543,169 +12728,32 @@
           </a:ln>
         </p:spPr>
       </p:pic>
-      <p:sp>
-        <p:nvSpPr>
-          <p:cNvPr id="125" name="CustomShape 4"/>
-          <p:cNvSpPr/>
-          <p:nvPr/>
-        </p:nvSpPr>
-        <p:spPr>
-          <a:xfrm>
-            <a:off x="486720" y="4941360"/>
-            <a:ext cx="3972960" cy="364680"/>
-          </a:xfrm>
-          <a:prstGeom prst="rect">
-            <a:avLst/>
-          </a:prstGeom>
-          <a:noFill/>
-          <a:ln>
-            <a:noFill/>
-          </a:ln>
-        </p:spPr>
-        <p:style>
-          <a:lnRef idx="0"/>
-          <a:fillRef idx="0"/>
-          <a:effectRef idx="0"/>
-          <a:fontRef idx="minor"/>
-        </p:style>
-        <p:txBody>
-          <a:bodyPr wrap="none" lIns="90000" rIns="90000" tIns="45000" bIns="45000"/>
-          <a:p>
-            <a:pPr>
-              <a:lnSpc>
-                <a:spcPct val="100000"/>
-              </a:lnSpc>
-            </a:pPr>
-            <a:r>
-              <a:rPr b="0" lang="en-US" sz="1800" spc="-1" strike="noStrike">
-                <a:solidFill>
-                  <a:srgbClr val="000000"/>
-                </a:solidFill>
-                <a:uFill>
-                  <a:solidFill>
-                    <a:srgbClr val="ffffff"/>
-                  </a:solidFill>
-                </a:uFill>
-                <a:latin typeface="Calibri"/>
-              </a:rPr>
-              <a:t>Line Indentation not like other languages</a:t>
-            </a:r>
-            <a:endParaRPr b="0" lang="en-US" sz="1800" spc="-1" strike="noStrike">
-              <a:solidFill>
-                <a:srgbClr val="000000"/>
-              </a:solidFill>
-              <a:uFill>
-                <a:solidFill>
-                  <a:srgbClr val="ffffff"/>
-                </a:solidFill>
-              </a:uFill>
-              <a:latin typeface="Arial"/>
-            </a:endParaRPr>
-          </a:p>
-        </p:txBody>
-      </p:sp>
-      <p:pic>
-        <p:nvPicPr>
-          <p:cNvPr id="126" name="그림 8" descr=""/>
-          <p:cNvPicPr/>
-          <p:nvPr/>
-        </p:nvPicPr>
-        <p:blipFill>
-          <a:blip r:embed="rId3"/>
-          <a:stretch/>
-        </p:blipFill>
-        <p:spPr>
-          <a:xfrm>
-            <a:off x="461880" y="3703680"/>
-            <a:ext cx="1837800" cy="742680"/>
-          </a:xfrm>
-          <a:prstGeom prst="rect">
-            <a:avLst/>
-          </a:prstGeom>
-          <a:ln>
-            <a:noFill/>
-          </a:ln>
-        </p:spPr>
-      </p:pic>
-      <p:sp>
-        <p:nvSpPr>
-          <p:cNvPr id="127" name="CustomShape 5"/>
-          <p:cNvSpPr/>
-          <p:nvPr/>
-        </p:nvSpPr>
-        <p:spPr>
-          <a:xfrm>
-            <a:off x="838440" y="3271680"/>
-            <a:ext cx="1084680" cy="364680"/>
-          </a:xfrm>
-          <a:prstGeom prst="rect">
-            <a:avLst/>
-          </a:prstGeom>
-          <a:noFill/>
-          <a:ln>
-            <a:noFill/>
-          </a:ln>
-        </p:spPr>
-        <p:style>
-          <a:lnRef idx="0"/>
-          <a:fillRef idx="0"/>
-          <a:effectRef idx="0"/>
-          <a:fontRef idx="minor"/>
-        </p:style>
-        <p:txBody>
-          <a:bodyPr wrap="none" lIns="90000" rIns="90000" tIns="45000" bIns="45000"/>
-          <a:p>
-            <a:pPr>
-              <a:lnSpc>
-                <a:spcPct val="100000"/>
-              </a:lnSpc>
-            </a:pPr>
-            <a:r>
-              <a:rPr b="0" lang="en-US" sz="1800" spc="-1" strike="noStrike">
-                <a:solidFill>
-                  <a:srgbClr val="000000"/>
-                </a:solidFill>
-                <a:uFill>
-                  <a:solidFill>
-                    <a:srgbClr val="ffffff"/>
-                  </a:solidFill>
-                </a:uFill>
-                <a:latin typeface="Calibri"/>
-              </a:rPr>
-              <a:t>Multi-line</a:t>
-            </a:r>
-            <a:endParaRPr b="0" lang="en-US" sz="1800" spc="-1" strike="noStrike">
-              <a:solidFill>
-                <a:srgbClr val="000000"/>
-              </a:solidFill>
-              <a:uFill>
-                <a:solidFill>
-                  <a:srgbClr val="ffffff"/>
-                </a:solidFill>
-              </a:uFill>
-              <a:latin typeface="Arial"/>
-            </a:endParaRPr>
-          </a:p>
-        </p:txBody>
-      </p:sp>
     </p:spTree>
   </p:cSld>
+  <mc:AlternateContent xmlns:mc="http://schemas.openxmlformats.org/markup-compatibility/2006">
+    <mc:Choice xmlns:p14="http://schemas.microsoft.com/office/powerpoint/2010/main" Requires="p14">
+      <p:transition spd="slow" p14:dur="2000"/>
+    </mc:Choice>
+    <mc:Fallback>
+      <p:transition spd="slow"/>
+    </mc:Fallback>
+  </mc:AlternateContent>
   <p:timing>
     <p:tnLst>
       <p:par>
-        <p:cTn id="17" dur="indefinite" restart="never" nodeType="tmRoot">
+        <p:cTn id="15" dur="indefinite" restart="never" nodeType="tmRoot">
           <p:childTnLst>
-            <p:seq>
-              <p:cTn id="18" nodeType="mainSeq"/>
+            <p:seq concurrent="0">
+              <p:cTn id="16" nodeType="mainSeq"/>
               <p:prevCondLst>
-                <p:cond delay="0" evt="onPrev">
+                <p:cond evt="onPrev" delay="0">
                   <p:tgtEl>
                     <p:sldTgt/>
                   </p:tgtEl>
                 </p:cond>
               </p:prevCondLst>
               <p:nextCondLst>
-                <p:cond delay="0" evt="onNext">
+                <p:cond evt="onNext" delay="0">
                   <p:tgtEl>
                     <p:sldTgt/>
                   </p:tgtEl>
